--- a/_SLIDES/DEEL1/H7/6b_arrays en methoden.pptx
+++ b/_SLIDES/DEEL1/H7/6b_arrays en methoden.pptx
@@ -5,7 +5,7 @@
     <p:sldMasterId id="2147483648" r:id="rId1"/>
   </p:sldMasterIdLst>
   <p:notesMasterIdLst>
-    <p:notesMasterId r:id="rId26"/>
+    <p:notesMasterId r:id="rId22"/>
   </p:notesMasterIdLst>
   <p:sldIdLst>
     <p:sldId id="1740" r:id="rId2"/>
@@ -18,42 +18,38 @@
     <p:sldId id="1753" r:id="rId9"/>
     <p:sldId id="1754" r:id="rId10"/>
     <p:sldId id="1965" r:id="rId11"/>
-    <p:sldId id="1962" r:id="rId12"/>
-    <p:sldId id="1769" r:id="rId13"/>
-    <p:sldId id="1960" r:id="rId14"/>
-    <p:sldId id="1961" r:id="rId15"/>
-    <p:sldId id="1963" r:id="rId16"/>
-    <p:sldId id="1877" r:id="rId17"/>
-    <p:sldId id="1878" r:id="rId18"/>
-    <p:sldId id="1879" r:id="rId19"/>
-    <p:sldId id="1880" r:id="rId20"/>
-    <p:sldId id="1964" r:id="rId21"/>
-    <p:sldId id="1882" r:id="rId22"/>
-    <p:sldId id="1883" r:id="rId23"/>
-    <p:sldId id="979" r:id="rId24"/>
-    <p:sldId id="980" r:id="rId25"/>
+    <p:sldId id="1963" r:id="rId12"/>
+    <p:sldId id="1877" r:id="rId13"/>
+    <p:sldId id="1878" r:id="rId14"/>
+    <p:sldId id="1879" r:id="rId15"/>
+    <p:sldId id="1880" r:id="rId16"/>
+    <p:sldId id="1964" r:id="rId17"/>
+    <p:sldId id="1882" r:id="rId18"/>
+    <p:sldId id="1883" r:id="rId19"/>
+    <p:sldId id="979" r:id="rId20"/>
+    <p:sldId id="980" r:id="rId21"/>
   </p:sldIdLst>
   <p:sldSz cx="12192000" cy="6858000"/>
   <p:notesSz cx="6858000" cy="9144000"/>
   <p:embeddedFontLst>
     <p:embeddedFont>
       <p:font typeface="Calibri" panose="020F0502020204030204" pitchFamily="34" charset="0"/>
-      <p:regular r:id="rId27"/>
-      <p:bold r:id="rId28"/>
-      <p:italic r:id="rId29"/>
-      <p:boldItalic r:id="rId30"/>
+      <p:regular r:id="rId23"/>
+      <p:bold r:id="rId24"/>
+      <p:italic r:id="rId25"/>
+      <p:boldItalic r:id="rId26"/>
     </p:embeddedFont>
     <p:embeddedFont>
       <p:font typeface="Calibri Light" panose="020F0302020204030204" pitchFamily="34" charset="0"/>
-      <p:regular r:id="rId31"/>
-      <p:italic r:id="rId32"/>
+      <p:regular r:id="rId27"/>
+      <p:italic r:id="rId28"/>
     </p:embeddedFont>
     <p:embeddedFont>
       <p:font typeface="Consolas" panose="020B0609020204030204" pitchFamily="49" charset="0"/>
-      <p:regular r:id="rId33"/>
-      <p:bold r:id="rId34"/>
-      <p:italic r:id="rId35"/>
-      <p:boldItalic r:id="rId36"/>
+      <p:regular r:id="rId29"/>
+      <p:bold r:id="rId30"/>
+      <p:italic r:id="rId31"/>
+      <p:boldItalic r:id="rId32"/>
     </p:embeddedFont>
   </p:embeddedFontLst>
   <p:defaultTextStyle>
@@ -159,3608 +155,6 @@
 </p:presentation>
 </file>
 
-<file path=ppt/diagrams/colors1.xml><?xml version="1.0" encoding="utf-8"?>
-<dgm:colorsDef xmlns:dgm="http://schemas.openxmlformats.org/drawingml/2006/diagram" xmlns:a="http://schemas.openxmlformats.org/drawingml/2006/main" uniqueId="urn:microsoft.com/office/officeart/2005/8/colors/colorful1">
-  <dgm:title val=""/>
-  <dgm:desc val=""/>
-  <dgm:catLst>
-    <dgm:cat type="colorful" pri="10100"/>
-  </dgm:catLst>
-  <dgm:styleLbl name="node0">
-    <dgm:fillClrLst meth="repeat">
-      <a:schemeClr val="accent1"/>
-    </dgm:fillClrLst>
-    <dgm:linClrLst meth="repeat">
-      <a:schemeClr val="lt1"/>
-    </dgm:linClrLst>
-    <dgm:effectClrLst/>
-    <dgm:txLinClrLst/>
-    <dgm:txFillClrLst/>
-    <dgm:txEffectClrLst/>
-  </dgm:styleLbl>
-  <dgm:styleLbl name="node1">
-    <dgm:fillClrLst meth="repeat">
-      <a:schemeClr val="accent2"/>
-      <a:schemeClr val="accent3"/>
-      <a:schemeClr val="accent4"/>
-      <a:schemeClr val="accent5"/>
-      <a:schemeClr val="accent6"/>
-    </dgm:fillClrLst>
-    <dgm:linClrLst meth="repeat">
-      <a:schemeClr val="lt1"/>
-    </dgm:linClrLst>
-    <dgm:effectClrLst/>
-    <dgm:txLinClrLst/>
-    <dgm:txFillClrLst/>
-    <dgm:txEffectClrLst/>
-  </dgm:styleLbl>
-  <dgm:styleLbl name="alignNode1">
-    <dgm:fillClrLst meth="repeat">
-      <a:schemeClr val="accent2"/>
-      <a:schemeClr val="accent3"/>
-      <a:schemeClr val="accent4"/>
-      <a:schemeClr val="accent5"/>
-      <a:schemeClr val="accent6"/>
-    </dgm:fillClrLst>
-    <dgm:linClrLst meth="repeat">
-      <a:schemeClr val="accent2"/>
-      <a:schemeClr val="accent3"/>
-      <a:schemeClr val="accent4"/>
-      <a:schemeClr val="accent5"/>
-      <a:schemeClr val="accent6"/>
-    </dgm:linClrLst>
-    <dgm:effectClrLst/>
-    <dgm:txLinClrLst/>
-    <dgm:txFillClrLst/>
-    <dgm:txEffectClrLst/>
-  </dgm:styleLbl>
-  <dgm:styleLbl name="lnNode1">
-    <dgm:fillClrLst meth="repeat">
-      <a:schemeClr val="accent2"/>
-      <a:schemeClr val="accent3"/>
-      <a:schemeClr val="accent4"/>
-      <a:schemeClr val="accent5"/>
-      <a:schemeClr val="accent6"/>
-    </dgm:fillClrLst>
-    <dgm:linClrLst meth="repeat">
-      <a:schemeClr val="lt1"/>
-    </dgm:linClrLst>
-    <dgm:effectClrLst/>
-    <dgm:txLinClrLst/>
-    <dgm:txFillClrLst/>
-    <dgm:txEffectClrLst/>
-  </dgm:styleLbl>
-  <dgm:styleLbl name="vennNode1">
-    <dgm:fillClrLst meth="repeat">
-      <a:schemeClr val="accent2">
-        <a:alpha val="50000"/>
-      </a:schemeClr>
-      <a:schemeClr val="accent3">
-        <a:alpha val="50000"/>
-      </a:schemeClr>
-      <a:schemeClr val="accent4">
-        <a:alpha val="50000"/>
-      </a:schemeClr>
-      <a:schemeClr val="accent5">
-        <a:alpha val="50000"/>
-      </a:schemeClr>
-      <a:schemeClr val="accent6">
-        <a:alpha val="50000"/>
-      </a:schemeClr>
-    </dgm:fillClrLst>
-    <dgm:linClrLst meth="repeat">
-      <a:schemeClr val="lt1"/>
-    </dgm:linClrLst>
-    <dgm:effectClrLst/>
-    <dgm:txLinClrLst/>
-    <dgm:txFillClrLst/>
-    <dgm:txEffectClrLst/>
-  </dgm:styleLbl>
-  <dgm:styleLbl name="node2">
-    <dgm:fillClrLst>
-      <a:schemeClr val="accent2"/>
-    </dgm:fillClrLst>
-    <dgm:linClrLst meth="repeat">
-      <a:schemeClr val="lt1"/>
-    </dgm:linClrLst>
-    <dgm:effectClrLst/>
-    <dgm:txLinClrLst/>
-    <dgm:txFillClrLst/>
-    <dgm:txEffectClrLst/>
-  </dgm:styleLbl>
-  <dgm:styleLbl name="node3">
-    <dgm:fillClrLst>
-      <a:schemeClr val="accent3"/>
-    </dgm:fillClrLst>
-    <dgm:linClrLst meth="repeat">
-      <a:schemeClr val="lt1"/>
-    </dgm:linClrLst>
-    <dgm:effectClrLst/>
-    <dgm:txLinClrLst/>
-    <dgm:txFillClrLst/>
-    <dgm:txEffectClrLst/>
-  </dgm:styleLbl>
-  <dgm:styleLbl name="node4">
-    <dgm:fillClrLst>
-      <a:schemeClr val="accent4"/>
-    </dgm:fillClrLst>
-    <dgm:linClrLst meth="repeat">
-      <a:schemeClr val="lt1"/>
-    </dgm:linClrLst>
-    <dgm:effectClrLst/>
-    <dgm:txLinClrLst/>
-    <dgm:txFillClrLst/>
-    <dgm:txEffectClrLst/>
-  </dgm:styleLbl>
-  <dgm:styleLbl name="fgImgPlace1">
-    <dgm:fillClrLst meth="repeat">
-      <a:schemeClr val="accent2">
-        <a:tint val="50000"/>
-      </a:schemeClr>
-      <a:schemeClr val="accent3">
-        <a:tint val="50000"/>
-      </a:schemeClr>
-      <a:schemeClr val="accent4">
-        <a:tint val="50000"/>
-      </a:schemeClr>
-      <a:schemeClr val="accent5">
-        <a:tint val="50000"/>
-      </a:schemeClr>
-      <a:schemeClr val="accent6">
-        <a:tint val="50000"/>
-      </a:schemeClr>
-    </dgm:fillClrLst>
-    <dgm:linClrLst meth="repeat">
-      <a:schemeClr val="lt1"/>
-    </dgm:linClrLst>
-    <dgm:effectClrLst/>
-    <dgm:txLinClrLst/>
-    <dgm:txFillClrLst meth="repeat">
-      <a:schemeClr val="lt1"/>
-    </dgm:txFillClrLst>
-    <dgm:txEffectClrLst/>
-  </dgm:styleLbl>
-  <dgm:styleLbl name="alignImgPlace1">
-    <dgm:fillClrLst>
-      <a:schemeClr val="accent1">
-        <a:tint val="50000"/>
-      </a:schemeClr>
-      <a:schemeClr val="accent2">
-        <a:tint val="20000"/>
-      </a:schemeClr>
-    </dgm:fillClrLst>
-    <dgm:linClrLst meth="repeat">
-      <a:schemeClr val="lt1"/>
-    </dgm:linClrLst>
-    <dgm:effectClrLst/>
-    <dgm:txLinClrLst/>
-    <dgm:txFillClrLst meth="repeat">
-      <a:schemeClr val="lt1"/>
-    </dgm:txFillClrLst>
-    <dgm:txEffectClrLst/>
-  </dgm:styleLbl>
-  <dgm:styleLbl name="bgImgPlace1">
-    <dgm:fillClrLst>
-      <a:schemeClr val="accent1">
-        <a:tint val="50000"/>
-      </a:schemeClr>
-      <a:schemeClr val="accent2">
-        <a:tint val="20000"/>
-      </a:schemeClr>
-    </dgm:fillClrLst>
-    <dgm:linClrLst meth="repeat">
-      <a:schemeClr val="lt1"/>
-    </dgm:linClrLst>
-    <dgm:effectClrLst/>
-    <dgm:txLinClrLst/>
-    <dgm:txFillClrLst meth="repeat">
-      <a:schemeClr val="lt1"/>
-    </dgm:txFillClrLst>
-    <dgm:txEffectClrLst/>
-  </dgm:styleLbl>
-  <dgm:styleLbl name="sibTrans2D1">
-    <dgm:fillClrLst meth="repeat">
-      <a:schemeClr val="accent2"/>
-      <a:schemeClr val="accent3"/>
-      <a:schemeClr val="accent4"/>
-      <a:schemeClr val="accent5"/>
-      <a:schemeClr val="accent6"/>
-    </dgm:fillClrLst>
-    <dgm:linClrLst meth="cycle">
-      <a:schemeClr val="lt1"/>
-    </dgm:linClrLst>
-    <dgm:effectClrLst/>
-    <dgm:txLinClrLst/>
-    <dgm:txFillClrLst/>
-    <dgm:txEffectClrLst/>
-  </dgm:styleLbl>
-  <dgm:styleLbl name="fgSibTrans2D1">
-    <dgm:fillClrLst meth="repeat">
-      <a:schemeClr val="accent2"/>
-      <a:schemeClr val="accent3"/>
-      <a:schemeClr val="accent4"/>
-      <a:schemeClr val="accent5"/>
-      <a:schemeClr val="accent6"/>
-    </dgm:fillClrLst>
-    <dgm:linClrLst meth="cycle">
-      <a:schemeClr val="lt1"/>
-    </dgm:linClrLst>
-    <dgm:effectClrLst/>
-    <dgm:txLinClrLst/>
-    <dgm:txFillClrLst meth="repeat">
-      <a:schemeClr val="lt1"/>
-    </dgm:txFillClrLst>
-    <dgm:txEffectClrLst/>
-  </dgm:styleLbl>
-  <dgm:styleLbl name="bgSibTrans2D1">
-    <dgm:fillClrLst meth="repeat">
-      <a:schemeClr val="accent2"/>
-      <a:schemeClr val="accent3"/>
-      <a:schemeClr val="accent4"/>
-      <a:schemeClr val="accent5"/>
-      <a:schemeClr val="accent6"/>
-    </dgm:fillClrLst>
-    <dgm:linClrLst meth="cycle">
-      <a:schemeClr val="lt1"/>
-    </dgm:linClrLst>
-    <dgm:effectClrLst/>
-    <dgm:txLinClrLst/>
-    <dgm:txFillClrLst meth="repeat">
-      <a:schemeClr val="lt1"/>
-    </dgm:txFillClrLst>
-    <dgm:txEffectClrLst/>
-  </dgm:styleLbl>
-  <dgm:styleLbl name="sibTrans1D1">
-    <dgm:fillClrLst meth="repeat">
-      <a:schemeClr val="accent2"/>
-      <a:schemeClr val="accent3"/>
-      <a:schemeClr val="accent4"/>
-      <a:schemeClr val="accent5"/>
-      <a:schemeClr val="accent6"/>
-    </dgm:fillClrLst>
-    <dgm:linClrLst meth="repeat">
-      <a:schemeClr val="accent2"/>
-      <a:schemeClr val="accent3"/>
-      <a:schemeClr val="accent4"/>
-      <a:schemeClr val="accent5"/>
-      <a:schemeClr val="accent6"/>
-    </dgm:linClrLst>
-    <dgm:effectClrLst/>
-    <dgm:txLinClrLst/>
-    <dgm:txFillClrLst meth="repeat">
-      <a:schemeClr val="tx1"/>
-    </dgm:txFillClrLst>
-    <dgm:txEffectClrLst/>
-  </dgm:styleLbl>
-  <dgm:styleLbl name="callout">
-    <dgm:fillClrLst meth="repeat">
-      <a:schemeClr val="accent2"/>
-    </dgm:fillClrLst>
-    <dgm:linClrLst meth="repeat">
-      <a:schemeClr val="accent2">
-        <a:tint val="50000"/>
-      </a:schemeClr>
-    </dgm:linClrLst>
-    <dgm:effectClrLst/>
-    <dgm:txLinClrLst/>
-    <dgm:txFillClrLst meth="repeat">
-      <a:schemeClr val="tx1"/>
-    </dgm:txFillClrLst>
-    <dgm:txEffectClrLst/>
-  </dgm:styleLbl>
-  <dgm:styleLbl name="asst0">
-    <dgm:fillClrLst meth="repeat">
-      <a:schemeClr val="accent1"/>
-    </dgm:fillClrLst>
-    <dgm:linClrLst meth="repeat">
-      <a:schemeClr val="lt1"/>
-    </dgm:linClrLst>
-    <dgm:effectClrLst/>
-    <dgm:txLinClrLst/>
-    <dgm:txFillClrLst/>
-    <dgm:txEffectClrLst/>
-  </dgm:styleLbl>
-  <dgm:styleLbl name="asst1">
-    <dgm:fillClrLst meth="repeat">
-      <a:schemeClr val="accent2"/>
-    </dgm:fillClrLst>
-    <dgm:linClrLst meth="repeat">
-      <a:schemeClr val="lt1"/>
-    </dgm:linClrLst>
-    <dgm:effectClrLst/>
-    <dgm:txLinClrLst/>
-    <dgm:txFillClrLst/>
-    <dgm:txEffectClrLst/>
-  </dgm:styleLbl>
-  <dgm:styleLbl name="asst2">
-    <dgm:fillClrLst>
-      <a:schemeClr val="accent3"/>
-    </dgm:fillClrLst>
-    <dgm:linClrLst meth="repeat">
-      <a:schemeClr val="lt1"/>
-    </dgm:linClrLst>
-    <dgm:effectClrLst/>
-    <dgm:txLinClrLst/>
-    <dgm:txFillClrLst/>
-    <dgm:txEffectClrLst/>
-  </dgm:styleLbl>
-  <dgm:styleLbl name="asst3">
-    <dgm:fillClrLst>
-      <a:schemeClr val="accent4"/>
-    </dgm:fillClrLst>
-    <dgm:linClrLst meth="repeat">
-      <a:schemeClr val="lt1"/>
-    </dgm:linClrLst>
-    <dgm:effectClrLst/>
-    <dgm:txLinClrLst/>
-    <dgm:txFillClrLst/>
-    <dgm:txEffectClrLst/>
-  </dgm:styleLbl>
-  <dgm:styleLbl name="asst4">
-    <dgm:fillClrLst>
-      <a:schemeClr val="accent5"/>
-    </dgm:fillClrLst>
-    <dgm:linClrLst meth="repeat">
-      <a:schemeClr val="lt1"/>
-    </dgm:linClrLst>
-    <dgm:effectClrLst/>
-    <dgm:txLinClrLst/>
-    <dgm:txFillClrLst/>
-    <dgm:txEffectClrLst/>
-  </dgm:styleLbl>
-  <dgm:styleLbl name="parChTrans2D1">
-    <dgm:fillClrLst meth="repeat">
-      <a:schemeClr val="accent2"/>
-    </dgm:fillClrLst>
-    <dgm:linClrLst meth="repeat">
-      <a:schemeClr val="lt1"/>
-    </dgm:linClrLst>
-    <dgm:effectClrLst/>
-    <dgm:txLinClrLst/>
-    <dgm:txFillClrLst meth="repeat">
-      <a:schemeClr val="lt1"/>
-    </dgm:txFillClrLst>
-    <dgm:txEffectClrLst/>
-  </dgm:styleLbl>
-  <dgm:styleLbl name="parChTrans2D2">
-    <dgm:fillClrLst meth="repeat">
-      <a:schemeClr val="accent3"/>
-    </dgm:fillClrLst>
-    <dgm:linClrLst meth="repeat">
-      <a:schemeClr val="lt1"/>
-    </dgm:linClrLst>
-    <dgm:effectClrLst/>
-    <dgm:txLinClrLst/>
-    <dgm:txFillClrLst/>
-    <dgm:txEffectClrLst/>
-  </dgm:styleLbl>
-  <dgm:styleLbl name="parChTrans2D3">
-    <dgm:fillClrLst meth="repeat">
-      <a:schemeClr val="accent4"/>
-    </dgm:fillClrLst>
-    <dgm:linClrLst meth="repeat">
-      <a:schemeClr val="lt1"/>
-    </dgm:linClrLst>
-    <dgm:effectClrLst/>
-    <dgm:txLinClrLst/>
-    <dgm:txFillClrLst/>
-    <dgm:txEffectClrLst/>
-  </dgm:styleLbl>
-  <dgm:styleLbl name="parChTrans2D4">
-    <dgm:fillClrLst meth="repeat">
-      <a:schemeClr val="accent5"/>
-    </dgm:fillClrLst>
-    <dgm:linClrLst meth="repeat">
-      <a:schemeClr val="lt1"/>
-    </dgm:linClrLst>
-    <dgm:effectClrLst/>
-    <dgm:txLinClrLst/>
-    <dgm:txFillClrLst meth="repeat">
-      <a:schemeClr val="lt1"/>
-    </dgm:txFillClrLst>
-    <dgm:txEffectClrLst/>
-  </dgm:styleLbl>
-  <dgm:styleLbl name="parChTrans1D1">
-    <dgm:fillClrLst meth="repeat">
-      <a:schemeClr val="accent2"/>
-    </dgm:fillClrLst>
-    <dgm:linClrLst meth="repeat">
-      <a:schemeClr val="accent1"/>
-    </dgm:linClrLst>
-    <dgm:effectClrLst/>
-    <dgm:txLinClrLst/>
-    <dgm:txFillClrLst meth="repeat">
-      <a:schemeClr val="tx1"/>
-    </dgm:txFillClrLst>
-    <dgm:txEffectClrLst/>
-  </dgm:styleLbl>
-  <dgm:styleLbl name="parChTrans1D2">
-    <dgm:fillClrLst meth="repeat">
-      <a:schemeClr val="accent3">
-        <a:tint val="90000"/>
-      </a:schemeClr>
-    </dgm:fillClrLst>
-    <dgm:linClrLst meth="repeat">
-      <a:schemeClr val="accent2"/>
-    </dgm:linClrLst>
-    <dgm:effectClrLst/>
-    <dgm:txLinClrLst/>
-    <dgm:txFillClrLst meth="repeat">
-      <a:schemeClr val="tx1"/>
-    </dgm:txFillClrLst>
-    <dgm:txEffectClrLst/>
-  </dgm:styleLbl>
-  <dgm:styleLbl name="parChTrans1D3">
-    <dgm:fillClrLst meth="repeat">
-      <a:schemeClr val="accent4">
-        <a:tint val="70000"/>
-      </a:schemeClr>
-    </dgm:fillClrLst>
-    <dgm:linClrLst meth="repeat">
-      <a:schemeClr val="accent3"/>
-    </dgm:linClrLst>
-    <dgm:effectClrLst/>
-    <dgm:txLinClrLst/>
-    <dgm:txFillClrLst meth="repeat">
-      <a:schemeClr val="tx1"/>
-    </dgm:txFillClrLst>
-    <dgm:txEffectClrLst/>
-  </dgm:styleLbl>
-  <dgm:styleLbl name="parChTrans1D4">
-    <dgm:fillClrLst meth="repeat">
-      <a:schemeClr val="accent5">
-        <a:tint val="50000"/>
-      </a:schemeClr>
-    </dgm:fillClrLst>
-    <dgm:linClrLst meth="repeat">
-      <a:schemeClr val="accent4"/>
-    </dgm:linClrLst>
-    <dgm:effectClrLst/>
-    <dgm:txLinClrLst/>
-    <dgm:txFillClrLst meth="repeat">
-      <a:schemeClr val="tx1"/>
-    </dgm:txFillClrLst>
-    <dgm:txEffectClrLst/>
-  </dgm:styleLbl>
-  <dgm:styleLbl name="fgAcc1">
-    <dgm:fillClrLst meth="repeat">
-      <a:schemeClr val="lt1">
-        <a:alpha val="90000"/>
-      </a:schemeClr>
-    </dgm:fillClrLst>
-    <dgm:linClrLst meth="repeat">
-      <a:schemeClr val="accent2"/>
-      <a:schemeClr val="accent3"/>
-      <a:schemeClr val="accent4"/>
-      <a:schemeClr val="accent5"/>
-      <a:schemeClr val="accent6"/>
-    </dgm:linClrLst>
-    <dgm:effectClrLst/>
-    <dgm:txLinClrLst/>
-    <dgm:txFillClrLst meth="repeat">
-      <a:schemeClr val="dk1"/>
-    </dgm:txFillClrLst>
-    <dgm:txEffectClrLst/>
-  </dgm:styleLbl>
-  <dgm:styleLbl name="conFgAcc1">
-    <dgm:fillClrLst meth="repeat">
-      <a:schemeClr val="lt1">
-        <a:alpha val="90000"/>
-      </a:schemeClr>
-    </dgm:fillClrLst>
-    <dgm:linClrLst meth="repeat">
-      <a:schemeClr val="accent2"/>
-      <a:schemeClr val="accent3"/>
-      <a:schemeClr val="accent4"/>
-      <a:schemeClr val="accent5"/>
-      <a:schemeClr val="accent6"/>
-    </dgm:linClrLst>
-    <dgm:effectClrLst/>
-    <dgm:txLinClrLst/>
-    <dgm:txFillClrLst meth="repeat">
-      <a:schemeClr val="dk1"/>
-    </dgm:txFillClrLst>
-    <dgm:txEffectClrLst/>
-  </dgm:styleLbl>
-  <dgm:styleLbl name="alignAcc1">
-    <dgm:fillClrLst meth="repeat">
-      <a:schemeClr val="lt1">
-        <a:alpha val="90000"/>
-      </a:schemeClr>
-    </dgm:fillClrLst>
-    <dgm:linClrLst meth="repeat">
-      <a:schemeClr val="accent2"/>
-      <a:schemeClr val="accent3"/>
-      <a:schemeClr val="accent4"/>
-      <a:schemeClr val="accent5"/>
-      <a:schemeClr val="accent6"/>
-    </dgm:linClrLst>
-    <dgm:effectClrLst/>
-    <dgm:txLinClrLst/>
-    <dgm:txFillClrLst meth="repeat">
-      <a:schemeClr val="dk1"/>
-    </dgm:txFillClrLst>
-    <dgm:txEffectClrLst/>
-  </dgm:styleLbl>
-  <dgm:styleLbl name="trAlignAcc1">
-    <dgm:fillClrLst meth="repeat">
-      <a:schemeClr val="lt1">
-        <a:alpha val="40000"/>
-      </a:schemeClr>
-    </dgm:fillClrLst>
-    <dgm:linClrLst meth="repeat">
-      <a:schemeClr val="accent1"/>
-    </dgm:linClrLst>
-    <dgm:effectClrLst/>
-    <dgm:txLinClrLst/>
-    <dgm:txFillClrLst meth="repeat">
-      <a:schemeClr val="dk1"/>
-    </dgm:txFillClrLst>
-    <dgm:txEffectClrLst/>
-  </dgm:styleLbl>
-  <dgm:styleLbl name="bgAcc1">
-    <dgm:fillClrLst meth="repeat">
-      <a:schemeClr val="lt1">
-        <a:alpha val="90000"/>
-      </a:schemeClr>
-    </dgm:fillClrLst>
-    <dgm:linClrLst meth="repeat">
-      <a:schemeClr val="accent2"/>
-      <a:schemeClr val="accent3"/>
-      <a:schemeClr val="accent4"/>
-      <a:schemeClr val="accent5"/>
-      <a:schemeClr val="accent6"/>
-    </dgm:linClrLst>
-    <dgm:effectClrLst/>
-    <dgm:txLinClrLst/>
-    <dgm:txFillClrLst meth="repeat">
-      <a:schemeClr val="dk1"/>
-    </dgm:txFillClrLst>
-    <dgm:txEffectClrLst/>
-  </dgm:styleLbl>
-  <dgm:styleLbl name="solidFgAcc1">
-    <dgm:fillClrLst meth="repeat">
-      <a:schemeClr val="lt1"/>
-    </dgm:fillClrLst>
-    <dgm:linClrLst meth="repeat">
-      <a:schemeClr val="accent2"/>
-      <a:schemeClr val="accent3"/>
-      <a:schemeClr val="accent4"/>
-      <a:schemeClr val="accent5"/>
-      <a:schemeClr val="accent6"/>
-    </dgm:linClrLst>
-    <dgm:effectClrLst/>
-    <dgm:txLinClrLst/>
-    <dgm:txFillClrLst meth="repeat">
-      <a:schemeClr val="dk1"/>
-    </dgm:txFillClrLst>
-    <dgm:txEffectClrLst/>
-  </dgm:styleLbl>
-  <dgm:styleLbl name="solidAlignAcc1">
-    <dgm:fillClrLst meth="repeat">
-      <a:schemeClr val="lt1"/>
-    </dgm:fillClrLst>
-    <dgm:linClrLst meth="repeat">
-      <a:schemeClr val="accent2"/>
-      <a:schemeClr val="accent3"/>
-      <a:schemeClr val="accent4"/>
-      <a:schemeClr val="accent5"/>
-      <a:schemeClr val="accent6"/>
-    </dgm:linClrLst>
-    <dgm:effectClrLst/>
-    <dgm:txLinClrLst/>
-    <dgm:txFillClrLst meth="repeat">
-      <a:schemeClr val="dk1"/>
-    </dgm:txFillClrLst>
-    <dgm:txEffectClrLst/>
-  </dgm:styleLbl>
-  <dgm:styleLbl name="solidBgAcc1">
-    <dgm:fillClrLst meth="repeat">
-      <a:schemeClr val="lt1"/>
-    </dgm:fillClrLst>
-    <dgm:linClrLst meth="repeat">
-      <a:schemeClr val="accent2"/>
-      <a:schemeClr val="accent3"/>
-      <a:schemeClr val="accent4"/>
-      <a:schemeClr val="accent5"/>
-      <a:schemeClr val="accent6"/>
-    </dgm:linClrLst>
-    <dgm:effectClrLst/>
-    <dgm:txLinClrLst/>
-    <dgm:txFillClrLst meth="repeat">
-      <a:schemeClr val="dk1"/>
-    </dgm:txFillClrLst>
-    <dgm:txEffectClrLst/>
-  </dgm:styleLbl>
-  <dgm:styleLbl name="fgAccFollowNode1">
-    <dgm:fillClrLst meth="repeat">
-      <a:schemeClr val="accent2">
-        <a:tint val="40000"/>
-        <a:alpha val="90000"/>
-      </a:schemeClr>
-      <a:schemeClr val="accent3">
-        <a:tint val="40000"/>
-        <a:alpha val="90000"/>
-      </a:schemeClr>
-      <a:schemeClr val="accent4">
-        <a:tint val="40000"/>
-        <a:alpha val="90000"/>
-      </a:schemeClr>
-      <a:schemeClr val="accent5">
-        <a:tint val="40000"/>
-        <a:alpha val="90000"/>
-      </a:schemeClr>
-      <a:schemeClr val="accent6">
-        <a:tint val="40000"/>
-        <a:alpha val="90000"/>
-      </a:schemeClr>
-    </dgm:fillClrLst>
-    <dgm:linClrLst meth="repeat">
-      <a:schemeClr val="accent2">
-        <a:tint val="40000"/>
-        <a:alpha val="90000"/>
-      </a:schemeClr>
-      <a:schemeClr val="accent3">
-        <a:tint val="40000"/>
-        <a:alpha val="90000"/>
-      </a:schemeClr>
-      <a:schemeClr val="accent4">
-        <a:tint val="40000"/>
-        <a:alpha val="90000"/>
-      </a:schemeClr>
-      <a:schemeClr val="accent5">
-        <a:tint val="40000"/>
-        <a:alpha val="90000"/>
-      </a:schemeClr>
-      <a:schemeClr val="accent6">
-        <a:tint val="40000"/>
-        <a:alpha val="90000"/>
-      </a:schemeClr>
-    </dgm:linClrLst>
-    <dgm:effectClrLst/>
-    <dgm:txLinClrLst/>
-    <dgm:txFillClrLst meth="repeat">
-      <a:schemeClr val="dk1"/>
-    </dgm:txFillClrLst>
-    <dgm:txEffectClrLst/>
-  </dgm:styleLbl>
-  <dgm:styleLbl name="alignAccFollowNode1">
-    <dgm:fillClrLst meth="repeat">
-      <a:schemeClr val="accent2">
-        <a:tint val="40000"/>
-        <a:alpha val="90000"/>
-      </a:schemeClr>
-      <a:schemeClr val="accent3">
-        <a:tint val="40000"/>
-        <a:alpha val="90000"/>
-      </a:schemeClr>
-      <a:schemeClr val="accent4">
-        <a:tint val="40000"/>
-        <a:alpha val="90000"/>
-      </a:schemeClr>
-      <a:schemeClr val="accent5">
-        <a:tint val="40000"/>
-        <a:alpha val="90000"/>
-      </a:schemeClr>
-      <a:schemeClr val="accent6">
-        <a:tint val="40000"/>
-        <a:alpha val="90000"/>
-      </a:schemeClr>
-    </dgm:fillClrLst>
-    <dgm:linClrLst meth="repeat">
-      <a:schemeClr val="accent2">
-        <a:tint val="40000"/>
-        <a:alpha val="90000"/>
-      </a:schemeClr>
-      <a:schemeClr val="accent3">
-        <a:tint val="40000"/>
-        <a:alpha val="90000"/>
-      </a:schemeClr>
-      <a:schemeClr val="accent4">
-        <a:tint val="40000"/>
-        <a:alpha val="90000"/>
-      </a:schemeClr>
-      <a:schemeClr val="accent5">
-        <a:tint val="40000"/>
-        <a:alpha val="90000"/>
-      </a:schemeClr>
-      <a:schemeClr val="accent6">
-        <a:tint val="40000"/>
-        <a:alpha val="90000"/>
-      </a:schemeClr>
-    </dgm:linClrLst>
-    <dgm:effectClrLst/>
-    <dgm:txLinClrLst/>
-    <dgm:txFillClrLst meth="repeat">
-      <a:schemeClr val="dk1"/>
-    </dgm:txFillClrLst>
-    <dgm:txEffectClrLst/>
-  </dgm:styleLbl>
-  <dgm:styleLbl name="bgAccFollowNode1">
-    <dgm:fillClrLst meth="repeat">
-      <a:schemeClr val="accent2">
-        <a:tint val="40000"/>
-        <a:alpha val="90000"/>
-      </a:schemeClr>
-      <a:schemeClr val="accent3">
-        <a:tint val="40000"/>
-        <a:alpha val="90000"/>
-      </a:schemeClr>
-      <a:schemeClr val="accent4">
-        <a:tint val="40000"/>
-        <a:alpha val="90000"/>
-      </a:schemeClr>
-      <a:schemeClr val="accent5">
-        <a:tint val="40000"/>
-        <a:alpha val="90000"/>
-      </a:schemeClr>
-      <a:schemeClr val="accent6">
-        <a:tint val="40000"/>
-        <a:alpha val="90000"/>
-      </a:schemeClr>
-    </dgm:fillClrLst>
-    <dgm:linClrLst meth="repeat">
-      <a:schemeClr val="accent2">
-        <a:tint val="40000"/>
-        <a:alpha val="90000"/>
-      </a:schemeClr>
-      <a:schemeClr val="accent3">
-        <a:tint val="40000"/>
-        <a:alpha val="90000"/>
-      </a:schemeClr>
-      <a:schemeClr val="accent4">
-        <a:tint val="40000"/>
-        <a:alpha val="90000"/>
-      </a:schemeClr>
-      <a:schemeClr val="accent5">
-        <a:tint val="40000"/>
-        <a:alpha val="90000"/>
-      </a:schemeClr>
-      <a:schemeClr val="accent6">
-        <a:tint val="40000"/>
-        <a:alpha val="90000"/>
-      </a:schemeClr>
-    </dgm:linClrLst>
-    <dgm:effectClrLst/>
-    <dgm:txLinClrLst/>
-    <dgm:txFillClrLst meth="repeat">
-      <a:schemeClr val="dk1"/>
-    </dgm:txFillClrLst>
-    <dgm:txEffectClrLst/>
-  </dgm:styleLbl>
-  <dgm:styleLbl name="fgAcc0">
-    <dgm:fillClrLst meth="repeat">
-      <a:schemeClr val="lt1">
-        <a:alpha val="90000"/>
-      </a:schemeClr>
-    </dgm:fillClrLst>
-    <dgm:linClrLst>
-      <a:schemeClr val="accent1"/>
-    </dgm:linClrLst>
-    <dgm:effectClrLst/>
-    <dgm:txLinClrLst/>
-    <dgm:txFillClrLst meth="repeat">
-      <a:schemeClr val="dk1"/>
-    </dgm:txFillClrLst>
-    <dgm:txEffectClrLst/>
-  </dgm:styleLbl>
-  <dgm:styleLbl name="fgAcc2">
-    <dgm:fillClrLst meth="repeat">
-      <a:schemeClr val="lt1">
-        <a:alpha val="90000"/>
-      </a:schemeClr>
-    </dgm:fillClrLst>
-    <dgm:linClrLst>
-      <a:schemeClr val="accent2"/>
-    </dgm:linClrLst>
-    <dgm:effectClrLst/>
-    <dgm:txLinClrLst/>
-    <dgm:txFillClrLst meth="repeat">
-      <a:schemeClr val="dk1"/>
-    </dgm:txFillClrLst>
-    <dgm:txEffectClrLst/>
-  </dgm:styleLbl>
-  <dgm:styleLbl name="fgAcc3">
-    <dgm:fillClrLst meth="repeat">
-      <a:schemeClr val="lt1">
-        <a:alpha val="90000"/>
-      </a:schemeClr>
-    </dgm:fillClrLst>
-    <dgm:linClrLst>
-      <a:schemeClr val="accent3"/>
-    </dgm:linClrLst>
-    <dgm:effectClrLst/>
-    <dgm:txLinClrLst/>
-    <dgm:txFillClrLst meth="repeat">
-      <a:schemeClr val="dk1"/>
-    </dgm:txFillClrLst>
-    <dgm:txEffectClrLst/>
-  </dgm:styleLbl>
-  <dgm:styleLbl name="fgAcc4">
-    <dgm:fillClrLst meth="repeat">
-      <a:schemeClr val="lt1">
-        <a:alpha val="90000"/>
-      </a:schemeClr>
-    </dgm:fillClrLst>
-    <dgm:linClrLst>
-      <a:schemeClr val="accent4"/>
-    </dgm:linClrLst>
-    <dgm:effectClrLst/>
-    <dgm:txLinClrLst/>
-    <dgm:txFillClrLst meth="repeat">
-      <a:schemeClr val="dk1"/>
-    </dgm:txFillClrLst>
-    <dgm:txEffectClrLst/>
-  </dgm:styleLbl>
-  <dgm:styleLbl name="bgShp">
-    <dgm:fillClrLst meth="repeat">
-      <a:schemeClr val="accent2">
-        <a:tint val="40000"/>
-      </a:schemeClr>
-    </dgm:fillClrLst>
-    <dgm:linClrLst meth="repeat">
-      <a:schemeClr val="dk1"/>
-    </dgm:linClrLst>
-    <dgm:effectClrLst/>
-    <dgm:txLinClrLst/>
-    <dgm:txFillClrLst meth="repeat">
-      <a:schemeClr val="dk1"/>
-    </dgm:txFillClrLst>
-    <dgm:txEffectClrLst/>
-  </dgm:styleLbl>
-  <dgm:styleLbl name="dkBgShp">
-    <dgm:fillClrLst meth="repeat">
-      <a:schemeClr val="accent2">
-        <a:shade val="90000"/>
-      </a:schemeClr>
-    </dgm:fillClrLst>
-    <dgm:linClrLst meth="repeat">
-      <a:schemeClr val="dk1"/>
-    </dgm:linClrLst>
-    <dgm:effectClrLst/>
-    <dgm:txLinClrLst/>
-    <dgm:txFillClrLst meth="repeat">
-      <a:schemeClr val="lt1"/>
-    </dgm:txFillClrLst>
-    <dgm:txEffectClrLst/>
-  </dgm:styleLbl>
-  <dgm:styleLbl name="trBgShp">
-    <dgm:fillClrLst meth="repeat">
-      <a:schemeClr val="accent1">
-        <a:tint val="50000"/>
-        <a:alpha val="40000"/>
-      </a:schemeClr>
-    </dgm:fillClrLst>
-    <dgm:linClrLst meth="repeat">
-      <a:schemeClr val="accent2"/>
-    </dgm:linClrLst>
-    <dgm:effectClrLst/>
-    <dgm:txLinClrLst/>
-    <dgm:txFillClrLst meth="repeat">
-      <a:schemeClr val="lt1"/>
-    </dgm:txFillClrLst>
-    <dgm:txEffectClrLst/>
-  </dgm:styleLbl>
-  <dgm:styleLbl name="fgShp">
-    <dgm:fillClrLst meth="repeat">
-      <a:schemeClr val="accent2">
-        <a:tint val="40000"/>
-      </a:schemeClr>
-    </dgm:fillClrLst>
-    <dgm:linClrLst meth="repeat">
-      <a:schemeClr val="lt1"/>
-    </dgm:linClrLst>
-    <dgm:effectClrLst/>
-    <dgm:txLinClrLst/>
-    <dgm:txFillClrLst meth="repeat">
-      <a:schemeClr val="dk1"/>
-    </dgm:txFillClrLst>
-    <dgm:txEffectClrLst/>
-  </dgm:styleLbl>
-  <dgm:styleLbl name="revTx">
-    <dgm:fillClrLst meth="repeat">
-      <a:schemeClr val="lt1">
-        <a:alpha val="0"/>
-      </a:schemeClr>
-    </dgm:fillClrLst>
-    <dgm:linClrLst meth="repeat">
-      <a:schemeClr val="dk1">
-        <a:alpha val="0"/>
-      </a:schemeClr>
-    </dgm:linClrLst>
-    <dgm:effectClrLst/>
-    <dgm:txLinClrLst/>
-    <dgm:txFillClrLst meth="repeat">
-      <a:schemeClr val="tx1"/>
-    </dgm:txFillClrLst>
-    <dgm:txEffectClrLst/>
-  </dgm:styleLbl>
-</dgm:colorsDef>
-</file>
-
-<file path=ppt/diagrams/data1.xml><?xml version="1.0" encoding="utf-8"?>
-<dgm:dataModel xmlns:dgm="http://schemas.openxmlformats.org/drawingml/2006/diagram" xmlns:a="http://schemas.openxmlformats.org/drawingml/2006/main">
-  <dgm:ptLst>
-    <dgm:pt modelId="{06ABA83A-8212-470C-BE8A-8CF75BD738A0}" type="doc">
-      <dgm:prSet loTypeId="urn:microsoft.com/office/officeart/2005/8/layout/hierarchy1" loCatId="hierarchy" qsTypeId="urn:microsoft.com/office/officeart/2005/8/quickstyle/simple4" qsCatId="simple" csTypeId="urn:microsoft.com/office/officeart/2005/8/colors/colorful1" csCatId="colorful"/>
-      <dgm:spPr/>
-      <dgm:t>
-        <a:bodyPr/>
-        <a:lstStyle/>
-        <a:p>
-          <a:endParaRPr lang="en-US"/>
-        </a:p>
-      </dgm:t>
-    </dgm:pt>
-    <dgm:pt modelId="{74B4789F-493F-4648-B2BB-0301B14690F9}">
-      <dgm:prSet/>
-      <dgm:spPr/>
-      <dgm:t>
-        <a:bodyPr/>
-        <a:lstStyle/>
-        <a:p>
-          <a:r>
-            <a:rPr lang="nl-BE"/>
-            <a:t>String =  array of chars</a:t>
-          </a:r>
-          <a:endParaRPr lang="en-US"/>
-        </a:p>
-      </dgm:t>
-    </dgm:pt>
-    <dgm:pt modelId="{069C4F9C-FC6B-429F-AF41-25D21EB8E70B}" type="parTrans" cxnId="{049C6BE3-9342-4057-B231-7B0A8667742A}">
-      <dgm:prSet/>
-      <dgm:spPr/>
-      <dgm:t>
-        <a:bodyPr/>
-        <a:lstStyle/>
-        <a:p>
-          <a:endParaRPr lang="en-US"/>
-        </a:p>
-      </dgm:t>
-    </dgm:pt>
-    <dgm:pt modelId="{933E4A91-80BF-4ADE-B8D1-5FCCF99D7E0D}" type="sibTrans" cxnId="{049C6BE3-9342-4057-B231-7B0A8667742A}">
-      <dgm:prSet/>
-      <dgm:spPr/>
-      <dgm:t>
-        <a:bodyPr/>
-        <a:lstStyle/>
-        <a:p>
-          <a:endParaRPr lang="en-US"/>
-        </a:p>
-      </dgm:t>
-    </dgm:pt>
-    <dgm:pt modelId="{1B319F9C-60ED-4273-BEC5-DF6F56F305F0}">
-      <dgm:prSet/>
-      <dgm:spPr/>
-      <dgm:t>
-        <a:bodyPr/>
-        <a:lstStyle/>
-        <a:p>
-          <a:r>
-            <a:rPr lang="nl-BE"/>
-            <a:t>We can convert in both ways:</a:t>
-          </a:r>
-          <a:endParaRPr lang="en-US"/>
-        </a:p>
-      </dgm:t>
-    </dgm:pt>
-    <dgm:pt modelId="{36DA48F4-3C6D-4957-9B29-549FAD46D649}" type="parTrans" cxnId="{F5008D64-FE44-4FF5-BE17-9B455B013472}">
-      <dgm:prSet/>
-      <dgm:spPr/>
-      <dgm:t>
-        <a:bodyPr/>
-        <a:lstStyle/>
-        <a:p>
-          <a:endParaRPr lang="en-US"/>
-        </a:p>
-      </dgm:t>
-    </dgm:pt>
-    <dgm:pt modelId="{60C70827-83ED-4F09-8DFD-B26FB73BF3E8}" type="sibTrans" cxnId="{F5008D64-FE44-4FF5-BE17-9B455B013472}">
-      <dgm:prSet/>
-      <dgm:spPr/>
-      <dgm:t>
-        <a:bodyPr/>
-        <a:lstStyle/>
-        <a:p>
-          <a:endParaRPr lang="en-US"/>
-        </a:p>
-      </dgm:t>
-    </dgm:pt>
-    <dgm:pt modelId="{5D37A4D9-9862-4261-ABFF-4FB3DBBC11C2}">
-      <dgm:prSet/>
-      <dgm:spPr/>
-      <dgm:t>
-        <a:bodyPr/>
-        <a:lstStyle/>
-        <a:p>
-          <a:r>
-            <a:rPr lang="nl-BE"/>
-            <a:t>String to char-array: </a:t>
-          </a:r>
-          <a:r>
-            <a:rPr lang="nl-BE" b="1"/>
-            <a:t>.ToCharArray();</a:t>
-          </a:r>
-          <a:endParaRPr lang="en-US"/>
-        </a:p>
-      </dgm:t>
-    </dgm:pt>
-    <dgm:pt modelId="{689AF688-8C5D-493F-B47B-668231AC5521}" type="parTrans" cxnId="{DF05DF30-0610-43C1-9687-4DC9D248F100}">
-      <dgm:prSet/>
-      <dgm:spPr/>
-      <dgm:t>
-        <a:bodyPr/>
-        <a:lstStyle/>
-        <a:p>
-          <a:endParaRPr lang="en-US"/>
-        </a:p>
-      </dgm:t>
-    </dgm:pt>
-    <dgm:pt modelId="{421F24C9-E615-4E66-A6AA-4F84503D2D3D}" type="sibTrans" cxnId="{DF05DF30-0610-43C1-9687-4DC9D248F100}">
-      <dgm:prSet/>
-      <dgm:spPr/>
-      <dgm:t>
-        <a:bodyPr/>
-        <a:lstStyle/>
-        <a:p>
-          <a:endParaRPr lang="en-US"/>
-        </a:p>
-      </dgm:t>
-    </dgm:pt>
-    <dgm:pt modelId="{E9910042-3BD2-43EE-940B-DCC1DBEE41B8}">
-      <dgm:prSet/>
-      <dgm:spPr/>
-      <dgm:t>
-        <a:bodyPr/>
-        <a:lstStyle/>
-        <a:p>
-          <a:r>
-            <a:rPr lang="nl-BE"/>
-            <a:t>Char-array to string: using </a:t>
-          </a:r>
-          <a:r>
-            <a:rPr lang="nl-BE" b="1"/>
-            <a:t>new String(…);</a:t>
-          </a:r>
-          <a:endParaRPr lang="en-US"/>
-        </a:p>
-      </dgm:t>
-    </dgm:pt>
-    <dgm:pt modelId="{C05FC9C4-8F08-4326-A5C5-DFD68697226B}" type="parTrans" cxnId="{C125F373-DAF2-4018-ACF5-D825A5892DA2}">
-      <dgm:prSet/>
-      <dgm:spPr/>
-      <dgm:t>
-        <a:bodyPr/>
-        <a:lstStyle/>
-        <a:p>
-          <a:endParaRPr lang="en-US"/>
-        </a:p>
-      </dgm:t>
-    </dgm:pt>
-    <dgm:pt modelId="{7BD695CB-EFDA-469D-BA3D-3923F10ECC13}" type="sibTrans" cxnId="{C125F373-DAF2-4018-ACF5-D825A5892DA2}">
-      <dgm:prSet/>
-      <dgm:spPr/>
-      <dgm:t>
-        <a:bodyPr/>
-        <a:lstStyle/>
-        <a:p>
-          <a:endParaRPr lang="en-US"/>
-        </a:p>
-      </dgm:t>
-    </dgm:pt>
-    <dgm:pt modelId="{081FD799-7050-471A-B120-646F8A89A699}" type="pres">
-      <dgm:prSet presAssocID="{06ABA83A-8212-470C-BE8A-8CF75BD738A0}" presName="hierChild1" presStyleCnt="0">
-        <dgm:presLayoutVars>
-          <dgm:chPref val="1"/>
-          <dgm:dir/>
-          <dgm:animOne val="branch"/>
-          <dgm:animLvl val="lvl"/>
-          <dgm:resizeHandles/>
-        </dgm:presLayoutVars>
-      </dgm:prSet>
-      <dgm:spPr/>
-    </dgm:pt>
-    <dgm:pt modelId="{68CAF6BE-19EC-48A5-A602-2DA8ED29BFF9}" type="pres">
-      <dgm:prSet presAssocID="{74B4789F-493F-4648-B2BB-0301B14690F9}" presName="hierRoot1" presStyleCnt="0"/>
-      <dgm:spPr/>
-    </dgm:pt>
-    <dgm:pt modelId="{9E88B01F-75BA-4177-B125-8C06BD9CAD45}" type="pres">
-      <dgm:prSet presAssocID="{74B4789F-493F-4648-B2BB-0301B14690F9}" presName="composite" presStyleCnt="0"/>
-      <dgm:spPr/>
-    </dgm:pt>
-    <dgm:pt modelId="{4C6EB409-4C77-4EB2-AD8C-3F7B334BAD26}" type="pres">
-      <dgm:prSet presAssocID="{74B4789F-493F-4648-B2BB-0301B14690F9}" presName="background" presStyleLbl="node0" presStyleIdx="0" presStyleCnt="2"/>
-      <dgm:spPr/>
-    </dgm:pt>
-    <dgm:pt modelId="{5975926F-BFDF-49A2-837A-B46DD146F49B}" type="pres">
-      <dgm:prSet presAssocID="{74B4789F-493F-4648-B2BB-0301B14690F9}" presName="text" presStyleLbl="fgAcc0" presStyleIdx="0" presStyleCnt="2">
-        <dgm:presLayoutVars>
-          <dgm:chPref val="3"/>
-        </dgm:presLayoutVars>
-      </dgm:prSet>
-      <dgm:spPr/>
-    </dgm:pt>
-    <dgm:pt modelId="{C12FAB66-C208-4CB1-BEDE-81A41E8134B6}" type="pres">
-      <dgm:prSet presAssocID="{74B4789F-493F-4648-B2BB-0301B14690F9}" presName="hierChild2" presStyleCnt="0"/>
-      <dgm:spPr/>
-    </dgm:pt>
-    <dgm:pt modelId="{A549333C-6713-4373-AA08-A88FEB3FB769}" type="pres">
-      <dgm:prSet presAssocID="{1B319F9C-60ED-4273-BEC5-DF6F56F305F0}" presName="hierRoot1" presStyleCnt="0"/>
-      <dgm:spPr/>
-    </dgm:pt>
-    <dgm:pt modelId="{BDFD70B7-B78D-4198-AA1A-385B461D2B75}" type="pres">
-      <dgm:prSet presAssocID="{1B319F9C-60ED-4273-BEC5-DF6F56F305F0}" presName="composite" presStyleCnt="0"/>
-      <dgm:spPr/>
-    </dgm:pt>
-    <dgm:pt modelId="{816CBFD5-608B-4558-8885-8FF945BA5A2F}" type="pres">
-      <dgm:prSet presAssocID="{1B319F9C-60ED-4273-BEC5-DF6F56F305F0}" presName="background" presStyleLbl="node0" presStyleIdx="1" presStyleCnt="2"/>
-      <dgm:spPr/>
-    </dgm:pt>
-    <dgm:pt modelId="{00F94FC8-7FE2-43D3-A2BB-1DF1E80C7B0E}" type="pres">
-      <dgm:prSet presAssocID="{1B319F9C-60ED-4273-BEC5-DF6F56F305F0}" presName="text" presStyleLbl="fgAcc0" presStyleIdx="1" presStyleCnt="2">
-        <dgm:presLayoutVars>
-          <dgm:chPref val="3"/>
-        </dgm:presLayoutVars>
-      </dgm:prSet>
-      <dgm:spPr/>
-    </dgm:pt>
-    <dgm:pt modelId="{80369A89-4233-495B-8F37-0B485DA0F0CD}" type="pres">
-      <dgm:prSet presAssocID="{1B319F9C-60ED-4273-BEC5-DF6F56F305F0}" presName="hierChild2" presStyleCnt="0"/>
-      <dgm:spPr/>
-    </dgm:pt>
-    <dgm:pt modelId="{FF8E9FD1-E375-4323-9F36-9DA09BDBC869}" type="pres">
-      <dgm:prSet presAssocID="{689AF688-8C5D-493F-B47B-668231AC5521}" presName="Name10" presStyleLbl="parChTrans1D2" presStyleIdx="0" presStyleCnt="2"/>
-      <dgm:spPr/>
-    </dgm:pt>
-    <dgm:pt modelId="{873610A5-A8A7-4231-BC15-7BC11CDA3007}" type="pres">
-      <dgm:prSet presAssocID="{5D37A4D9-9862-4261-ABFF-4FB3DBBC11C2}" presName="hierRoot2" presStyleCnt="0"/>
-      <dgm:spPr/>
-    </dgm:pt>
-    <dgm:pt modelId="{468B3430-3503-4C61-87D3-9EC2C8A6FDC0}" type="pres">
-      <dgm:prSet presAssocID="{5D37A4D9-9862-4261-ABFF-4FB3DBBC11C2}" presName="composite2" presStyleCnt="0"/>
-      <dgm:spPr/>
-    </dgm:pt>
-    <dgm:pt modelId="{B3F7876C-D5A0-45AD-AFE3-10768B38CF07}" type="pres">
-      <dgm:prSet presAssocID="{5D37A4D9-9862-4261-ABFF-4FB3DBBC11C2}" presName="background2" presStyleLbl="node2" presStyleIdx="0" presStyleCnt="2"/>
-      <dgm:spPr/>
-    </dgm:pt>
-    <dgm:pt modelId="{8B41FB60-8EE9-461E-8F12-6E43751AC2FF}" type="pres">
-      <dgm:prSet presAssocID="{5D37A4D9-9862-4261-ABFF-4FB3DBBC11C2}" presName="text2" presStyleLbl="fgAcc2" presStyleIdx="0" presStyleCnt="2">
-        <dgm:presLayoutVars>
-          <dgm:chPref val="3"/>
-        </dgm:presLayoutVars>
-      </dgm:prSet>
-      <dgm:spPr/>
-    </dgm:pt>
-    <dgm:pt modelId="{13448515-98BF-4032-B116-7DF5F771ED0D}" type="pres">
-      <dgm:prSet presAssocID="{5D37A4D9-9862-4261-ABFF-4FB3DBBC11C2}" presName="hierChild3" presStyleCnt="0"/>
-      <dgm:spPr/>
-    </dgm:pt>
-    <dgm:pt modelId="{08DA20BA-D10E-45A7-81B9-14784CB46FDE}" type="pres">
-      <dgm:prSet presAssocID="{C05FC9C4-8F08-4326-A5C5-DFD68697226B}" presName="Name10" presStyleLbl="parChTrans1D2" presStyleIdx="1" presStyleCnt="2"/>
-      <dgm:spPr/>
-    </dgm:pt>
-    <dgm:pt modelId="{47DD9E8E-FC3E-4E50-BF7D-BDEDA3DD71BC}" type="pres">
-      <dgm:prSet presAssocID="{E9910042-3BD2-43EE-940B-DCC1DBEE41B8}" presName="hierRoot2" presStyleCnt="0"/>
-      <dgm:spPr/>
-    </dgm:pt>
-    <dgm:pt modelId="{5CCAEAA7-A5C1-41F5-A63D-D2C79385DA73}" type="pres">
-      <dgm:prSet presAssocID="{E9910042-3BD2-43EE-940B-DCC1DBEE41B8}" presName="composite2" presStyleCnt="0"/>
-      <dgm:spPr/>
-    </dgm:pt>
-    <dgm:pt modelId="{479A8869-49D3-4081-8A1F-E2B92C89D599}" type="pres">
-      <dgm:prSet presAssocID="{E9910042-3BD2-43EE-940B-DCC1DBEE41B8}" presName="background2" presStyleLbl="node2" presStyleIdx="1" presStyleCnt="2"/>
-      <dgm:spPr/>
-    </dgm:pt>
-    <dgm:pt modelId="{4490EBD9-13D8-4494-9FC8-D551FB4EC14B}" type="pres">
-      <dgm:prSet presAssocID="{E9910042-3BD2-43EE-940B-DCC1DBEE41B8}" presName="text2" presStyleLbl="fgAcc2" presStyleIdx="1" presStyleCnt="2">
-        <dgm:presLayoutVars>
-          <dgm:chPref val="3"/>
-        </dgm:presLayoutVars>
-      </dgm:prSet>
-      <dgm:spPr/>
-    </dgm:pt>
-    <dgm:pt modelId="{6AF621C6-F6B7-4DFF-82EA-7DCAF68A8362}" type="pres">
-      <dgm:prSet presAssocID="{E9910042-3BD2-43EE-940B-DCC1DBEE41B8}" presName="hierChild3" presStyleCnt="0"/>
-      <dgm:spPr/>
-    </dgm:pt>
-  </dgm:ptLst>
-  <dgm:cxnLst>
-    <dgm:cxn modelId="{6B71C02B-FD8C-493A-B75F-652098FF6DFF}" type="presOf" srcId="{689AF688-8C5D-493F-B47B-668231AC5521}" destId="{FF8E9FD1-E375-4323-9F36-9DA09BDBC869}" srcOrd="0" destOrd="0" presId="urn:microsoft.com/office/officeart/2005/8/layout/hierarchy1"/>
-    <dgm:cxn modelId="{DF05DF30-0610-43C1-9687-4DC9D248F100}" srcId="{1B319F9C-60ED-4273-BEC5-DF6F56F305F0}" destId="{5D37A4D9-9862-4261-ABFF-4FB3DBBC11C2}" srcOrd="0" destOrd="0" parTransId="{689AF688-8C5D-493F-B47B-668231AC5521}" sibTransId="{421F24C9-E615-4E66-A6AA-4F84503D2D3D}"/>
-    <dgm:cxn modelId="{F5008D64-FE44-4FF5-BE17-9B455B013472}" srcId="{06ABA83A-8212-470C-BE8A-8CF75BD738A0}" destId="{1B319F9C-60ED-4273-BEC5-DF6F56F305F0}" srcOrd="1" destOrd="0" parTransId="{36DA48F4-3C6D-4957-9B29-549FAD46D649}" sibTransId="{60C70827-83ED-4F09-8DFD-B26FB73BF3E8}"/>
-    <dgm:cxn modelId="{C125F373-DAF2-4018-ACF5-D825A5892DA2}" srcId="{1B319F9C-60ED-4273-BEC5-DF6F56F305F0}" destId="{E9910042-3BD2-43EE-940B-DCC1DBEE41B8}" srcOrd="1" destOrd="0" parTransId="{C05FC9C4-8F08-4326-A5C5-DFD68697226B}" sibTransId="{7BD695CB-EFDA-469D-BA3D-3923F10ECC13}"/>
-    <dgm:cxn modelId="{E54C0283-4555-417A-BCFE-52359CD99219}" type="presOf" srcId="{5D37A4D9-9862-4261-ABFF-4FB3DBBC11C2}" destId="{8B41FB60-8EE9-461E-8F12-6E43751AC2FF}" srcOrd="0" destOrd="0" presId="urn:microsoft.com/office/officeart/2005/8/layout/hierarchy1"/>
-    <dgm:cxn modelId="{AC9327C8-A4EA-4B1D-BB9A-102ADE9529BA}" type="presOf" srcId="{E9910042-3BD2-43EE-940B-DCC1DBEE41B8}" destId="{4490EBD9-13D8-4494-9FC8-D551FB4EC14B}" srcOrd="0" destOrd="0" presId="urn:microsoft.com/office/officeart/2005/8/layout/hierarchy1"/>
-    <dgm:cxn modelId="{89EED5CB-9716-43B1-AFE0-0F5E3D3D93F6}" type="presOf" srcId="{1B319F9C-60ED-4273-BEC5-DF6F56F305F0}" destId="{00F94FC8-7FE2-43D3-A2BB-1DF1E80C7B0E}" srcOrd="0" destOrd="0" presId="urn:microsoft.com/office/officeart/2005/8/layout/hierarchy1"/>
-    <dgm:cxn modelId="{049C6BE3-9342-4057-B231-7B0A8667742A}" srcId="{06ABA83A-8212-470C-BE8A-8CF75BD738A0}" destId="{74B4789F-493F-4648-B2BB-0301B14690F9}" srcOrd="0" destOrd="0" parTransId="{069C4F9C-FC6B-429F-AF41-25D21EB8E70B}" sibTransId="{933E4A91-80BF-4ADE-B8D1-5FCCF99D7E0D}"/>
-    <dgm:cxn modelId="{BB3BFAF4-DF5A-4D11-B576-4B89016E9226}" type="presOf" srcId="{74B4789F-493F-4648-B2BB-0301B14690F9}" destId="{5975926F-BFDF-49A2-837A-B46DD146F49B}" srcOrd="0" destOrd="0" presId="urn:microsoft.com/office/officeart/2005/8/layout/hierarchy1"/>
-    <dgm:cxn modelId="{D7347FFD-AD67-4FDC-8DE8-CA09625CE181}" type="presOf" srcId="{C05FC9C4-8F08-4326-A5C5-DFD68697226B}" destId="{08DA20BA-D10E-45A7-81B9-14784CB46FDE}" srcOrd="0" destOrd="0" presId="urn:microsoft.com/office/officeart/2005/8/layout/hierarchy1"/>
-    <dgm:cxn modelId="{49DF47FE-7926-43E0-B9CF-2045CFEE220C}" type="presOf" srcId="{06ABA83A-8212-470C-BE8A-8CF75BD738A0}" destId="{081FD799-7050-471A-B120-646F8A89A699}" srcOrd="0" destOrd="0" presId="urn:microsoft.com/office/officeart/2005/8/layout/hierarchy1"/>
-    <dgm:cxn modelId="{B07ADEB1-659A-449F-89D5-DF7B44B5B587}" type="presParOf" srcId="{081FD799-7050-471A-B120-646F8A89A699}" destId="{68CAF6BE-19EC-48A5-A602-2DA8ED29BFF9}" srcOrd="0" destOrd="0" presId="urn:microsoft.com/office/officeart/2005/8/layout/hierarchy1"/>
-    <dgm:cxn modelId="{9835983E-6B67-4625-AF35-4E9CDF4F9A79}" type="presParOf" srcId="{68CAF6BE-19EC-48A5-A602-2DA8ED29BFF9}" destId="{9E88B01F-75BA-4177-B125-8C06BD9CAD45}" srcOrd="0" destOrd="0" presId="urn:microsoft.com/office/officeart/2005/8/layout/hierarchy1"/>
-    <dgm:cxn modelId="{001E770B-D101-40FF-B903-D9D7F15E803E}" type="presParOf" srcId="{9E88B01F-75BA-4177-B125-8C06BD9CAD45}" destId="{4C6EB409-4C77-4EB2-AD8C-3F7B334BAD26}" srcOrd="0" destOrd="0" presId="urn:microsoft.com/office/officeart/2005/8/layout/hierarchy1"/>
-    <dgm:cxn modelId="{A0B88E6B-4410-4AA3-A2C5-62C9D001E4A6}" type="presParOf" srcId="{9E88B01F-75BA-4177-B125-8C06BD9CAD45}" destId="{5975926F-BFDF-49A2-837A-B46DD146F49B}" srcOrd="1" destOrd="0" presId="urn:microsoft.com/office/officeart/2005/8/layout/hierarchy1"/>
-    <dgm:cxn modelId="{E7DB051E-91EE-4F10-B65A-44D80B28FFC3}" type="presParOf" srcId="{68CAF6BE-19EC-48A5-A602-2DA8ED29BFF9}" destId="{C12FAB66-C208-4CB1-BEDE-81A41E8134B6}" srcOrd="1" destOrd="0" presId="urn:microsoft.com/office/officeart/2005/8/layout/hierarchy1"/>
-    <dgm:cxn modelId="{CC06D55D-60E9-4F58-B945-B93C426277B9}" type="presParOf" srcId="{081FD799-7050-471A-B120-646F8A89A699}" destId="{A549333C-6713-4373-AA08-A88FEB3FB769}" srcOrd="1" destOrd="0" presId="urn:microsoft.com/office/officeart/2005/8/layout/hierarchy1"/>
-    <dgm:cxn modelId="{9E6FF6E8-7F7F-4227-8F55-4C0E35ACC18D}" type="presParOf" srcId="{A549333C-6713-4373-AA08-A88FEB3FB769}" destId="{BDFD70B7-B78D-4198-AA1A-385B461D2B75}" srcOrd="0" destOrd="0" presId="urn:microsoft.com/office/officeart/2005/8/layout/hierarchy1"/>
-    <dgm:cxn modelId="{F30599B8-A384-44D6-ADA0-AC8C9482EA6C}" type="presParOf" srcId="{BDFD70B7-B78D-4198-AA1A-385B461D2B75}" destId="{816CBFD5-608B-4558-8885-8FF945BA5A2F}" srcOrd="0" destOrd="0" presId="urn:microsoft.com/office/officeart/2005/8/layout/hierarchy1"/>
-    <dgm:cxn modelId="{CF424837-B942-4449-8938-897EE6FB90DC}" type="presParOf" srcId="{BDFD70B7-B78D-4198-AA1A-385B461D2B75}" destId="{00F94FC8-7FE2-43D3-A2BB-1DF1E80C7B0E}" srcOrd="1" destOrd="0" presId="urn:microsoft.com/office/officeart/2005/8/layout/hierarchy1"/>
-    <dgm:cxn modelId="{0043D489-2FF2-4136-8DEE-E7430293A2D1}" type="presParOf" srcId="{A549333C-6713-4373-AA08-A88FEB3FB769}" destId="{80369A89-4233-495B-8F37-0B485DA0F0CD}" srcOrd="1" destOrd="0" presId="urn:microsoft.com/office/officeart/2005/8/layout/hierarchy1"/>
-    <dgm:cxn modelId="{BC2D006F-2779-4E0B-AC0C-70134BC6A6FE}" type="presParOf" srcId="{80369A89-4233-495B-8F37-0B485DA0F0CD}" destId="{FF8E9FD1-E375-4323-9F36-9DA09BDBC869}" srcOrd="0" destOrd="0" presId="urn:microsoft.com/office/officeart/2005/8/layout/hierarchy1"/>
-    <dgm:cxn modelId="{307A2E70-671A-491C-834D-43D92926BB1F}" type="presParOf" srcId="{80369A89-4233-495B-8F37-0B485DA0F0CD}" destId="{873610A5-A8A7-4231-BC15-7BC11CDA3007}" srcOrd="1" destOrd="0" presId="urn:microsoft.com/office/officeart/2005/8/layout/hierarchy1"/>
-    <dgm:cxn modelId="{F8D3B3BB-39EC-4FA7-9668-C8D8303A7946}" type="presParOf" srcId="{873610A5-A8A7-4231-BC15-7BC11CDA3007}" destId="{468B3430-3503-4C61-87D3-9EC2C8A6FDC0}" srcOrd="0" destOrd="0" presId="urn:microsoft.com/office/officeart/2005/8/layout/hierarchy1"/>
-    <dgm:cxn modelId="{E65D6163-18F7-46AD-9ED3-75DACC692D6E}" type="presParOf" srcId="{468B3430-3503-4C61-87D3-9EC2C8A6FDC0}" destId="{B3F7876C-D5A0-45AD-AFE3-10768B38CF07}" srcOrd="0" destOrd="0" presId="urn:microsoft.com/office/officeart/2005/8/layout/hierarchy1"/>
-    <dgm:cxn modelId="{13A8B34C-5137-4967-AA51-35CEDD4C6B45}" type="presParOf" srcId="{468B3430-3503-4C61-87D3-9EC2C8A6FDC0}" destId="{8B41FB60-8EE9-461E-8F12-6E43751AC2FF}" srcOrd="1" destOrd="0" presId="urn:microsoft.com/office/officeart/2005/8/layout/hierarchy1"/>
-    <dgm:cxn modelId="{E116692E-E24A-47E5-8F75-6B8FE7593E81}" type="presParOf" srcId="{873610A5-A8A7-4231-BC15-7BC11CDA3007}" destId="{13448515-98BF-4032-B116-7DF5F771ED0D}" srcOrd="1" destOrd="0" presId="urn:microsoft.com/office/officeart/2005/8/layout/hierarchy1"/>
-    <dgm:cxn modelId="{69E59631-BA46-4D71-88B2-AF76E6C125D8}" type="presParOf" srcId="{80369A89-4233-495B-8F37-0B485DA0F0CD}" destId="{08DA20BA-D10E-45A7-81B9-14784CB46FDE}" srcOrd="2" destOrd="0" presId="urn:microsoft.com/office/officeart/2005/8/layout/hierarchy1"/>
-    <dgm:cxn modelId="{DAE7C86E-E70F-4177-9BE0-EEF4BC2F71CD}" type="presParOf" srcId="{80369A89-4233-495B-8F37-0B485DA0F0CD}" destId="{47DD9E8E-FC3E-4E50-BF7D-BDEDA3DD71BC}" srcOrd="3" destOrd="0" presId="urn:microsoft.com/office/officeart/2005/8/layout/hierarchy1"/>
-    <dgm:cxn modelId="{CA704A6F-130D-4765-A1CC-3F9132446522}" type="presParOf" srcId="{47DD9E8E-FC3E-4E50-BF7D-BDEDA3DD71BC}" destId="{5CCAEAA7-A5C1-41F5-A63D-D2C79385DA73}" srcOrd="0" destOrd="0" presId="urn:microsoft.com/office/officeart/2005/8/layout/hierarchy1"/>
-    <dgm:cxn modelId="{ECCE1544-E4E3-4A17-8A5D-047146340569}" type="presParOf" srcId="{5CCAEAA7-A5C1-41F5-A63D-D2C79385DA73}" destId="{479A8869-49D3-4081-8A1F-E2B92C89D599}" srcOrd="0" destOrd="0" presId="urn:microsoft.com/office/officeart/2005/8/layout/hierarchy1"/>
-    <dgm:cxn modelId="{4AE4FCDC-37EB-4554-B32C-3A604B342670}" type="presParOf" srcId="{5CCAEAA7-A5C1-41F5-A63D-D2C79385DA73}" destId="{4490EBD9-13D8-4494-9FC8-D551FB4EC14B}" srcOrd="1" destOrd="0" presId="urn:microsoft.com/office/officeart/2005/8/layout/hierarchy1"/>
-    <dgm:cxn modelId="{BFEEA3D8-4612-44E5-B8B8-0D534E62F6E5}" type="presParOf" srcId="{47DD9E8E-FC3E-4E50-BF7D-BDEDA3DD71BC}" destId="{6AF621C6-F6B7-4DFF-82EA-7DCAF68A8362}" srcOrd="1" destOrd="0" presId="urn:microsoft.com/office/officeart/2005/8/layout/hierarchy1"/>
-  </dgm:cxnLst>
-  <dgm:bg/>
-  <dgm:whole/>
-  <dgm:extLst>
-    <a:ext uri="http://schemas.microsoft.com/office/drawing/2008/diagram">
-      <dsp:dataModelExt xmlns:dsp="http://schemas.microsoft.com/office/drawing/2008/diagram" relId="rId7" minVer="http://schemas.openxmlformats.org/drawingml/2006/diagram"/>
-    </a:ext>
-  </dgm:extLst>
-</dgm:dataModel>
-</file>
-
-<file path=ppt/diagrams/drawing1.xml><?xml version="1.0" encoding="utf-8"?>
-<dsp:drawing xmlns:dgm="http://schemas.openxmlformats.org/drawingml/2006/diagram" xmlns:dsp="http://schemas.microsoft.com/office/drawing/2008/diagram" xmlns:a="http://schemas.openxmlformats.org/drawingml/2006/main">
-  <dsp:spTree>
-    <dsp:nvGrpSpPr>
-      <dsp:cNvPr id="0" name=""/>
-      <dsp:cNvGrpSpPr/>
-    </dsp:nvGrpSpPr>
-    <dsp:grpSpPr/>
-    <dsp:sp modelId="{08DA20BA-D10E-45A7-81B9-14784CB46FDE}">
-      <dsp:nvSpPr>
-        <dsp:cNvPr id="0" name=""/>
-        <dsp:cNvSpPr/>
-      </dsp:nvSpPr>
-      <dsp:spPr>
-        <a:xfrm>
-          <a:off x="5529392" y="1193304"/>
-          <a:ext cx="1148186" cy="546432"/>
-        </a:xfrm>
-        <a:custGeom>
-          <a:avLst/>
-          <a:gdLst/>
-          <a:ahLst/>
-          <a:cxnLst/>
-          <a:rect l="0" t="0" r="0" b="0"/>
-          <a:pathLst>
-            <a:path>
-              <a:moveTo>
-                <a:pt x="0" y="0"/>
-              </a:moveTo>
-              <a:lnTo>
-                <a:pt x="0" y="372377"/>
-              </a:lnTo>
-              <a:lnTo>
-                <a:pt x="1148186" y="372377"/>
-              </a:lnTo>
-              <a:lnTo>
-                <a:pt x="1148186" y="546432"/>
-              </a:lnTo>
-            </a:path>
-          </a:pathLst>
-        </a:custGeom>
-        <a:noFill/>
-        <a:ln w="6350" cap="flat" cmpd="sng" algn="ctr">
-          <a:solidFill>
-            <a:schemeClr val="accent2">
-              <a:hueOff val="0"/>
-              <a:satOff val="0"/>
-              <a:lumOff val="0"/>
-              <a:alphaOff val="0"/>
-            </a:schemeClr>
-          </a:solidFill>
-          <a:prstDash val="solid"/>
-          <a:miter lim="800000"/>
-        </a:ln>
-        <a:effectLst/>
-      </dsp:spPr>
-      <dsp:style>
-        <a:lnRef idx="1">
-          <a:scrgbClr r="0" g="0" b="0"/>
-        </a:lnRef>
-        <a:fillRef idx="0">
-          <a:scrgbClr r="0" g="0" b="0"/>
-        </a:fillRef>
-        <a:effectRef idx="0">
-          <a:scrgbClr r="0" g="0" b="0"/>
-        </a:effectRef>
-        <a:fontRef idx="minor"/>
-      </dsp:style>
-    </dsp:sp>
-    <dsp:sp modelId="{FF8E9FD1-E375-4323-9F36-9DA09BDBC869}">
-      <dsp:nvSpPr>
-        <dsp:cNvPr id="0" name=""/>
-        <dsp:cNvSpPr/>
-      </dsp:nvSpPr>
-      <dsp:spPr>
-        <a:xfrm>
-          <a:off x="4381206" y="1193304"/>
-          <a:ext cx="1148186" cy="546432"/>
-        </a:xfrm>
-        <a:custGeom>
-          <a:avLst/>
-          <a:gdLst/>
-          <a:ahLst/>
-          <a:cxnLst/>
-          <a:rect l="0" t="0" r="0" b="0"/>
-          <a:pathLst>
-            <a:path>
-              <a:moveTo>
-                <a:pt x="1148186" y="0"/>
-              </a:moveTo>
-              <a:lnTo>
-                <a:pt x="1148186" y="372377"/>
-              </a:lnTo>
-              <a:lnTo>
-                <a:pt x="0" y="372377"/>
-              </a:lnTo>
-              <a:lnTo>
-                <a:pt x="0" y="546432"/>
-              </a:lnTo>
-            </a:path>
-          </a:pathLst>
-        </a:custGeom>
-        <a:noFill/>
-        <a:ln w="6350" cap="flat" cmpd="sng" algn="ctr">
-          <a:solidFill>
-            <a:schemeClr val="accent2">
-              <a:hueOff val="0"/>
-              <a:satOff val="0"/>
-              <a:lumOff val="0"/>
-              <a:alphaOff val="0"/>
-            </a:schemeClr>
-          </a:solidFill>
-          <a:prstDash val="solid"/>
-          <a:miter lim="800000"/>
-        </a:ln>
-        <a:effectLst/>
-      </dsp:spPr>
-      <dsp:style>
-        <a:lnRef idx="1">
-          <a:scrgbClr r="0" g="0" b="0"/>
-        </a:lnRef>
-        <a:fillRef idx="0">
-          <a:scrgbClr r="0" g="0" b="0"/>
-        </a:fillRef>
-        <a:effectRef idx="0">
-          <a:scrgbClr r="0" g="0" b="0"/>
-        </a:effectRef>
-        <a:fontRef idx="minor"/>
-      </dsp:style>
-    </dsp:sp>
-    <dsp:sp modelId="{4C6EB409-4C77-4EB2-AD8C-3F7B334BAD26}">
-      <dsp:nvSpPr>
-        <dsp:cNvPr id="0" name=""/>
-        <dsp:cNvSpPr/>
-      </dsp:nvSpPr>
-      <dsp:spPr>
-        <a:xfrm>
-          <a:off x="2293593" y="233"/>
-          <a:ext cx="1878850" cy="1193070"/>
-        </a:xfrm>
-        <a:prstGeom prst="roundRect">
-          <a:avLst>
-            <a:gd name="adj" fmla="val 10000"/>
-          </a:avLst>
-        </a:prstGeom>
-        <a:gradFill rotWithShape="0">
-          <a:gsLst>
-            <a:gs pos="0">
-              <a:schemeClr val="accent1">
-                <a:hueOff val="0"/>
-                <a:satOff val="0"/>
-                <a:lumOff val="0"/>
-                <a:alphaOff val="0"/>
-                <a:satMod val="103000"/>
-                <a:lumMod val="102000"/>
-                <a:tint val="94000"/>
-              </a:schemeClr>
-            </a:gs>
-            <a:gs pos="50000">
-              <a:schemeClr val="accent1">
-                <a:hueOff val="0"/>
-                <a:satOff val="0"/>
-                <a:lumOff val="0"/>
-                <a:alphaOff val="0"/>
-                <a:satMod val="110000"/>
-                <a:lumMod val="100000"/>
-                <a:shade val="100000"/>
-              </a:schemeClr>
-            </a:gs>
-            <a:gs pos="100000">
-              <a:schemeClr val="accent1">
-                <a:hueOff val="0"/>
-                <a:satOff val="0"/>
-                <a:lumOff val="0"/>
-                <a:alphaOff val="0"/>
-                <a:lumMod val="99000"/>
-                <a:satMod val="120000"/>
-                <a:shade val="78000"/>
-              </a:schemeClr>
-            </a:gs>
-          </a:gsLst>
-          <a:lin ang="5400000" scaled="0"/>
-        </a:gradFill>
-        <a:ln>
-          <a:noFill/>
-        </a:ln>
-        <a:effectLst/>
-      </dsp:spPr>
-      <dsp:style>
-        <a:lnRef idx="0">
-          <a:scrgbClr r="0" g="0" b="0"/>
-        </a:lnRef>
-        <a:fillRef idx="3">
-          <a:scrgbClr r="0" g="0" b="0"/>
-        </a:fillRef>
-        <a:effectRef idx="2">
-          <a:scrgbClr r="0" g="0" b="0"/>
-        </a:effectRef>
-        <a:fontRef idx="minor">
-          <a:schemeClr val="lt1"/>
-        </a:fontRef>
-      </dsp:style>
-    </dsp:sp>
-    <dsp:sp modelId="{5975926F-BFDF-49A2-837A-B46DD146F49B}">
-      <dsp:nvSpPr>
-        <dsp:cNvPr id="0" name=""/>
-        <dsp:cNvSpPr/>
-      </dsp:nvSpPr>
-      <dsp:spPr>
-        <a:xfrm>
-          <a:off x="2502355" y="198557"/>
-          <a:ext cx="1878850" cy="1193070"/>
-        </a:xfrm>
-        <a:prstGeom prst="roundRect">
-          <a:avLst>
-            <a:gd name="adj" fmla="val 10000"/>
-          </a:avLst>
-        </a:prstGeom>
-        <a:solidFill>
-          <a:schemeClr val="lt1">
-            <a:alpha val="90000"/>
-            <a:hueOff val="0"/>
-            <a:satOff val="0"/>
-            <a:lumOff val="0"/>
-            <a:alphaOff val="0"/>
-          </a:schemeClr>
-        </a:solidFill>
-        <a:ln w="6350" cap="flat" cmpd="sng" algn="ctr">
-          <a:solidFill>
-            <a:schemeClr val="accent1">
-              <a:hueOff val="0"/>
-              <a:satOff val="0"/>
-              <a:lumOff val="0"/>
-              <a:alphaOff val="0"/>
-            </a:schemeClr>
-          </a:solidFill>
-          <a:prstDash val="solid"/>
-          <a:miter lim="800000"/>
-        </a:ln>
-        <a:effectLst/>
-      </dsp:spPr>
-      <dsp:style>
-        <a:lnRef idx="1">
-          <a:scrgbClr r="0" g="0" b="0"/>
-        </a:lnRef>
-        <a:fillRef idx="1">
-          <a:scrgbClr r="0" g="0" b="0"/>
-        </a:fillRef>
-        <a:effectRef idx="0">
-          <a:scrgbClr r="0" g="0" b="0"/>
-        </a:effectRef>
-        <a:fontRef idx="minor"/>
-      </dsp:style>
-      <dsp:txBody>
-        <a:bodyPr spcFirstLastPara="0" vert="horz" wrap="square" lIns="76200" tIns="76200" rIns="76200" bIns="76200" numCol="1" spcCol="1270" anchor="ctr" anchorCtr="0">
-          <a:noAutofit/>
-        </a:bodyPr>
-        <a:lstStyle/>
-        <a:p>
-          <a:pPr marL="0" lvl="0" indent="0" algn="ctr" defTabSz="889000">
-            <a:lnSpc>
-              <a:spcPct val="90000"/>
-            </a:lnSpc>
-            <a:spcBef>
-              <a:spcPct val="0"/>
-            </a:spcBef>
-            <a:spcAft>
-              <a:spcPct val="35000"/>
-            </a:spcAft>
-            <a:buNone/>
-          </a:pPr>
-          <a:r>
-            <a:rPr lang="nl-BE" sz="2000" kern="1200"/>
-            <a:t>String =  array of chars</a:t>
-          </a:r>
-          <a:endParaRPr lang="en-US" sz="2000" kern="1200"/>
-        </a:p>
-      </dsp:txBody>
-      <dsp:txXfrm>
-        <a:off x="2537299" y="233501"/>
-        <a:ext cx="1808962" cy="1123182"/>
-      </dsp:txXfrm>
-    </dsp:sp>
-    <dsp:sp modelId="{816CBFD5-608B-4558-8885-8FF945BA5A2F}">
-      <dsp:nvSpPr>
-        <dsp:cNvPr id="0" name=""/>
-        <dsp:cNvSpPr/>
-      </dsp:nvSpPr>
-      <dsp:spPr>
-        <a:xfrm>
-          <a:off x="4589967" y="233"/>
-          <a:ext cx="1878850" cy="1193070"/>
-        </a:xfrm>
-        <a:prstGeom prst="roundRect">
-          <a:avLst>
-            <a:gd name="adj" fmla="val 10000"/>
-          </a:avLst>
-        </a:prstGeom>
-        <a:gradFill rotWithShape="0">
-          <a:gsLst>
-            <a:gs pos="0">
-              <a:schemeClr val="accent1">
-                <a:hueOff val="0"/>
-                <a:satOff val="0"/>
-                <a:lumOff val="0"/>
-                <a:alphaOff val="0"/>
-                <a:satMod val="103000"/>
-                <a:lumMod val="102000"/>
-                <a:tint val="94000"/>
-              </a:schemeClr>
-            </a:gs>
-            <a:gs pos="50000">
-              <a:schemeClr val="accent1">
-                <a:hueOff val="0"/>
-                <a:satOff val="0"/>
-                <a:lumOff val="0"/>
-                <a:alphaOff val="0"/>
-                <a:satMod val="110000"/>
-                <a:lumMod val="100000"/>
-                <a:shade val="100000"/>
-              </a:schemeClr>
-            </a:gs>
-            <a:gs pos="100000">
-              <a:schemeClr val="accent1">
-                <a:hueOff val="0"/>
-                <a:satOff val="0"/>
-                <a:lumOff val="0"/>
-                <a:alphaOff val="0"/>
-                <a:lumMod val="99000"/>
-                <a:satMod val="120000"/>
-                <a:shade val="78000"/>
-              </a:schemeClr>
-            </a:gs>
-          </a:gsLst>
-          <a:lin ang="5400000" scaled="0"/>
-        </a:gradFill>
-        <a:ln>
-          <a:noFill/>
-        </a:ln>
-        <a:effectLst/>
-      </dsp:spPr>
-      <dsp:style>
-        <a:lnRef idx="0">
-          <a:scrgbClr r="0" g="0" b="0"/>
-        </a:lnRef>
-        <a:fillRef idx="3">
-          <a:scrgbClr r="0" g="0" b="0"/>
-        </a:fillRef>
-        <a:effectRef idx="2">
-          <a:scrgbClr r="0" g="0" b="0"/>
-        </a:effectRef>
-        <a:fontRef idx="minor">
-          <a:schemeClr val="lt1"/>
-        </a:fontRef>
-      </dsp:style>
-    </dsp:sp>
-    <dsp:sp modelId="{00F94FC8-7FE2-43D3-A2BB-1DF1E80C7B0E}">
-      <dsp:nvSpPr>
-        <dsp:cNvPr id="0" name=""/>
-        <dsp:cNvSpPr/>
-      </dsp:nvSpPr>
-      <dsp:spPr>
-        <a:xfrm>
-          <a:off x="4798728" y="198557"/>
-          <a:ext cx="1878850" cy="1193070"/>
-        </a:xfrm>
-        <a:prstGeom prst="roundRect">
-          <a:avLst>
-            <a:gd name="adj" fmla="val 10000"/>
-          </a:avLst>
-        </a:prstGeom>
-        <a:solidFill>
-          <a:schemeClr val="lt1">
-            <a:alpha val="90000"/>
-            <a:hueOff val="0"/>
-            <a:satOff val="0"/>
-            <a:lumOff val="0"/>
-            <a:alphaOff val="0"/>
-          </a:schemeClr>
-        </a:solidFill>
-        <a:ln w="6350" cap="flat" cmpd="sng" algn="ctr">
-          <a:solidFill>
-            <a:schemeClr val="accent1">
-              <a:hueOff val="0"/>
-              <a:satOff val="0"/>
-              <a:lumOff val="0"/>
-              <a:alphaOff val="0"/>
-            </a:schemeClr>
-          </a:solidFill>
-          <a:prstDash val="solid"/>
-          <a:miter lim="800000"/>
-        </a:ln>
-        <a:effectLst/>
-      </dsp:spPr>
-      <dsp:style>
-        <a:lnRef idx="1">
-          <a:scrgbClr r="0" g="0" b="0"/>
-        </a:lnRef>
-        <a:fillRef idx="1">
-          <a:scrgbClr r="0" g="0" b="0"/>
-        </a:fillRef>
-        <a:effectRef idx="0">
-          <a:scrgbClr r="0" g="0" b="0"/>
-        </a:effectRef>
-        <a:fontRef idx="minor"/>
-      </dsp:style>
-      <dsp:txBody>
-        <a:bodyPr spcFirstLastPara="0" vert="horz" wrap="square" lIns="76200" tIns="76200" rIns="76200" bIns="76200" numCol="1" spcCol="1270" anchor="ctr" anchorCtr="0">
-          <a:noAutofit/>
-        </a:bodyPr>
-        <a:lstStyle/>
-        <a:p>
-          <a:pPr marL="0" lvl="0" indent="0" algn="ctr" defTabSz="889000">
-            <a:lnSpc>
-              <a:spcPct val="90000"/>
-            </a:lnSpc>
-            <a:spcBef>
-              <a:spcPct val="0"/>
-            </a:spcBef>
-            <a:spcAft>
-              <a:spcPct val="35000"/>
-            </a:spcAft>
-            <a:buNone/>
-          </a:pPr>
-          <a:r>
-            <a:rPr lang="nl-BE" sz="2000" kern="1200"/>
-            <a:t>We can convert in both ways:</a:t>
-          </a:r>
-          <a:endParaRPr lang="en-US" sz="2000" kern="1200"/>
-        </a:p>
-      </dsp:txBody>
-      <dsp:txXfrm>
-        <a:off x="4833672" y="233501"/>
-        <a:ext cx="1808962" cy="1123182"/>
-      </dsp:txXfrm>
-    </dsp:sp>
-    <dsp:sp modelId="{B3F7876C-D5A0-45AD-AFE3-10768B38CF07}">
-      <dsp:nvSpPr>
-        <dsp:cNvPr id="0" name=""/>
-        <dsp:cNvSpPr/>
-      </dsp:nvSpPr>
-      <dsp:spPr>
-        <a:xfrm>
-          <a:off x="3441780" y="1739736"/>
-          <a:ext cx="1878850" cy="1193070"/>
-        </a:xfrm>
-        <a:prstGeom prst="roundRect">
-          <a:avLst>
-            <a:gd name="adj" fmla="val 10000"/>
-          </a:avLst>
-        </a:prstGeom>
-        <a:gradFill rotWithShape="0">
-          <a:gsLst>
-            <a:gs pos="0">
-              <a:schemeClr val="accent2">
-                <a:hueOff val="0"/>
-                <a:satOff val="0"/>
-                <a:lumOff val="0"/>
-                <a:alphaOff val="0"/>
-                <a:satMod val="103000"/>
-                <a:lumMod val="102000"/>
-                <a:tint val="94000"/>
-              </a:schemeClr>
-            </a:gs>
-            <a:gs pos="50000">
-              <a:schemeClr val="accent2">
-                <a:hueOff val="0"/>
-                <a:satOff val="0"/>
-                <a:lumOff val="0"/>
-                <a:alphaOff val="0"/>
-                <a:satMod val="110000"/>
-                <a:lumMod val="100000"/>
-                <a:shade val="100000"/>
-              </a:schemeClr>
-            </a:gs>
-            <a:gs pos="100000">
-              <a:schemeClr val="accent2">
-                <a:hueOff val="0"/>
-                <a:satOff val="0"/>
-                <a:lumOff val="0"/>
-                <a:alphaOff val="0"/>
-                <a:lumMod val="99000"/>
-                <a:satMod val="120000"/>
-                <a:shade val="78000"/>
-              </a:schemeClr>
-            </a:gs>
-          </a:gsLst>
-          <a:lin ang="5400000" scaled="0"/>
-        </a:gradFill>
-        <a:ln>
-          <a:noFill/>
-        </a:ln>
-        <a:effectLst/>
-      </dsp:spPr>
-      <dsp:style>
-        <a:lnRef idx="0">
-          <a:scrgbClr r="0" g="0" b="0"/>
-        </a:lnRef>
-        <a:fillRef idx="3">
-          <a:scrgbClr r="0" g="0" b="0"/>
-        </a:fillRef>
-        <a:effectRef idx="2">
-          <a:scrgbClr r="0" g="0" b="0"/>
-        </a:effectRef>
-        <a:fontRef idx="minor">
-          <a:schemeClr val="lt1"/>
-        </a:fontRef>
-      </dsp:style>
-    </dsp:sp>
-    <dsp:sp modelId="{8B41FB60-8EE9-461E-8F12-6E43751AC2FF}">
-      <dsp:nvSpPr>
-        <dsp:cNvPr id="0" name=""/>
-        <dsp:cNvSpPr/>
-      </dsp:nvSpPr>
-      <dsp:spPr>
-        <a:xfrm>
-          <a:off x="3650541" y="1938059"/>
-          <a:ext cx="1878850" cy="1193070"/>
-        </a:xfrm>
-        <a:prstGeom prst="roundRect">
-          <a:avLst>
-            <a:gd name="adj" fmla="val 10000"/>
-          </a:avLst>
-        </a:prstGeom>
-        <a:solidFill>
-          <a:schemeClr val="lt1">
-            <a:alpha val="90000"/>
-            <a:hueOff val="0"/>
-            <a:satOff val="0"/>
-            <a:lumOff val="0"/>
-            <a:alphaOff val="0"/>
-          </a:schemeClr>
-        </a:solidFill>
-        <a:ln w="6350" cap="flat" cmpd="sng" algn="ctr">
-          <a:solidFill>
-            <a:schemeClr val="accent2">
-              <a:hueOff val="0"/>
-              <a:satOff val="0"/>
-              <a:lumOff val="0"/>
-              <a:alphaOff val="0"/>
-            </a:schemeClr>
-          </a:solidFill>
-          <a:prstDash val="solid"/>
-          <a:miter lim="800000"/>
-        </a:ln>
-        <a:effectLst/>
-      </dsp:spPr>
-      <dsp:style>
-        <a:lnRef idx="1">
-          <a:scrgbClr r="0" g="0" b="0"/>
-        </a:lnRef>
-        <a:fillRef idx="1">
-          <a:scrgbClr r="0" g="0" b="0"/>
-        </a:fillRef>
-        <a:effectRef idx="0">
-          <a:scrgbClr r="0" g="0" b="0"/>
-        </a:effectRef>
-        <a:fontRef idx="minor"/>
-      </dsp:style>
-      <dsp:txBody>
-        <a:bodyPr spcFirstLastPara="0" vert="horz" wrap="square" lIns="76200" tIns="76200" rIns="76200" bIns="76200" numCol="1" spcCol="1270" anchor="ctr" anchorCtr="0">
-          <a:noAutofit/>
-        </a:bodyPr>
-        <a:lstStyle/>
-        <a:p>
-          <a:pPr marL="0" lvl="0" indent="0" algn="ctr" defTabSz="889000">
-            <a:lnSpc>
-              <a:spcPct val="90000"/>
-            </a:lnSpc>
-            <a:spcBef>
-              <a:spcPct val="0"/>
-            </a:spcBef>
-            <a:spcAft>
-              <a:spcPct val="35000"/>
-            </a:spcAft>
-            <a:buNone/>
-          </a:pPr>
-          <a:r>
-            <a:rPr lang="nl-BE" sz="2000" kern="1200"/>
-            <a:t>String to char-array: </a:t>
-          </a:r>
-          <a:r>
-            <a:rPr lang="nl-BE" sz="2000" b="1" kern="1200"/>
-            <a:t>.ToCharArray();</a:t>
-          </a:r>
-          <a:endParaRPr lang="en-US" sz="2000" kern="1200"/>
-        </a:p>
-      </dsp:txBody>
-      <dsp:txXfrm>
-        <a:off x="3685485" y="1973003"/>
-        <a:ext cx="1808962" cy="1123182"/>
-      </dsp:txXfrm>
-    </dsp:sp>
-    <dsp:sp modelId="{479A8869-49D3-4081-8A1F-E2B92C89D599}">
-      <dsp:nvSpPr>
-        <dsp:cNvPr id="0" name=""/>
-        <dsp:cNvSpPr/>
-      </dsp:nvSpPr>
-      <dsp:spPr>
-        <a:xfrm>
-          <a:off x="5738153" y="1739736"/>
-          <a:ext cx="1878850" cy="1193070"/>
-        </a:xfrm>
-        <a:prstGeom prst="roundRect">
-          <a:avLst>
-            <a:gd name="adj" fmla="val 10000"/>
-          </a:avLst>
-        </a:prstGeom>
-        <a:gradFill rotWithShape="0">
-          <a:gsLst>
-            <a:gs pos="0">
-              <a:schemeClr val="accent2">
-                <a:hueOff val="0"/>
-                <a:satOff val="0"/>
-                <a:lumOff val="0"/>
-                <a:alphaOff val="0"/>
-                <a:satMod val="103000"/>
-                <a:lumMod val="102000"/>
-                <a:tint val="94000"/>
-              </a:schemeClr>
-            </a:gs>
-            <a:gs pos="50000">
-              <a:schemeClr val="accent2">
-                <a:hueOff val="0"/>
-                <a:satOff val="0"/>
-                <a:lumOff val="0"/>
-                <a:alphaOff val="0"/>
-                <a:satMod val="110000"/>
-                <a:lumMod val="100000"/>
-                <a:shade val="100000"/>
-              </a:schemeClr>
-            </a:gs>
-            <a:gs pos="100000">
-              <a:schemeClr val="accent2">
-                <a:hueOff val="0"/>
-                <a:satOff val="0"/>
-                <a:lumOff val="0"/>
-                <a:alphaOff val="0"/>
-                <a:lumMod val="99000"/>
-                <a:satMod val="120000"/>
-                <a:shade val="78000"/>
-              </a:schemeClr>
-            </a:gs>
-          </a:gsLst>
-          <a:lin ang="5400000" scaled="0"/>
-        </a:gradFill>
-        <a:ln>
-          <a:noFill/>
-        </a:ln>
-        <a:effectLst/>
-      </dsp:spPr>
-      <dsp:style>
-        <a:lnRef idx="0">
-          <a:scrgbClr r="0" g="0" b="0"/>
-        </a:lnRef>
-        <a:fillRef idx="3">
-          <a:scrgbClr r="0" g="0" b="0"/>
-        </a:fillRef>
-        <a:effectRef idx="2">
-          <a:scrgbClr r="0" g="0" b="0"/>
-        </a:effectRef>
-        <a:fontRef idx="minor">
-          <a:schemeClr val="lt1"/>
-        </a:fontRef>
-      </dsp:style>
-    </dsp:sp>
-    <dsp:sp modelId="{4490EBD9-13D8-4494-9FC8-D551FB4EC14B}">
-      <dsp:nvSpPr>
-        <dsp:cNvPr id="0" name=""/>
-        <dsp:cNvSpPr/>
-      </dsp:nvSpPr>
-      <dsp:spPr>
-        <a:xfrm>
-          <a:off x="5946915" y="1938059"/>
-          <a:ext cx="1878850" cy="1193070"/>
-        </a:xfrm>
-        <a:prstGeom prst="roundRect">
-          <a:avLst>
-            <a:gd name="adj" fmla="val 10000"/>
-          </a:avLst>
-        </a:prstGeom>
-        <a:solidFill>
-          <a:schemeClr val="lt1">
-            <a:alpha val="90000"/>
-            <a:hueOff val="0"/>
-            <a:satOff val="0"/>
-            <a:lumOff val="0"/>
-            <a:alphaOff val="0"/>
-          </a:schemeClr>
-        </a:solidFill>
-        <a:ln w="6350" cap="flat" cmpd="sng" algn="ctr">
-          <a:solidFill>
-            <a:schemeClr val="accent2">
-              <a:hueOff val="0"/>
-              <a:satOff val="0"/>
-              <a:lumOff val="0"/>
-              <a:alphaOff val="0"/>
-            </a:schemeClr>
-          </a:solidFill>
-          <a:prstDash val="solid"/>
-          <a:miter lim="800000"/>
-        </a:ln>
-        <a:effectLst/>
-      </dsp:spPr>
-      <dsp:style>
-        <a:lnRef idx="1">
-          <a:scrgbClr r="0" g="0" b="0"/>
-        </a:lnRef>
-        <a:fillRef idx="1">
-          <a:scrgbClr r="0" g="0" b="0"/>
-        </a:fillRef>
-        <a:effectRef idx="0">
-          <a:scrgbClr r="0" g="0" b="0"/>
-        </a:effectRef>
-        <a:fontRef idx="minor"/>
-      </dsp:style>
-      <dsp:txBody>
-        <a:bodyPr spcFirstLastPara="0" vert="horz" wrap="square" lIns="76200" tIns="76200" rIns="76200" bIns="76200" numCol="1" spcCol="1270" anchor="ctr" anchorCtr="0">
-          <a:noAutofit/>
-        </a:bodyPr>
-        <a:lstStyle/>
-        <a:p>
-          <a:pPr marL="0" lvl="0" indent="0" algn="ctr" defTabSz="889000">
-            <a:lnSpc>
-              <a:spcPct val="90000"/>
-            </a:lnSpc>
-            <a:spcBef>
-              <a:spcPct val="0"/>
-            </a:spcBef>
-            <a:spcAft>
-              <a:spcPct val="35000"/>
-            </a:spcAft>
-            <a:buNone/>
-          </a:pPr>
-          <a:r>
-            <a:rPr lang="nl-BE" sz="2000" kern="1200"/>
-            <a:t>Char-array to string: using </a:t>
-          </a:r>
-          <a:r>
-            <a:rPr lang="nl-BE" sz="2000" b="1" kern="1200"/>
-            <a:t>new String(…);</a:t>
-          </a:r>
-          <a:endParaRPr lang="en-US" sz="2000" kern="1200"/>
-        </a:p>
-      </dsp:txBody>
-      <dsp:txXfrm>
-        <a:off x="5981859" y="1973003"/>
-        <a:ext cx="1808962" cy="1123182"/>
-      </dsp:txXfrm>
-    </dsp:sp>
-  </dsp:spTree>
-</dsp:drawing>
-</file>
-
-<file path=ppt/diagrams/layout1.xml><?xml version="1.0" encoding="utf-8"?>
-<dgm:layoutDef xmlns:dgm="http://schemas.openxmlformats.org/drawingml/2006/diagram" xmlns:a="http://schemas.openxmlformats.org/drawingml/2006/main" uniqueId="urn:microsoft.com/office/officeart/2005/8/layout/hierarchy1">
-  <dgm:title val=""/>
-  <dgm:desc val=""/>
-  <dgm:catLst>
-    <dgm:cat type="hierarchy" pri="2000"/>
-  </dgm:catLst>
-  <dgm:sampData>
-    <dgm:dataModel>
-      <dgm:ptLst>
-        <dgm:pt modelId="0" type="doc"/>
-        <dgm:pt modelId="1">
-          <dgm:prSet phldr="1"/>
-        </dgm:pt>
-        <dgm:pt modelId="2">
-          <dgm:prSet phldr="1"/>
-        </dgm:pt>
-        <dgm:pt modelId="21">
-          <dgm:prSet phldr="1"/>
-        </dgm:pt>
-        <dgm:pt modelId="22">
-          <dgm:prSet phldr="1"/>
-        </dgm:pt>
-        <dgm:pt modelId="3">
-          <dgm:prSet phldr="1"/>
-        </dgm:pt>
-        <dgm:pt modelId="31">
-          <dgm:prSet phldr="1"/>
-        </dgm:pt>
-      </dgm:ptLst>
-      <dgm:cxnLst>
-        <dgm:cxn modelId="4" srcId="0" destId="1" srcOrd="0" destOrd="0"/>
-        <dgm:cxn modelId="5" srcId="1" destId="2" srcOrd="0" destOrd="0"/>
-        <dgm:cxn modelId="6" srcId="1" destId="3" srcOrd="1" destOrd="0"/>
-        <dgm:cxn modelId="23" srcId="2" destId="21" srcOrd="0" destOrd="0"/>
-        <dgm:cxn modelId="24" srcId="2" destId="22" srcOrd="1" destOrd="0"/>
-        <dgm:cxn modelId="33" srcId="3" destId="31" srcOrd="0" destOrd="0"/>
-      </dgm:cxnLst>
-      <dgm:bg/>
-      <dgm:whole/>
-    </dgm:dataModel>
-  </dgm:sampData>
-  <dgm:styleData>
-    <dgm:dataModel>
-      <dgm:ptLst>
-        <dgm:pt modelId="0" type="doc"/>
-        <dgm:pt modelId="1"/>
-        <dgm:pt modelId="11"/>
-        <dgm:pt modelId="12"/>
-      </dgm:ptLst>
-      <dgm:cxnLst>
-        <dgm:cxn modelId="2" srcId="0" destId="1" srcOrd="0" destOrd="0"/>
-        <dgm:cxn modelId="13" srcId="1" destId="11" srcOrd="0" destOrd="0"/>
-        <dgm:cxn modelId="14" srcId="1" destId="12" srcOrd="1" destOrd="0"/>
-      </dgm:cxnLst>
-      <dgm:bg/>
-      <dgm:whole/>
-    </dgm:dataModel>
-  </dgm:styleData>
-  <dgm:clrData>
-    <dgm:dataModel>
-      <dgm:ptLst>
-        <dgm:pt modelId="0" type="doc"/>
-        <dgm:pt modelId="1"/>
-        <dgm:pt modelId="2"/>
-        <dgm:pt modelId="21"/>
-        <dgm:pt modelId="211"/>
-        <dgm:pt modelId="3"/>
-        <dgm:pt modelId="31"/>
-        <dgm:pt modelId="311"/>
-      </dgm:ptLst>
-      <dgm:cxnLst>
-        <dgm:cxn modelId="4" srcId="0" destId="1" srcOrd="0" destOrd="0"/>
-        <dgm:cxn modelId="5" srcId="1" destId="2" srcOrd="0" destOrd="0"/>
-        <dgm:cxn modelId="6" srcId="1" destId="3" srcOrd="1" destOrd="0"/>
-        <dgm:cxn modelId="23" srcId="2" destId="21" srcOrd="0" destOrd="0"/>
-        <dgm:cxn modelId="24" srcId="21" destId="211" srcOrd="0" destOrd="0"/>
-        <dgm:cxn modelId="33" srcId="3" destId="31" srcOrd="0" destOrd="0"/>
-        <dgm:cxn modelId="34" srcId="31" destId="311" srcOrd="0" destOrd="0"/>
-      </dgm:cxnLst>
-      <dgm:bg/>
-      <dgm:whole/>
-    </dgm:dataModel>
-  </dgm:clrData>
-  <dgm:layoutNode name="hierChild1">
-    <dgm:varLst>
-      <dgm:chPref val="1"/>
-      <dgm:dir/>
-      <dgm:animOne val="branch"/>
-      <dgm:animLvl val="lvl"/>
-      <dgm:resizeHandles/>
-    </dgm:varLst>
-    <dgm:choose name="Name0">
-      <dgm:if name="Name1" func="var" arg="dir" op="equ" val="norm">
-        <dgm:alg type="hierChild">
-          <dgm:param type="linDir" val="fromL"/>
-        </dgm:alg>
-      </dgm:if>
-      <dgm:else name="Name2">
-        <dgm:alg type="hierChild">
-          <dgm:param type="linDir" val="fromR"/>
-        </dgm:alg>
-      </dgm:else>
-    </dgm:choose>
-    <dgm:shape xmlns:r="http://schemas.openxmlformats.org/officeDocument/2006/relationships" r:blip="">
-      <dgm:adjLst/>
-    </dgm:shape>
-    <dgm:presOf/>
-    <dgm:constrLst>
-      <dgm:constr type="primFontSz" for="des" ptType="node" op="equ" val="65"/>
-      <dgm:constr type="w" for="des" forName="composite" refType="w"/>
-      <dgm:constr type="h" for="des" forName="composite" refType="w" refFor="des" refForName="composite" fact="0.667"/>
-      <dgm:constr type="w" for="des" forName="composite2" refType="w" refFor="des" refForName="composite"/>
-      <dgm:constr type="h" for="des" forName="composite2" refType="h" refFor="des" refForName="composite"/>
-      <dgm:constr type="w" for="des" forName="composite3" refType="w" refFor="des" refForName="composite"/>
-      <dgm:constr type="h" for="des" forName="composite3" refType="h" refFor="des" refForName="composite"/>
-      <dgm:constr type="w" for="des" forName="composite4" refType="w" refFor="des" refForName="composite"/>
-      <dgm:constr type="h" for="des" forName="composite4" refType="h" refFor="des" refForName="composite"/>
-      <dgm:constr type="w" for="des" forName="composite5" refType="w" refFor="des" refForName="composite"/>
-      <dgm:constr type="h" for="des" forName="composite5" refType="h" refFor="des" refForName="composite"/>
-      <dgm:constr type="sibSp" refType="w" refFor="des" refForName="composite" fact="0.1"/>
-      <dgm:constr type="sibSp" for="des" forName="hierChild2" refType="sibSp"/>
-      <dgm:constr type="sibSp" for="des" forName="hierChild3" refType="sibSp"/>
-      <dgm:constr type="sibSp" for="des" forName="hierChild4" refType="sibSp"/>
-      <dgm:constr type="sibSp" for="des" forName="hierChild5" refType="sibSp"/>
-      <dgm:constr type="sibSp" for="des" forName="hierChild6" refType="sibSp"/>
-      <dgm:constr type="sp" for="des" forName="hierRoot1" refType="h" refFor="des" refForName="composite" fact="0.25"/>
-      <dgm:constr type="sp" for="des" forName="hierRoot2" refType="sp" refFor="des" refForName="hierRoot1"/>
-      <dgm:constr type="sp" for="des" forName="hierRoot3" refType="sp" refFor="des" refForName="hierRoot1"/>
-      <dgm:constr type="sp" for="des" forName="hierRoot4" refType="sp" refFor="des" refForName="hierRoot1"/>
-      <dgm:constr type="sp" for="des" forName="hierRoot5" refType="sp" refFor="des" refForName="hierRoot1"/>
-    </dgm:constrLst>
-    <dgm:ruleLst/>
-    <dgm:forEach name="Name3" axis="ch">
-      <dgm:forEach name="Name4" axis="self" ptType="node">
-        <dgm:layoutNode name="hierRoot1">
-          <dgm:alg type="hierRoot"/>
-          <dgm:shape xmlns:r="http://schemas.openxmlformats.org/officeDocument/2006/relationships" r:blip="">
-            <dgm:adjLst/>
-          </dgm:shape>
-          <dgm:presOf/>
-          <dgm:constrLst>
-            <dgm:constr type="bendDist" for="des" ptType="parTrans" refType="sp" fact="0.5"/>
-          </dgm:constrLst>
-          <dgm:ruleLst/>
-          <dgm:layoutNode name="composite">
-            <dgm:alg type="composite"/>
-            <dgm:shape xmlns:r="http://schemas.openxmlformats.org/officeDocument/2006/relationships" r:blip="">
-              <dgm:adjLst/>
-            </dgm:shape>
-            <dgm:presOf/>
-            <dgm:constrLst>
-              <dgm:constr type="w" for="ch" forName="background" refType="w" fact="0.9"/>
-              <dgm:constr type="h" for="ch" forName="background" refType="w" refFor="ch" refForName="background" fact="0.635"/>
-              <dgm:constr type="t" for="ch" forName="background"/>
-              <dgm:constr type="l" for="ch" forName="background"/>
-              <dgm:constr type="w" for="ch" forName="text" refType="w" fact="0.9"/>
-              <dgm:constr type="h" for="ch" forName="text" refType="w" refFor="ch" refForName="text" fact="0.635"/>
-              <dgm:constr type="t" for="ch" forName="text" refType="w" fact="0.095"/>
-              <dgm:constr type="l" for="ch" forName="text" refType="w" fact="0.1"/>
-            </dgm:constrLst>
-            <dgm:ruleLst/>
-            <dgm:layoutNode name="background" styleLbl="node0" moveWith="text">
-              <dgm:alg type="sp"/>
-              <dgm:shape xmlns:r="http://schemas.openxmlformats.org/officeDocument/2006/relationships" type="roundRect" r:blip="">
-                <dgm:adjLst>
-                  <dgm:adj idx="1" val="0.1"/>
-                </dgm:adjLst>
-              </dgm:shape>
-              <dgm:presOf/>
-              <dgm:constrLst/>
-              <dgm:ruleLst/>
-            </dgm:layoutNode>
-            <dgm:layoutNode name="text" styleLbl="fgAcc0">
-              <dgm:varLst>
-                <dgm:chPref val="3"/>
-              </dgm:varLst>
-              <dgm:alg type="tx"/>
-              <dgm:shape xmlns:r="http://schemas.openxmlformats.org/officeDocument/2006/relationships" type="roundRect" r:blip="">
-                <dgm:adjLst>
-                  <dgm:adj idx="1" val="0.1"/>
-                </dgm:adjLst>
-              </dgm:shape>
-              <dgm:presOf axis="self"/>
-              <dgm:constrLst>
-                <dgm:constr type="tMarg" refType="primFontSz" fact="0.3"/>
-                <dgm:constr type="bMarg" refType="primFontSz" fact="0.3"/>
-                <dgm:constr type="lMarg" refType="primFontSz" fact="0.3"/>
-                <dgm:constr type="rMarg" refType="primFontSz" fact="0.3"/>
-              </dgm:constrLst>
-              <dgm:ruleLst>
-                <dgm:rule type="primFontSz" val="5" fact="NaN" max="NaN"/>
-              </dgm:ruleLst>
-            </dgm:layoutNode>
-          </dgm:layoutNode>
-          <dgm:layoutNode name="hierChild2">
-            <dgm:choose name="Name5">
-              <dgm:if name="Name6" func="var" arg="dir" op="equ" val="norm">
-                <dgm:alg type="hierChild">
-                  <dgm:param type="linDir" val="fromL"/>
-                </dgm:alg>
-              </dgm:if>
-              <dgm:else name="Name7">
-                <dgm:alg type="hierChild">
-                  <dgm:param type="linDir" val="fromR"/>
-                </dgm:alg>
-              </dgm:else>
-            </dgm:choose>
-            <dgm:shape xmlns:r="http://schemas.openxmlformats.org/officeDocument/2006/relationships" r:blip="">
-              <dgm:adjLst/>
-            </dgm:shape>
-            <dgm:presOf/>
-            <dgm:constrLst/>
-            <dgm:ruleLst/>
-            <dgm:forEach name="Name8" axis="ch">
-              <dgm:forEach name="Name9" axis="self" ptType="parTrans" cnt="1">
-                <dgm:layoutNode name="Name10">
-                  <dgm:alg type="conn">
-                    <dgm:param type="dim" val="1D"/>
-                    <dgm:param type="endSty" val="noArr"/>
-                    <dgm:param type="connRout" val="bend"/>
-                    <dgm:param type="bendPt" val="end"/>
-                    <dgm:param type="begPts" val="bCtr"/>
-                    <dgm:param type="endPts" val="tCtr"/>
-                    <dgm:param type="srcNode" val="background"/>
-                    <dgm:param type="dstNode" val="background2"/>
-                  </dgm:alg>
-                  <dgm:shape xmlns:r="http://schemas.openxmlformats.org/officeDocument/2006/relationships" type="conn" r:blip="" zOrderOff="-999">
-                    <dgm:adjLst/>
-                  </dgm:shape>
-                  <dgm:presOf axis="self"/>
-                  <dgm:constrLst>
-                    <dgm:constr type="begPad"/>
-                    <dgm:constr type="endPad"/>
-                  </dgm:constrLst>
-                  <dgm:ruleLst/>
-                </dgm:layoutNode>
-              </dgm:forEach>
-              <dgm:forEach name="Name11" axis="self" ptType="node">
-                <dgm:layoutNode name="hierRoot2">
-                  <dgm:alg type="hierRoot"/>
-                  <dgm:shape xmlns:r="http://schemas.openxmlformats.org/officeDocument/2006/relationships" r:blip="">
-                    <dgm:adjLst/>
-                  </dgm:shape>
-                  <dgm:presOf/>
-                  <dgm:constrLst>
-                    <dgm:constr type="bendDist" for="des" ptType="parTrans" refType="sp" fact="0.5"/>
-                  </dgm:constrLst>
-                  <dgm:ruleLst/>
-                  <dgm:layoutNode name="composite2">
-                    <dgm:alg type="composite"/>
-                    <dgm:shape xmlns:r="http://schemas.openxmlformats.org/officeDocument/2006/relationships" r:blip="">
-                      <dgm:adjLst/>
-                    </dgm:shape>
-                    <dgm:presOf/>
-                    <dgm:constrLst>
-                      <dgm:constr type="w" for="ch" forName="background2" refType="w" fact="0.9"/>
-                      <dgm:constr type="h" for="ch" forName="background2" refType="w" refFor="ch" refForName="background2" fact="0.635"/>
-                      <dgm:constr type="t" for="ch" forName="background2"/>
-                      <dgm:constr type="l" for="ch" forName="background2"/>
-                      <dgm:constr type="w" for="ch" forName="text2" refType="w" fact="0.9"/>
-                      <dgm:constr type="h" for="ch" forName="text2" refType="w" refFor="ch" refForName="text2" fact="0.635"/>
-                      <dgm:constr type="t" for="ch" forName="text2" refType="w" fact="0.095"/>
-                      <dgm:constr type="l" for="ch" forName="text2" refType="w" fact="0.1"/>
-                    </dgm:constrLst>
-                    <dgm:ruleLst/>
-                    <dgm:layoutNode name="background2" moveWith="text2">
-                      <dgm:alg type="sp"/>
-                      <dgm:shape xmlns:r="http://schemas.openxmlformats.org/officeDocument/2006/relationships" type="roundRect" r:blip="">
-                        <dgm:adjLst>
-                          <dgm:adj idx="1" val="0.1"/>
-                        </dgm:adjLst>
-                      </dgm:shape>
-                      <dgm:presOf/>
-                      <dgm:constrLst/>
-                      <dgm:ruleLst/>
-                    </dgm:layoutNode>
-                    <dgm:layoutNode name="text2" styleLbl="fgAcc2">
-                      <dgm:varLst>
-                        <dgm:chPref val="3"/>
-                      </dgm:varLst>
-                      <dgm:alg type="tx"/>
-                      <dgm:shape xmlns:r="http://schemas.openxmlformats.org/officeDocument/2006/relationships" type="roundRect" r:blip="">
-                        <dgm:adjLst>
-                          <dgm:adj idx="1" val="0.1"/>
-                        </dgm:adjLst>
-                      </dgm:shape>
-                      <dgm:presOf axis="self"/>
-                      <dgm:constrLst>
-                        <dgm:constr type="tMarg" refType="primFontSz" fact="0.3"/>
-                        <dgm:constr type="bMarg" refType="primFontSz" fact="0.3"/>
-                        <dgm:constr type="lMarg" refType="primFontSz" fact="0.3"/>
-                        <dgm:constr type="rMarg" refType="primFontSz" fact="0.3"/>
-                      </dgm:constrLst>
-                      <dgm:ruleLst>
-                        <dgm:rule type="primFontSz" val="5" fact="NaN" max="NaN"/>
-                      </dgm:ruleLst>
-                    </dgm:layoutNode>
-                  </dgm:layoutNode>
-                  <dgm:layoutNode name="hierChild3">
-                    <dgm:choose name="Name12">
-                      <dgm:if name="Name13" func="var" arg="dir" op="equ" val="norm">
-                        <dgm:alg type="hierChild">
-                          <dgm:param type="linDir" val="fromL"/>
-                        </dgm:alg>
-                      </dgm:if>
-                      <dgm:else name="Name14">
-                        <dgm:alg type="hierChild">
-                          <dgm:param type="linDir" val="fromR"/>
-                        </dgm:alg>
-                      </dgm:else>
-                    </dgm:choose>
-                    <dgm:shape xmlns:r="http://schemas.openxmlformats.org/officeDocument/2006/relationships" r:blip="">
-                      <dgm:adjLst/>
-                    </dgm:shape>
-                    <dgm:presOf/>
-                    <dgm:constrLst/>
-                    <dgm:ruleLst/>
-                    <dgm:forEach name="Name15" axis="ch">
-                      <dgm:forEach name="Name16" axis="self" ptType="parTrans" cnt="1">
-                        <dgm:layoutNode name="Name17">
-                          <dgm:alg type="conn">
-                            <dgm:param type="dim" val="1D"/>
-                            <dgm:param type="endSty" val="noArr"/>
-                            <dgm:param type="connRout" val="bend"/>
-                            <dgm:param type="bendPt" val="end"/>
-                            <dgm:param type="begPts" val="bCtr"/>
-                            <dgm:param type="endPts" val="tCtr"/>
-                            <dgm:param type="srcNode" val="background2"/>
-                            <dgm:param type="dstNode" val="background3"/>
-                          </dgm:alg>
-                          <dgm:shape xmlns:r="http://schemas.openxmlformats.org/officeDocument/2006/relationships" type="conn" r:blip="" zOrderOff="-999">
-                            <dgm:adjLst/>
-                          </dgm:shape>
-                          <dgm:presOf axis="self"/>
-                          <dgm:constrLst>
-                            <dgm:constr type="begPad"/>
-                            <dgm:constr type="endPad"/>
-                          </dgm:constrLst>
-                          <dgm:ruleLst/>
-                        </dgm:layoutNode>
-                      </dgm:forEach>
-                      <dgm:forEach name="Name18" axis="self" ptType="node">
-                        <dgm:layoutNode name="hierRoot3">
-                          <dgm:alg type="hierRoot"/>
-                          <dgm:shape xmlns:r="http://schemas.openxmlformats.org/officeDocument/2006/relationships" r:blip="">
-                            <dgm:adjLst/>
-                          </dgm:shape>
-                          <dgm:presOf/>
-                          <dgm:constrLst>
-                            <dgm:constr type="bendDist" for="des" ptType="parTrans" refType="sp" fact="0.5"/>
-                          </dgm:constrLst>
-                          <dgm:ruleLst/>
-                          <dgm:layoutNode name="composite3">
-                            <dgm:alg type="composite"/>
-                            <dgm:shape xmlns:r="http://schemas.openxmlformats.org/officeDocument/2006/relationships" r:blip="">
-                              <dgm:adjLst/>
-                            </dgm:shape>
-                            <dgm:presOf/>
-                            <dgm:constrLst>
-                              <dgm:constr type="w" for="ch" forName="background3" refType="w" fact="0.9"/>
-                              <dgm:constr type="h" for="ch" forName="background3" refType="w" refFor="ch" refForName="background3" fact="0.635"/>
-                              <dgm:constr type="t" for="ch" forName="background3"/>
-                              <dgm:constr type="l" for="ch" forName="background3"/>
-                              <dgm:constr type="w" for="ch" forName="text3" refType="w" fact="0.9"/>
-                              <dgm:constr type="h" for="ch" forName="text3" refType="w" refFor="ch" refForName="text3" fact="0.635"/>
-                              <dgm:constr type="t" for="ch" forName="text3" refType="w" fact="0.095"/>
-                              <dgm:constr type="l" for="ch" forName="text3" refType="w" fact="0.1"/>
-                            </dgm:constrLst>
-                            <dgm:ruleLst/>
-                            <dgm:layoutNode name="background3" moveWith="text3">
-                              <dgm:alg type="sp"/>
-                              <dgm:shape xmlns:r="http://schemas.openxmlformats.org/officeDocument/2006/relationships" type="roundRect" r:blip="">
-                                <dgm:adjLst>
-                                  <dgm:adj idx="1" val="0.1"/>
-                                </dgm:adjLst>
-                              </dgm:shape>
-                              <dgm:presOf/>
-                              <dgm:constrLst/>
-                              <dgm:ruleLst/>
-                            </dgm:layoutNode>
-                            <dgm:layoutNode name="text3" styleLbl="fgAcc3">
-                              <dgm:varLst>
-                                <dgm:chPref val="3"/>
-                              </dgm:varLst>
-                              <dgm:alg type="tx"/>
-                              <dgm:shape xmlns:r="http://schemas.openxmlformats.org/officeDocument/2006/relationships" type="roundRect" r:blip="">
-                                <dgm:adjLst>
-                                  <dgm:adj idx="1" val="0.1"/>
-                                </dgm:adjLst>
-                              </dgm:shape>
-                              <dgm:presOf axis="self"/>
-                              <dgm:constrLst>
-                                <dgm:constr type="tMarg" refType="primFontSz" fact="0.3"/>
-                                <dgm:constr type="bMarg" refType="primFontSz" fact="0.3"/>
-                                <dgm:constr type="lMarg" refType="primFontSz" fact="0.3"/>
-                                <dgm:constr type="rMarg" refType="primFontSz" fact="0.3"/>
-                              </dgm:constrLst>
-                              <dgm:ruleLst>
-                                <dgm:rule type="primFontSz" val="5" fact="NaN" max="NaN"/>
-                              </dgm:ruleLst>
-                            </dgm:layoutNode>
-                          </dgm:layoutNode>
-                          <dgm:layoutNode name="hierChild4">
-                            <dgm:choose name="Name19">
-                              <dgm:if name="Name20" func="var" arg="dir" op="equ" val="norm">
-                                <dgm:alg type="hierChild">
-                                  <dgm:param type="linDir" val="fromL"/>
-                                </dgm:alg>
-                              </dgm:if>
-                              <dgm:else name="Name21">
-                                <dgm:alg type="hierChild">
-                                  <dgm:param type="linDir" val="fromR"/>
-                                </dgm:alg>
-                              </dgm:else>
-                            </dgm:choose>
-                            <dgm:shape xmlns:r="http://schemas.openxmlformats.org/officeDocument/2006/relationships" r:blip="">
-                              <dgm:adjLst/>
-                            </dgm:shape>
-                            <dgm:presOf/>
-                            <dgm:constrLst/>
-                            <dgm:ruleLst/>
-                            <dgm:forEach name="repeat" axis="ch">
-                              <dgm:forEach name="Name22" axis="self" ptType="parTrans" cnt="1">
-                                <dgm:layoutNode name="Name23">
-                                  <dgm:choose name="Name24">
-                                    <dgm:if name="Name25" axis="self" func="depth" op="lte" val="4">
-                                      <dgm:alg type="conn">
-                                        <dgm:param type="dim" val="1D"/>
-                                        <dgm:param type="endSty" val="noArr"/>
-                                        <dgm:param type="connRout" val="bend"/>
-                                        <dgm:param type="bendPt" val="end"/>
-                                        <dgm:param type="begPts" val="bCtr"/>
-                                        <dgm:param type="endPts" val="tCtr"/>
-                                        <dgm:param type="srcNode" val="background3"/>
-                                        <dgm:param type="dstNode" val="background4"/>
-                                      </dgm:alg>
-                                    </dgm:if>
-                                    <dgm:else name="Name26">
-                                      <dgm:alg type="conn">
-                                        <dgm:param type="dim" val="1D"/>
-                                        <dgm:param type="endSty" val="noArr"/>
-                                        <dgm:param type="connRout" val="bend"/>
-                                        <dgm:param type="bendPt" val="end"/>
-                                        <dgm:param type="begPts" val="bCtr"/>
-                                        <dgm:param type="endPts" val="tCtr"/>
-                                        <dgm:param type="srcNode" val="background4"/>
-                                        <dgm:param type="dstNode" val="background4"/>
-                                      </dgm:alg>
-                                    </dgm:else>
-                                  </dgm:choose>
-                                  <dgm:shape xmlns:r="http://schemas.openxmlformats.org/officeDocument/2006/relationships" type="conn" r:blip="" zOrderOff="-999">
-                                    <dgm:adjLst/>
-                                  </dgm:shape>
-                                  <dgm:presOf axis="self"/>
-                                  <dgm:constrLst>
-                                    <dgm:constr type="begPad"/>
-                                    <dgm:constr type="endPad"/>
-                                  </dgm:constrLst>
-                                  <dgm:ruleLst/>
-                                </dgm:layoutNode>
-                              </dgm:forEach>
-                              <dgm:forEach name="Name27" axis="self" ptType="node">
-                                <dgm:layoutNode name="hierRoot4">
-                                  <dgm:alg type="hierRoot"/>
-                                  <dgm:shape xmlns:r="http://schemas.openxmlformats.org/officeDocument/2006/relationships" r:blip="">
-                                    <dgm:adjLst/>
-                                  </dgm:shape>
-                                  <dgm:presOf/>
-                                  <dgm:constrLst>
-                                    <dgm:constr type="bendDist" for="des" ptType="parTrans" refType="sp" fact="0.5"/>
-                                  </dgm:constrLst>
-                                  <dgm:ruleLst/>
-                                  <dgm:layoutNode name="composite4">
-                                    <dgm:alg type="composite"/>
-                                    <dgm:shape xmlns:r="http://schemas.openxmlformats.org/officeDocument/2006/relationships" r:blip="">
-                                      <dgm:adjLst/>
-                                    </dgm:shape>
-                                    <dgm:presOf/>
-                                    <dgm:constrLst>
-                                      <dgm:constr type="w" for="ch" forName="background4" refType="w" fact="0.9"/>
-                                      <dgm:constr type="h" for="ch" forName="background4" refType="w" refFor="ch" refForName="background4" fact="0.635"/>
-                                      <dgm:constr type="t" for="ch" forName="background4"/>
-                                      <dgm:constr type="l" for="ch" forName="background4"/>
-                                      <dgm:constr type="w" for="ch" forName="text4" refType="w" fact="0.9"/>
-                                      <dgm:constr type="h" for="ch" forName="text4" refType="w" refFor="ch" refForName="text4" fact="0.635"/>
-                                      <dgm:constr type="t" for="ch" forName="text4" refType="w" fact="0.095"/>
-                                      <dgm:constr type="l" for="ch" forName="text4" refType="w" fact="0.1"/>
-                                    </dgm:constrLst>
-                                    <dgm:ruleLst/>
-                                    <dgm:layoutNode name="background4" moveWith="text4">
-                                      <dgm:alg type="sp"/>
-                                      <dgm:shape xmlns:r="http://schemas.openxmlformats.org/officeDocument/2006/relationships" type="roundRect" r:blip="">
-                                        <dgm:adjLst>
-                                          <dgm:adj idx="1" val="0.1"/>
-                                        </dgm:adjLst>
-                                      </dgm:shape>
-                                      <dgm:presOf/>
-                                      <dgm:constrLst/>
-                                      <dgm:ruleLst/>
-                                    </dgm:layoutNode>
-                                    <dgm:layoutNode name="text4" styleLbl="fgAcc4">
-                                      <dgm:varLst>
-                                        <dgm:chPref val="3"/>
-                                      </dgm:varLst>
-                                      <dgm:alg type="tx"/>
-                                      <dgm:shape xmlns:r="http://schemas.openxmlformats.org/officeDocument/2006/relationships" type="roundRect" r:blip="">
-                                        <dgm:adjLst>
-                                          <dgm:adj idx="1" val="0.1"/>
-                                        </dgm:adjLst>
-                                      </dgm:shape>
-                                      <dgm:presOf axis="self"/>
-                                      <dgm:constrLst>
-                                        <dgm:constr type="tMarg" refType="primFontSz" fact="0.3"/>
-                                        <dgm:constr type="bMarg" refType="primFontSz" fact="0.3"/>
-                                        <dgm:constr type="lMarg" refType="primFontSz" fact="0.3"/>
-                                        <dgm:constr type="rMarg" refType="primFontSz" fact="0.3"/>
-                                      </dgm:constrLst>
-                                      <dgm:ruleLst>
-                                        <dgm:rule type="primFontSz" val="5" fact="NaN" max="NaN"/>
-                                      </dgm:ruleLst>
-                                    </dgm:layoutNode>
-                                  </dgm:layoutNode>
-                                  <dgm:layoutNode name="hierChild5">
-                                    <dgm:choose name="Name28">
-                                      <dgm:if name="Name29" func="var" arg="dir" op="equ" val="norm">
-                                        <dgm:alg type="hierChild">
-                                          <dgm:param type="linDir" val="fromL"/>
-                                        </dgm:alg>
-                                      </dgm:if>
-                                      <dgm:else name="Name30">
-                                        <dgm:alg type="hierChild">
-                                          <dgm:param type="linDir" val="fromR"/>
-                                        </dgm:alg>
-                                      </dgm:else>
-                                    </dgm:choose>
-                                    <dgm:shape xmlns:r="http://schemas.openxmlformats.org/officeDocument/2006/relationships" r:blip="">
-                                      <dgm:adjLst/>
-                                    </dgm:shape>
-                                    <dgm:presOf/>
-                                    <dgm:constrLst/>
-                                    <dgm:ruleLst/>
-                                    <dgm:forEach name="Name31" ref="repeat"/>
-                                  </dgm:layoutNode>
-                                </dgm:layoutNode>
-                              </dgm:forEach>
-                            </dgm:forEach>
-                          </dgm:layoutNode>
-                        </dgm:layoutNode>
-                      </dgm:forEach>
-                    </dgm:forEach>
-                  </dgm:layoutNode>
-                </dgm:layoutNode>
-              </dgm:forEach>
-            </dgm:forEach>
-          </dgm:layoutNode>
-        </dgm:layoutNode>
-      </dgm:forEach>
-    </dgm:forEach>
-  </dgm:layoutNode>
-</dgm:layoutDef>
-</file>
-
-<file path=ppt/diagrams/quickStyle1.xml><?xml version="1.0" encoding="utf-8"?>
-<dgm:styleDef xmlns:dgm="http://schemas.openxmlformats.org/drawingml/2006/diagram" xmlns:a="http://schemas.openxmlformats.org/drawingml/2006/main" uniqueId="urn:microsoft.com/office/officeart/2005/8/quickstyle/simple4">
-  <dgm:title val=""/>
-  <dgm:desc val=""/>
-  <dgm:catLst>
-    <dgm:cat type="simple" pri="10400"/>
-  </dgm:catLst>
-  <dgm:scene3d>
-    <a:camera prst="orthographicFront"/>
-    <a:lightRig rig="threePt" dir="t"/>
-  </dgm:scene3d>
-  <dgm:styleLbl name="node0">
-    <dgm:scene3d>
-      <a:camera prst="orthographicFront"/>
-      <a:lightRig rig="threePt" dir="t"/>
-    </dgm:scene3d>
-    <dgm:sp3d/>
-    <dgm:txPr/>
-    <dgm:style>
-      <a:lnRef idx="0">
-        <a:scrgbClr r="0" g="0" b="0"/>
-      </a:lnRef>
-      <a:fillRef idx="3">
-        <a:scrgbClr r="0" g="0" b="0"/>
-      </a:fillRef>
-      <a:effectRef idx="2">
-        <a:scrgbClr r="0" g="0" b="0"/>
-      </a:effectRef>
-      <a:fontRef idx="minor">
-        <a:schemeClr val="lt1"/>
-      </a:fontRef>
-    </dgm:style>
-  </dgm:styleLbl>
-  <dgm:styleLbl name="lnNode1">
-    <dgm:scene3d>
-      <a:camera prst="orthographicFront"/>
-      <a:lightRig rig="threePt" dir="t"/>
-    </dgm:scene3d>
-    <dgm:sp3d/>
-    <dgm:txPr/>
-    <dgm:style>
-      <a:lnRef idx="1">
-        <a:scrgbClr r="0" g="0" b="0"/>
-      </a:lnRef>
-      <a:fillRef idx="3">
-        <a:scrgbClr r="0" g="0" b="0"/>
-      </a:fillRef>
-      <a:effectRef idx="2">
-        <a:scrgbClr r="0" g="0" b="0"/>
-      </a:effectRef>
-      <a:fontRef idx="minor">
-        <a:schemeClr val="lt1"/>
-      </a:fontRef>
-    </dgm:style>
-  </dgm:styleLbl>
-  <dgm:styleLbl name="vennNode1">
-    <dgm:scene3d>
-      <a:camera prst="orthographicFront"/>
-      <a:lightRig rig="threePt" dir="t"/>
-    </dgm:scene3d>
-    <dgm:sp3d/>
-    <dgm:txPr/>
-    <dgm:style>
-      <a:lnRef idx="0">
-        <a:scrgbClr r="0" g="0" b="0"/>
-      </a:lnRef>
-      <a:fillRef idx="3">
-        <a:scrgbClr r="0" g="0" b="0"/>
-      </a:fillRef>
-      <a:effectRef idx="0">
-        <a:scrgbClr r="0" g="0" b="0"/>
-      </a:effectRef>
-      <a:fontRef idx="minor">
-        <a:schemeClr val="tx1"/>
-      </a:fontRef>
-    </dgm:style>
-  </dgm:styleLbl>
-  <dgm:styleLbl name="alignNode1">
-    <dgm:scene3d>
-      <a:camera prst="orthographicFront"/>
-      <a:lightRig rig="threePt" dir="t"/>
-    </dgm:scene3d>
-    <dgm:sp3d/>
-    <dgm:txPr/>
-    <dgm:style>
-      <a:lnRef idx="1">
-        <a:scrgbClr r="0" g="0" b="0"/>
-      </a:lnRef>
-      <a:fillRef idx="3">
-        <a:scrgbClr r="0" g="0" b="0"/>
-      </a:fillRef>
-      <a:effectRef idx="2">
-        <a:scrgbClr r="0" g="0" b="0"/>
-      </a:effectRef>
-      <a:fontRef idx="minor">
-        <a:schemeClr val="lt1"/>
-      </a:fontRef>
-    </dgm:style>
-  </dgm:styleLbl>
-  <dgm:styleLbl name="node1">
-    <dgm:scene3d>
-      <a:camera prst="orthographicFront"/>
-      <a:lightRig rig="threePt" dir="t"/>
-    </dgm:scene3d>
-    <dgm:sp3d/>
-    <dgm:txPr/>
-    <dgm:style>
-      <a:lnRef idx="0">
-        <a:scrgbClr r="0" g="0" b="0"/>
-      </a:lnRef>
-      <a:fillRef idx="3">
-        <a:scrgbClr r="0" g="0" b="0"/>
-      </a:fillRef>
-      <a:effectRef idx="2">
-        <a:scrgbClr r="0" g="0" b="0"/>
-      </a:effectRef>
-      <a:fontRef idx="minor">
-        <a:schemeClr val="lt1"/>
-      </a:fontRef>
-    </dgm:style>
-  </dgm:styleLbl>
-  <dgm:styleLbl name="node2">
-    <dgm:scene3d>
-      <a:camera prst="orthographicFront"/>
-      <a:lightRig rig="threePt" dir="t"/>
-    </dgm:scene3d>
-    <dgm:sp3d/>
-    <dgm:txPr/>
-    <dgm:style>
-      <a:lnRef idx="0">
-        <a:scrgbClr r="0" g="0" b="0"/>
-      </a:lnRef>
-      <a:fillRef idx="3">
-        <a:scrgbClr r="0" g="0" b="0"/>
-      </a:fillRef>
-      <a:effectRef idx="2">
-        <a:scrgbClr r="0" g="0" b="0"/>
-      </a:effectRef>
-      <a:fontRef idx="minor">
-        <a:schemeClr val="lt1"/>
-      </a:fontRef>
-    </dgm:style>
-  </dgm:styleLbl>
-  <dgm:styleLbl name="node3">
-    <dgm:scene3d>
-      <a:camera prst="orthographicFront"/>
-      <a:lightRig rig="threePt" dir="t"/>
-    </dgm:scene3d>
-    <dgm:sp3d/>
-    <dgm:txPr/>
-    <dgm:style>
-      <a:lnRef idx="0">
-        <a:scrgbClr r="0" g="0" b="0"/>
-      </a:lnRef>
-      <a:fillRef idx="3">
-        <a:scrgbClr r="0" g="0" b="0"/>
-      </a:fillRef>
-      <a:effectRef idx="2">
-        <a:scrgbClr r="0" g="0" b="0"/>
-      </a:effectRef>
-      <a:fontRef idx="minor">
-        <a:schemeClr val="lt1"/>
-      </a:fontRef>
-    </dgm:style>
-  </dgm:styleLbl>
-  <dgm:styleLbl name="node4">
-    <dgm:scene3d>
-      <a:camera prst="orthographicFront"/>
-      <a:lightRig rig="threePt" dir="t"/>
-    </dgm:scene3d>
-    <dgm:sp3d/>
-    <dgm:txPr/>
-    <dgm:style>
-      <a:lnRef idx="0">
-        <a:scrgbClr r="0" g="0" b="0"/>
-      </a:lnRef>
-      <a:fillRef idx="3">
-        <a:scrgbClr r="0" g="0" b="0"/>
-      </a:fillRef>
-      <a:effectRef idx="2">
-        <a:scrgbClr r="0" g="0" b="0"/>
-      </a:effectRef>
-      <a:fontRef idx="minor">
-        <a:schemeClr val="lt1"/>
-      </a:fontRef>
-    </dgm:style>
-  </dgm:styleLbl>
-  <dgm:styleLbl name="fgImgPlace1">
-    <dgm:scene3d>
-      <a:camera prst="orthographicFront"/>
-      <a:lightRig rig="threePt" dir="t"/>
-    </dgm:scene3d>
-    <dgm:sp3d/>
-    <dgm:txPr/>
-    <dgm:style>
-      <a:lnRef idx="0">
-        <a:scrgbClr r="0" g="0" b="0"/>
-      </a:lnRef>
-      <a:fillRef idx="1">
-        <a:scrgbClr r="0" g="0" b="0"/>
-      </a:fillRef>
-      <a:effectRef idx="2">
-        <a:scrgbClr r="0" g="0" b="0"/>
-      </a:effectRef>
-      <a:fontRef idx="minor"/>
-    </dgm:style>
-  </dgm:styleLbl>
-  <dgm:styleLbl name="alignImgPlace1">
-    <dgm:scene3d>
-      <a:camera prst="orthographicFront"/>
-      <a:lightRig rig="threePt" dir="t"/>
-    </dgm:scene3d>
-    <dgm:sp3d/>
-    <dgm:txPr/>
-    <dgm:style>
-      <a:lnRef idx="0">
-        <a:scrgbClr r="0" g="0" b="0"/>
-      </a:lnRef>
-      <a:fillRef idx="1">
-        <a:scrgbClr r="0" g="0" b="0"/>
-      </a:fillRef>
-      <a:effectRef idx="2">
-        <a:scrgbClr r="0" g="0" b="0"/>
-      </a:effectRef>
-      <a:fontRef idx="minor"/>
-    </dgm:style>
-  </dgm:styleLbl>
-  <dgm:styleLbl name="bgImgPlace1">
-    <dgm:scene3d>
-      <a:camera prst="orthographicFront"/>
-      <a:lightRig rig="threePt" dir="t"/>
-    </dgm:scene3d>
-    <dgm:sp3d/>
-    <dgm:txPr/>
-    <dgm:style>
-      <a:lnRef idx="0">
-        <a:scrgbClr r="0" g="0" b="0"/>
-      </a:lnRef>
-      <a:fillRef idx="1">
-        <a:scrgbClr r="0" g="0" b="0"/>
-      </a:fillRef>
-      <a:effectRef idx="2">
-        <a:scrgbClr r="0" g="0" b="0"/>
-      </a:effectRef>
-      <a:fontRef idx="minor"/>
-    </dgm:style>
-  </dgm:styleLbl>
-  <dgm:styleLbl name="sibTrans2D1">
-    <dgm:scene3d>
-      <a:camera prst="orthographicFront"/>
-      <a:lightRig rig="threePt" dir="t"/>
-    </dgm:scene3d>
-    <dgm:sp3d/>
-    <dgm:txPr/>
-    <dgm:style>
-      <a:lnRef idx="0">
-        <a:scrgbClr r="0" g="0" b="0"/>
-      </a:lnRef>
-      <a:fillRef idx="3">
-        <a:scrgbClr r="0" g="0" b="0"/>
-      </a:fillRef>
-      <a:effectRef idx="2">
-        <a:scrgbClr r="0" g="0" b="0"/>
-      </a:effectRef>
-      <a:fontRef idx="minor">
-        <a:schemeClr val="lt1"/>
-      </a:fontRef>
-    </dgm:style>
-  </dgm:styleLbl>
-  <dgm:styleLbl name="fgSibTrans2D1">
-    <dgm:scene3d>
-      <a:camera prst="orthographicFront"/>
-      <a:lightRig rig="threePt" dir="t"/>
-    </dgm:scene3d>
-    <dgm:sp3d/>
-    <dgm:txPr/>
-    <dgm:style>
-      <a:lnRef idx="0">
-        <a:scrgbClr r="0" g="0" b="0"/>
-      </a:lnRef>
-      <a:fillRef idx="3">
-        <a:scrgbClr r="0" g="0" b="0"/>
-      </a:fillRef>
-      <a:effectRef idx="2">
-        <a:scrgbClr r="0" g="0" b="0"/>
-      </a:effectRef>
-      <a:fontRef idx="minor">
-        <a:schemeClr val="lt1"/>
-      </a:fontRef>
-    </dgm:style>
-  </dgm:styleLbl>
-  <dgm:styleLbl name="bgSibTrans2D1">
-    <dgm:scene3d>
-      <a:camera prst="orthographicFront"/>
-      <a:lightRig rig="threePt" dir="t"/>
-    </dgm:scene3d>
-    <dgm:sp3d/>
-    <dgm:txPr/>
-    <dgm:style>
-      <a:lnRef idx="0">
-        <a:scrgbClr r="0" g="0" b="0"/>
-      </a:lnRef>
-      <a:fillRef idx="3">
-        <a:scrgbClr r="0" g="0" b="0"/>
-      </a:fillRef>
-      <a:effectRef idx="2">
-        <a:scrgbClr r="0" g="0" b="0"/>
-      </a:effectRef>
-      <a:fontRef idx="minor">
-        <a:schemeClr val="lt1"/>
-      </a:fontRef>
-    </dgm:style>
-  </dgm:styleLbl>
-  <dgm:styleLbl name="sibTrans1D1">
-    <dgm:scene3d>
-      <a:camera prst="orthographicFront"/>
-      <a:lightRig rig="threePt" dir="t"/>
-    </dgm:scene3d>
-    <dgm:sp3d/>
-    <dgm:txPr/>
-    <dgm:style>
-      <a:lnRef idx="1">
-        <a:scrgbClr r="0" g="0" b="0"/>
-      </a:lnRef>
-      <a:fillRef idx="0">
-        <a:scrgbClr r="0" g="0" b="0"/>
-      </a:fillRef>
-      <a:effectRef idx="0">
-        <a:scrgbClr r="0" g="0" b="0"/>
-      </a:effectRef>
-      <a:fontRef idx="minor"/>
-    </dgm:style>
-  </dgm:styleLbl>
-  <dgm:styleLbl name="callout">
-    <dgm:scene3d>
-      <a:camera prst="orthographicFront"/>
-      <a:lightRig rig="threePt" dir="t"/>
-    </dgm:scene3d>
-    <dgm:sp3d/>
-    <dgm:txPr/>
-    <dgm:style>
-      <a:lnRef idx="2">
-        <a:scrgbClr r="0" g="0" b="0"/>
-      </a:lnRef>
-      <a:fillRef idx="1">
-        <a:scrgbClr r="0" g="0" b="0"/>
-      </a:fillRef>
-      <a:effectRef idx="1">
-        <a:scrgbClr r="0" g="0" b="0"/>
-      </a:effectRef>
-      <a:fontRef idx="minor"/>
-    </dgm:style>
-  </dgm:styleLbl>
-  <dgm:styleLbl name="asst0">
-    <dgm:scene3d>
-      <a:camera prst="orthographicFront"/>
-      <a:lightRig rig="threePt" dir="t"/>
-    </dgm:scene3d>
-    <dgm:sp3d/>
-    <dgm:txPr/>
-    <dgm:style>
-      <a:lnRef idx="0">
-        <a:scrgbClr r="0" g="0" b="0"/>
-      </a:lnRef>
-      <a:fillRef idx="3">
-        <a:scrgbClr r="0" g="0" b="0"/>
-      </a:fillRef>
-      <a:effectRef idx="2">
-        <a:scrgbClr r="0" g="0" b="0"/>
-      </a:effectRef>
-      <a:fontRef idx="minor">
-        <a:schemeClr val="lt1"/>
-      </a:fontRef>
-    </dgm:style>
-  </dgm:styleLbl>
-  <dgm:styleLbl name="asst1">
-    <dgm:scene3d>
-      <a:camera prst="orthographicFront"/>
-      <a:lightRig rig="threePt" dir="t"/>
-    </dgm:scene3d>
-    <dgm:sp3d/>
-    <dgm:txPr/>
-    <dgm:style>
-      <a:lnRef idx="0">
-        <a:scrgbClr r="0" g="0" b="0"/>
-      </a:lnRef>
-      <a:fillRef idx="3">
-        <a:scrgbClr r="0" g="0" b="0"/>
-      </a:fillRef>
-      <a:effectRef idx="2">
-        <a:scrgbClr r="0" g="0" b="0"/>
-      </a:effectRef>
-      <a:fontRef idx="minor">
-        <a:schemeClr val="lt1"/>
-      </a:fontRef>
-    </dgm:style>
-  </dgm:styleLbl>
-  <dgm:styleLbl name="asst2">
-    <dgm:scene3d>
-      <a:camera prst="orthographicFront"/>
-      <a:lightRig rig="threePt" dir="t"/>
-    </dgm:scene3d>
-    <dgm:sp3d/>
-    <dgm:txPr/>
-    <dgm:style>
-      <a:lnRef idx="0">
-        <a:scrgbClr r="0" g="0" b="0"/>
-      </a:lnRef>
-      <a:fillRef idx="3">
-        <a:scrgbClr r="0" g="0" b="0"/>
-      </a:fillRef>
-      <a:effectRef idx="2">
-        <a:scrgbClr r="0" g="0" b="0"/>
-      </a:effectRef>
-      <a:fontRef idx="minor">
-        <a:schemeClr val="lt1"/>
-      </a:fontRef>
-    </dgm:style>
-  </dgm:styleLbl>
-  <dgm:styleLbl name="asst3">
-    <dgm:scene3d>
-      <a:camera prst="orthographicFront"/>
-      <a:lightRig rig="threePt" dir="t"/>
-    </dgm:scene3d>
-    <dgm:sp3d/>
-    <dgm:txPr/>
-    <dgm:style>
-      <a:lnRef idx="0">
-        <a:scrgbClr r="0" g="0" b="0"/>
-      </a:lnRef>
-      <a:fillRef idx="3">
-        <a:scrgbClr r="0" g="0" b="0"/>
-      </a:fillRef>
-      <a:effectRef idx="2">
-        <a:scrgbClr r="0" g="0" b="0"/>
-      </a:effectRef>
-      <a:fontRef idx="minor">
-        <a:schemeClr val="lt1"/>
-      </a:fontRef>
-    </dgm:style>
-  </dgm:styleLbl>
-  <dgm:styleLbl name="asst4">
-    <dgm:scene3d>
-      <a:camera prst="orthographicFront"/>
-      <a:lightRig rig="threePt" dir="t"/>
-    </dgm:scene3d>
-    <dgm:sp3d/>
-    <dgm:txPr/>
-    <dgm:style>
-      <a:lnRef idx="0">
-        <a:scrgbClr r="0" g="0" b="0"/>
-      </a:lnRef>
-      <a:fillRef idx="3">
-        <a:scrgbClr r="0" g="0" b="0"/>
-      </a:fillRef>
-      <a:effectRef idx="2">
-        <a:scrgbClr r="0" g="0" b="0"/>
-      </a:effectRef>
-      <a:fontRef idx="minor">
-        <a:schemeClr val="lt1"/>
-      </a:fontRef>
-    </dgm:style>
-  </dgm:styleLbl>
-  <dgm:styleLbl name="parChTrans2D1">
-    <dgm:scene3d>
-      <a:camera prst="orthographicFront"/>
-      <a:lightRig rig="threePt" dir="t"/>
-    </dgm:scene3d>
-    <dgm:sp3d/>
-    <dgm:txPr/>
-    <dgm:style>
-      <a:lnRef idx="0">
-        <a:scrgbClr r="0" g="0" b="0"/>
-      </a:lnRef>
-      <a:fillRef idx="3">
-        <a:scrgbClr r="0" g="0" b="0"/>
-      </a:fillRef>
-      <a:effectRef idx="2">
-        <a:scrgbClr r="0" g="0" b="0"/>
-      </a:effectRef>
-      <a:fontRef idx="minor">
-        <a:schemeClr val="lt1"/>
-      </a:fontRef>
-    </dgm:style>
-  </dgm:styleLbl>
-  <dgm:styleLbl name="parChTrans2D2">
-    <dgm:scene3d>
-      <a:camera prst="orthographicFront"/>
-      <a:lightRig rig="threePt" dir="t"/>
-    </dgm:scene3d>
-    <dgm:sp3d/>
-    <dgm:txPr/>
-    <dgm:style>
-      <a:lnRef idx="0">
-        <a:scrgbClr r="0" g="0" b="0"/>
-      </a:lnRef>
-      <a:fillRef idx="3">
-        <a:scrgbClr r="0" g="0" b="0"/>
-      </a:fillRef>
-      <a:effectRef idx="2">
-        <a:scrgbClr r="0" g="0" b="0"/>
-      </a:effectRef>
-      <a:fontRef idx="minor">
-        <a:schemeClr val="lt1"/>
-      </a:fontRef>
-    </dgm:style>
-  </dgm:styleLbl>
-  <dgm:styleLbl name="parChTrans2D3">
-    <dgm:scene3d>
-      <a:camera prst="orthographicFront"/>
-      <a:lightRig rig="threePt" dir="t"/>
-    </dgm:scene3d>
-    <dgm:sp3d/>
-    <dgm:txPr/>
-    <dgm:style>
-      <a:lnRef idx="1">
-        <a:scrgbClr r="0" g="0" b="0"/>
-      </a:lnRef>
-      <a:fillRef idx="3">
-        <a:scrgbClr r="0" g="0" b="0"/>
-      </a:fillRef>
-      <a:effectRef idx="2">
-        <a:scrgbClr r="0" g="0" b="0"/>
-      </a:effectRef>
-      <a:fontRef idx="minor">
-        <a:schemeClr val="lt1"/>
-      </a:fontRef>
-    </dgm:style>
-  </dgm:styleLbl>
-  <dgm:styleLbl name="parChTrans2D4">
-    <dgm:scene3d>
-      <a:camera prst="orthographicFront"/>
-      <a:lightRig rig="threePt" dir="t"/>
-    </dgm:scene3d>
-    <dgm:sp3d/>
-    <dgm:txPr/>
-    <dgm:style>
-      <a:lnRef idx="1">
-        <a:scrgbClr r="0" g="0" b="0"/>
-      </a:lnRef>
-      <a:fillRef idx="3">
-        <a:scrgbClr r="0" g="0" b="0"/>
-      </a:fillRef>
-      <a:effectRef idx="2">
-        <a:scrgbClr r="0" g="0" b="0"/>
-      </a:effectRef>
-      <a:fontRef idx="minor">
-        <a:schemeClr val="lt1"/>
-      </a:fontRef>
-    </dgm:style>
-  </dgm:styleLbl>
-  <dgm:styleLbl name="parChTrans1D1">
-    <dgm:scene3d>
-      <a:camera prst="orthographicFront"/>
-      <a:lightRig rig="threePt" dir="t"/>
-    </dgm:scene3d>
-    <dgm:sp3d/>
-    <dgm:txPr/>
-    <dgm:style>
-      <a:lnRef idx="1">
-        <a:scrgbClr r="0" g="0" b="0"/>
-      </a:lnRef>
-      <a:fillRef idx="0">
-        <a:scrgbClr r="0" g="0" b="0"/>
-      </a:fillRef>
-      <a:effectRef idx="0">
-        <a:scrgbClr r="0" g="0" b="0"/>
-      </a:effectRef>
-      <a:fontRef idx="minor"/>
-    </dgm:style>
-  </dgm:styleLbl>
-  <dgm:styleLbl name="parChTrans1D2">
-    <dgm:scene3d>
-      <a:camera prst="orthographicFront"/>
-      <a:lightRig rig="threePt" dir="t"/>
-    </dgm:scene3d>
-    <dgm:sp3d/>
-    <dgm:txPr/>
-    <dgm:style>
-      <a:lnRef idx="1">
-        <a:scrgbClr r="0" g="0" b="0"/>
-      </a:lnRef>
-      <a:fillRef idx="0">
-        <a:scrgbClr r="0" g="0" b="0"/>
-      </a:fillRef>
-      <a:effectRef idx="0">
-        <a:scrgbClr r="0" g="0" b="0"/>
-      </a:effectRef>
-      <a:fontRef idx="minor"/>
-    </dgm:style>
-  </dgm:styleLbl>
-  <dgm:styleLbl name="parChTrans1D3">
-    <dgm:scene3d>
-      <a:camera prst="orthographicFront"/>
-      <a:lightRig rig="threePt" dir="t"/>
-    </dgm:scene3d>
-    <dgm:sp3d/>
-    <dgm:txPr/>
-    <dgm:style>
-      <a:lnRef idx="1">
-        <a:scrgbClr r="0" g="0" b="0"/>
-      </a:lnRef>
-      <a:fillRef idx="0">
-        <a:scrgbClr r="0" g="0" b="0"/>
-      </a:fillRef>
-      <a:effectRef idx="0">
-        <a:scrgbClr r="0" g="0" b="0"/>
-      </a:effectRef>
-      <a:fontRef idx="minor"/>
-    </dgm:style>
-  </dgm:styleLbl>
-  <dgm:styleLbl name="parChTrans1D4">
-    <dgm:scene3d>
-      <a:camera prst="orthographicFront"/>
-      <a:lightRig rig="threePt" dir="t"/>
-    </dgm:scene3d>
-    <dgm:sp3d/>
-    <dgm:txPr/>
-    <dgm:style>
-      <a:lnRef idx="1">
-        <a:scrgbClr r="0" g="0" b="0"/>
-      </a:lnRef>
-      <a:fillRef idx="0">
-        <a:scrgbClr r="0" g="0" b="0"/>
-      </a:fillRef>
-      <a:effectRef idx="0">
-        <a:scrgbClr r="0" g="0" b="0"/>
-      </a:effectRef>
-      <a:fontRef idx="minor"/>
-    </dgm:style>
-  </dgm:styleLbl>
-  <dgm:styleLbl name="fgAcc1">
-    <dgm:scene3d>
-      <a:camera prst="orthographicFront"/>
-      <a:lightRig rig="threePt" dir="t"/>
-    </dgm:scene3d>
-    <dgm:sp3d/>
-    <dgm:txPr/>
-    <dgm:style>
-      <a:lnRef idx="1">
-        <a:scrgbClr r="0" g="0" b="0"/>
-      </a:lnRef>
-      <a:fillRef idx="1">
-        <a:scrgbClr r="0" g="0" b="0"/>
-      </a:fillRef>
-      <a:effectRef idx="0">
-        <a:scrgbClr r="0" g="0" b="0"/>
-      </a:effectRef>
-      <a:fontRef idx="minor"/>
-    </dgm:style>
-  </dgm:styleLbl>
-  <dgm:styleLbl name="conFgAcc1">
-    <dgm:scene3d>
-      <a:camera prst="orthographicFront"/>
-      <a:lightRig rig="threePt" dir="t"/>
-    </dgm:scene3d>
-    <dgm:sp3d/>
-    <dgm:txPr/>
-    <dgm:style>
-      <a:lnRef idx="1">
-        <a:scrgbClr r="0" g="0" b="0"/>
-      </a:lnRef>
-      <a:fillRef idx="1">
-        <a:scrgbClr r="0" g="0" b="0"/>
-      </a:fillRef>
-      <a:effectRef idx="0">
-        <a:scrgbClr r="0" g="0" b="0"/>
-      </a:effectRef>
-      <a:fontRef idx="minor"/>
-    </dgm:style>
-  </dgm:styleLbl>
-  <dgm:styleLbl name="alignAcc1">
-    <dgm:scene3d>
-      <a:camera prst="orthographicFront"/>
-      <a:lightRig rig="threePt" dir="t"/>
-    </dgm:scene3d>
-    <dgm:sp3d/>
-    <dgm:txPr/>
-    <dgm:style>
-      <a:lnRef idx="1">
-        <a:scrgbClr r="0" g="0" b="0"/>
-      </a:lnRef>
-      <a:fillRef idx="1">
-        <a:scrgbClr r="0" g="0" b="0"/>
-      </a:fillRef>
-      <a:effectRef idx="0">
-        <a:scrgbClr r="0" g="0" b="0"/>
-      </a:effectRef>
-      <a:fontRef idx="minor"/>
-    </dgm:style>
-  </dgm:styleLbl>
-  <dgm:styleLbl name="trAlignAcc1">
-    <dgm:scene3d>
-      <a:camera prst="orthographicFront"/>
-      <a:lightRig rig="threePt" dir="t"/>
-    </dgm:scene3d>
-    <dgm:sp3d/>
-    <dgm:txPr/>
-    <dgm:style>
-      <a:lnRef idx="1">
-        <a:scrgbClr r="0" g="0" b="0"/>
-      </a:lnRef>
-      <a:fillRef idx="1">
-        <a:scrgbClr r="0" g="0" b="0"/>
-      </a:fillRef>
-      <a:effectRef idx="0">
-        <a:scrgbClr r="0" g="0" b="0"/>
-      </a:effectRef>
-      <a:fontRef idx="minor"/>
-    </dgm:style>
-  </dgm:styleLbl>
-  <dgm:styleLbl name="bgAcc1">
-    <dgm:scene3d>
-      <a:camera prst="orthographicFront"/>
-      <a:lightRig rig="threePt" dir="t"/>
-    </dgm:scene3d>
-    <dgm:sp3d/>
-    <dgm:txPr/>
-    <dgm:style>
-      <a:lnRef idx="1">
-        <a:scrgbClr r="0" g="0" b="0"/>
-      </a:lnRef>
-      <a:fillRef idx="1">
-        <a:scrgbClr r="0" g="0" b="0"/>
-      </a:fillRef>
-      <a:effectRef idx="0">
-        <a:scrgbClr r="0" g="0" b="0"/>
-      </a:effectRef>
-      <a:fontRef idx="minor"/>
-    </dgm:style>
-  </dgm:styleLbl>
-  <dgm:styleLbl name="solidFgAcc1">
-    <dgm:scene3d>
-      <a:camera prst="orthographicFront"/>
-      <a:lightRig rig="threePt" dir="t"/>
-    </dgm:scene3d>
-    <dgm:sp3d/>
-    <dgm:txPr/>
-    <dgm:style>
-      <a:lnRef idx="1">
-        <a:scrgbClr r="0" g="0" b="0"/>
-      </a:lnRef>
-      <a:fillRef idx="1">
-        <a:scrgbClr r="0" g="0" b="0"/>
-      </a:fillRef>
-      <a:effectRef idx="0">
-        <a:scrgbClr r="0" g="0" b="0"/>
-      </a:effectRef>
-      <a:fontRef idx="minor"/>
-    </dgm:style>
-  </dgm:styleLbl>
-  <dgm:styleLbl name="solidAlignAcc1">
-    <dgm:scene3d>
-      <a:camera prst="orthographicFront"/>
-      <a:lightRig rig="threePt" dir="t"/>
-    </dgm:scene3d>
-    <dgm:sp3d/>
-    <dgm:txPr/>
-    <dgm:style>
-      <a:lnRef idx="1">
-        <a:scrgbClr r="0" g="0" b="0"/>
-      </a:lnRef>
-      <a:fillRef idx="1">
-        <a:scrgbClr r="0" g="0" b="0"/>
-      </a:fillRef>
-      <a:effectRef idx="0">
-        <a:scrgbClr r="0" g="0" b="0"/>
-      </a:effectRef>
-      <a:fontRef idx="minor"/>
-    </dgm:style>
-  </dgm:styleLbl>
-  <dgm:styleLbl name="solidBgAcc1">
-    <dgm:scene3d>
-      <a:camera prst="orthographicFront"/>
-      <a:lightRig rig="threePt" dir="t"/>
-    </dgm:scene3d>
-    <dgm:sp3d/>
-    <dgm:txPr/>
-    <dgm:style>
-      <a:lnRef idx="1">
-        <a:scrgbClr r="0" g="0" b="0"/>
-      </a:lnRef>
-      <a:fillRef idx="1">
-        <a:scrgbClr r="0" g="0" b="0"/>
-      </a:fillRef>
-      <a:effectRef idx="0">
-        <a:scrgbClr r="0" g="0" b="0"/>
-      </a:effectRef>
-      <a:fontRef idx="minor"/>
-    </dgm:style>
-  </dgm:styleLbl>
-  <dgm:styleLbl name="fgAccFollowNode1">
-    <dgm:scene3d>
-      <a:camera prst="orthographicFront"/>
-      <a:lightRig rig="threePt" dir="t"/>
-    </dgm:scene3d>
-    <dgm:sp3d/>
-    <dgm:txPr/>
-    <dgm:style>
-      <a:lnRef idx="1">
-        <a:scrgbClr r="0" g="0" b="0"/>
-      </a:lnRef>
-      <a:fillRef idx="1">
-        <a:scrgbClr r="0" g="0" b="0"/>
-      </a:fillRef>
-      <a:effectRef idx="0">
-        <a:scrgbClr r="0" g="0" b="0"/>
-      </a:effectRef>
-      <a:fontRef idx="minor"/>
-    </dgm:style>
-  </dgm:styleLbl>
-  <dgm:styleLbl name="alignAccFollowNode1">
-    <dgm:scene3d>
-      <a:camera prst="orthographicFront"/>
-      <a:lightRig rig="threePt" dir="t"/>
-    </dgm:scene3d>
-    <dgm:sp3d/>
-    <dgm:txPr/>
-    <dgm:style>
-      <a:lnRef idx="1">
-        <a:scrgbClr r="0" g="0" b="0"/>
-      </a:lnRef>
-      <a:fillRef idx="1">
-        <a:scrgbClr r="0" g="0" b="0"/>
-      </a:fillRef>
-      <a:effectRef idx="0">
-        <a:scrgbClr r="0" g="0" b="0"/>
-      </a:effectRef>
-      <a:fontRef idx="minor"/>
-    </dgm:style>
-  </dgm:styleLbl>
-  <dgm:styleLbl name="bgAccFollowNode1">
-    <dgm:scene3d>
-      <a:camera prst="orthographicFront"/>
-      <a:lightRig rig="threePt" dir="t"/>
-    </dgm:scene3d>
-    <dgm:sp3d/>
-    <dgm:txPr/>
-    <dgm:style>
-      <a:lnRef idx="1">
-        <a:scrgbClr r="0" g="0" b="0"/>
-      </a:lnRef>
-      <a:fillRef idx="1">
-        <a:scrgbClr r="0" g="0" b="0"/>
-      </a:fillRef>
-      <a:effectRef idx="0">
-        <a:scrgbClr r="0" g="0" b="0"/>
-      </a:effectRef>
-      <a:fontRef idx="minor"/>
-    </dgm:style>
-  </dgm:styleLbl>
-  <dgm:styleLbl name="fgAcc0">
-    <dgm:scene3d>
-      <a:camera prst="orthographicFront"/>
-      <a:lightRig rig="threePt" dir="t"/>
-    </dgm:scene3d>
-    <dgm:sp3d/>
-    <dgm:txPr/>
-    <dgm:style>
-      <a:lnRef idx="1">
-        <a:scrgbClr r="0" g="0" b="0"/>
-      </a:lnRef>
-      <a:fillRef idx="1">
-        <a:scrgbClr r="0" g="0" b="0"/>
-      </a:fillRef>
-      <a:effectRef idx="0">
-        <a:scrgbClr r="0" g="0" b="0"/>
-      </a:effectRef>
-      <a:fontRef idx="minor"/>
-    </dgm:style>
-  </dgm:styleLbl>
-  <dgm:styleLbl name="fgAcc2">
-    <dgm:scene3d>
-      <a:camera prst="orthographicFront"/>
-      <a:lightRig rig="threePt" dir="t"/>
-    </dgm:scene3d>
-    <dgm:sp3d/>
-    <dgm:txPr/>
-    <dgm:style>
-      <a:lnRef idx="1">
-        <a:scrgbClr r="0" g="0" b="0"/>
-      </a:lnRef>
-      <a:fillRef idx="1">
-        <a:scrgbClr r="0" g="0" b="0"/>
-      </a:fillRef>
-      <a:effectRef idx="0">
-        <a:scrgbClr r="0" g="0" b="0"/>
-      </a:effectRef>
-      <a:fontRef idx="minor"/>
-    </dgm:style>
-  </dgm:styleLbl>
-  <dgm:styleLbl name="fgAcc3">
-    <dgm:scene3d>
-      <a:camera prst="orthographicFront"/>
-      <a:lightRig rig="threePt" dir="t"/>
-    </dgm:scene3d>
-    <dgm:sp3d/>
-    <dgm:txPr/>
-    <dgm:style>
-      <a:lnRef idx="1">
-        <a:scrgbClr r="0" g="0" b="0"/>
-      </a:lnRef>
-      <a:fillRef idx="1">
-        <a:scrgbClr r="0" g="0" b="0"/>
-      </a:fillRef>
-      <a:effectRef idx="0">
-        <a:scrgbClr r="0" g="0" b="0"/>
-      </a:effectRef>
-      <a:fontRef idx="minor"/>
-    </dgm:style>
-  </dgm:styleLbl>
-  <dgm:styleLbl name="fgAcc4">
-    <dgm:scene3d>
-      <a:camera prst="orthographicFront"/>
-      <a:lightRig rig="threePt" dir="t"/>
-    </dgm:scene3d>
-    <dgm:sp3d/>
-    <dgm:txPr/>
-    <dgm:style>
-      <a:lnRef idx="1">
-        <a:scrgbClr r="0" g="0" b="0"/>
-      </a:lnRef>
-      <a:fillRef idx="1">
-        <a:scrgbClr r="0" g="0" b="0"/>
-      </a:fillRef>
-      <a:effectRef idx="0">
-        <a:scrgbClr r="0" g="0" b="0"/>
-      </a:effectRef>
-      <a:fontRef idx="minor"/>
-    </dgm:style>
-  </dgm:styleLbl>
-  <dgm:styleLbl name="bgShp">
-    <dgm:scene3d>
-      <a:camera prst="orthographicFront"/>
-      <a:lightRig rig="threePt" dir="t"/>
-    </dgm:scene3d>
-    <dgm:sp3d/>
-    <dgm:txPr/>
-    <dgm:style>
-      <a:lnRef idx="0">
-        <a:scrgbClr r="0" g="0" b="0"/>
-      </a:lnRef>
-      <a:fillRef idx="1">
-        <a:scrgbClr r="0" g="0" b="0"/>
-      </a:fillRef>
-      <a:effectRef idx="2">
-        <a:scrgbClr r="0" g="0" b="0"/>
-      </a:effectRef>
-      <a:fontRef idx="minor"/>
-    </dgm:style>
-  </dgm:styleLbl>
-  <dgm:styleLbl name="dkBgShp">
-    <dgm:scene3d>
-      <a:camera prst="orthographicFront"/>
-      <a:lightRig rig="threePt" dir="t"/>
-    </dgm:scene3d>
-    <dgm:sp3d/>
-    <dgm:txPr/>
-    <dgm:style>
-      <a:lnRef idx="0">
-        <a:scrgbClr r="0" g="0" b="0"/>
-      </a:lnRef>
-      <a:fillRef idx="1">
-        <a:scrgbClr r="0" g="0" b="0"/>
-      </a:fillRef>
-      <a:effectRef idx="2">
-        <a:scrgbClr r="0" g="0" b="0"/>
-      </a:effectRef>
-      <a:fontRef idx="minor"/>
-    </dgm:style>
-  </dgm:styleLbl>
-  <dgm:styleLbl name="trBgShp">
-    <dgm:scene3d>
-      <a:camera prst="orthographicFront"/>
-      <a:lightRig rig="threePt" dir="t"/>
-    </dgm:scene3d>
-    <dgm:sp3d/>
-    <dgm:txPr/>
-    <dgm:style>
-      <a:lnRef idx="0">
-        <a:scrgbClr r="0" g="0" b="0"/>
-      </a:lnRef>
-      <a:fillRef idx="1">
-        <a:scrgbClr r="0" g="0" b="0"/>
-      </a:fillRef>
-      <a:effectRef idx="0">
-        <a:scrgbClr r="0" g="0" b="0"/>
-      </a:effectRef>
-      <a:fontRef idx="minor"/>
-    </dgm:style>
-  </dgm:styleLbl>
-  <dgm:styleLbl name="fgShp">
-    <dgm:scene3d>
-      <a:camera prst="orthographicFront"/>
-      <a:lightRig rig="threePt" dir="t"/>
-    </dgm:scene3d>
-    <dgm:sp3d/>
-    <dgm:txPr/>
-    <dgm:style>
-      <a:lnRef idx="0">
-        <a:scrgbClr r="0" g="0" b="0"/>
-      </a:lnRef>
-      <a:fillRef idx="3">
-        <a:scrgbClr r="0" g="0" b="0"/>
-      </a:fillRef>
-      <a:effectRef idx="2">
-        <a:scrgbClr r="0" g="0" b="0"/>
-      </a:effectRef>
-      <a:fontRef idx="minor"/>
-    </dgm:style>
-  </dgm:styleLbl>
-  <dgm:styleLbl name="revTx">
-    <dgm:scene3d>
-      <a:camera prst="orthographicFront"/>
-      <a:lightRig rig="threePt" dir="t"/>
-    </dgm:scene3d>
-    <dgm:sp3d/>
-    <dgm:txPr/>
-    <dgm:style>
-      <a:lnRef idx="0">
-        <a:scrgbClr r="0" g="0" b="0"/>
-      </a:lnRef>
-      <a:fillRef idx="0">
-        <a:scrgbClr r="0" g="0" b="0"/>
-      </a:fillRef>
-      <a:effectRef idx="0">
-        <a:scrgbClr r="0" g="0" b="0"/>
-      </a:effectRef>
-      <a:fontRef idx="minor"/>
-    </dgm:style>
-  </dgm:styleLbl>
-</dgm:styleDef>
-</file>
-
 <file path=ppt/notesMasters/notesMaster1.xml><?xml version="1.0" encoding="utf-8"?>
 <p:notesMaster xmlns:a="http://schemas.openxmlformats.org/drawingml/2006/main" xmlns:r="http://schemas.openxmlformats.org/officeDocument/2006/relationships" xmlns:p="http://schemas.openxmlformats.org/presentationml/2006/main">
   <p:cSld>
@@ -3843,7 +237,7 @@
           <a:p>
             <a:fld id="{AAB1E9D1-C262-4CF5-AED2-7DBFF7C74527}" type="datetimeFigureOut">
               <a:rPr lang="nl-BE" smtClean="0"/>
-              <a:t>17/12/2018</a:t>
+              <a:t>9/12/2019</a:t>
             </a:fld>
             <a:endParaRPr lang="nl-BE"/>
           </a:p>
@@ -4514,7 +908,7 @@
                 </a:solidFill>
               </a:rPr>
               <a:pPr eaLnBrk="1" hangingPunct="1"/>
-              <a:t>18</a:t>
+              <a:t>14</a:t>
             </a:fld>
             <a:endParaRPr lang="en-US" sz="1300">
               <a:solidFill>
@@ -4758,7 +1152,7 @@
                 </a:solidFill>
               </a:rPr>
               <a:pPr eaLnBrk="1" hangingPunct="1"/>
-              <a:t>19</a:t>
+              <a:t>15</a:t>
             </a:fld>
             <a:endParaRPr lang="en-US" sz="1300">
               <a:solidFill>
@@ -5002,7 +1396,7 @@
                 </a:solidFill>
               </a:rPr>
               <a:pPr eaLnBrk="1" hangingPunct="1"/>
-              <a:t>21</a:t>
+              <a:t>17</a:t>
             </a:fld>
             <a:endParaRPr lang="en-US" sz="1300">
               <a:solidFill>
@@ -5246,7 +1640,7 @@
                 </a:solidFill>
               </a:rPr>
               <a:pPr eaLnBrk="1" hangingPunct="1"/>
-              <a:t>22</a:t>
+              <a:t>18</a:t>
             </a:fld>
             <a:endParaRPr lang="en-US" sz="1300">
               <a:solidFill>
@@ -5490,7 +1884,7 @@
                 </a:solidFill>
               </a:rPr>
               <a:pPr eaLnBrk="1" hangingPunct="1"/>
-              <a:t>23</a:t>
+              <a:t>19</a:t>
             </a:fld>
             <a:endParaRPr lang="en-US" sz="1300">
               <a:solidFill>
@@ -5734,7 +2128,7 @@
                 </a:solidFill>
               </a:rPr>
               <a:pPr eaLnBrk="1" hangingPunct="1"/>
-              <a:t>24</a:t>
+              <a:t>20</a:t>
             </a:fld>
             <a:endParaRPr lang="en-US" sz="1300">
               <a:solidFill>
@@ -7442,7 +3836,7 @@
                 </a:solidFill>
               </a:rPr>
               <a:pPr eaLnBrk="1" hangingPunct="1"/>
-              <a:t>16</a:t>
+              <a:t>12</a:t>
             </a:fld>
             <a:endParaRPr lang="en-US" sz="1300">
               <a:solidFill>
@@ -7686,7 +4080,7 @@
                 </a:solidFill>
               </a:rPr>
               <a:pPr eaLnBrk="1" hangingPunct="1"/>
-              <a:t>17</a:t>
+              <a:t>13</a:t>
             </a:fld>
             <a:endParaRPr lang="en-US" sz="1300">
               <a:solidFill>
@@ -7920,7 +4314,7 @@
           <a:p>
             <a:fld id="{2661A00B-007A-4326-8859-8C83DD4C6E5D}" type="datetimeFigureOut">
               <a:rPr lang="nl-BE" smtClean="0"/>
-              <a:t>17/12/2018</a:t>
+              <a:t>9/12/2019</a:t>
             </a:fld>
             <a:endParaRPr lang="nl-BE"/>
           </a:p>
@@ -8120,7 +4514,7 @@
           <a:p>
             <a:fld id="{2661A00B-007A-4326-8859-8C83DD4C6E5D}" type="datetimeFigureOut">
               <a:rPr lang="nl-BE" smtClean="0"/>
-              <a:t>17/12/2018</a:t>
+              <a:t>9/12/2019</a:t>
             </a:fld>
             <a:endParaRPr lang="nl-BE"/>
           </a:p>
@@ -8330,7 +4724,7 @@
           <a:p>
             <a:fld id="{2661A00B-007A-4326-8859-8C83DD4C6E5D}" type="datetimeFigureOut">
               <a:rPr lang="nl-BE" smtClean="0"/>
-              <a:t>17/12/2018</a:t>
+              <a:t>9/12/2019</a:t>
             </a:fld>
             <a:endParaRPr lang="nl-BE"/>
           </a:p>
@@ -8530,7 +4924,7 @@
           <a:p>
             <a:fld id="{2661A00B-007A-4326-8859-8C83DD4C6E5D}" type="datetimeFigureOut">
               <a:rPr lang="nl-BE" smtClean="0"/>
-              <a:t>17/12/2018</a:t>
+              <a:t>9/12/2019</a:t>
             </a:fld>
             <a:endParaRPr lang="nl-BE"/>
           </a:p>
@@ -8806,7 +5200,7 @@
           <a:p>
             <a:fld id="{2661A00B-007A-4326-8859-8C83DD4C6E5D}" type="datetimeFigureOut">
               <a:rPr lang="nl-BE" smtClean="0"/>
-              <a:t>17/12/2018</a:t>
+              <a:t>9/12/2019</a:t>
             </a:fld>
             <a:endParaRPr lang="nl-BE"/>
           </a:p>
@@ -9074,7 +5468,7 @@
           <a:p>
             <a:fld id="{2661A00B-007A-4326-8859-8C83DD4C6E5D}" type="datetimeFigureOut">
               <a:rPr lang="nl-BE" smtClean="0"/>
-              <a:t>17/12/2018</a:t>
+              <a:t>9/12/2019</a:t>
             </a:fld>
             <a:endParaRPr lang="nl-BE"/>
           </a:p>
@@ -9489,7 +5883,7 @@
           <a:p>
             <a:fld id="{2661A00B-007A-4326-8859-8C83DD4C6E5D}" type="datetimeFigureOut">
               <a:rPr lang="nl-BE" smtClean="0"/>
-              <a:t>17/12/2018</a:t>
+              <a:t>9/12/2019</a:t>
             </a:fld>
             <a:endParaRPr lang="nl-BE"/>
           </a:p>
@@ -9631,7 +6025,7 @@
           <a:p>
             <a:fld id="{2661A00B-007A-4326-8859-8C83DD4C6E5D}" type="datetimeFigureOut">
               <a:rPr lang="nl-BE" smtClean="0"/>
-              <a:t>17/12/2018</a:t>
+              <a:t>9/12/2019</a:t>
             </a:fld>
             <a:endParaRPr lang="nl-BE"/>
           </a:p>
@@ -9744,7 +6138,7 @@
           <a:p>
             <a:fld id="{2661A00B-007A-4326-8859-8C83DD4C6E5D}" type="datetimeFigureOut">
               <a:rPr lang="nl-BE" smtClean="0"/>
-              <a:t>17/12/2018</a:t>
+              <a:t>9/12/2019</a:t>
             </a:fld>
             <a:endParaRPr lang="nl-BE"/>
           </a:p>
@@ -10057,7 +6451,7 @@
           <a:p>
             <a:fld id="{2661A00B-007A-4326-8859-8C83DD4C6E5D}" type="datetimeFigureOut">
               <a:rPr lang="nl-BE" smtClean="0"/>
-              <a:t>17/12/2018</a:t>
+              <a:t>9/12/2019</a:t>
             </a:fld>
             <a:endParaRPr lang="nl-BE"/>
           </a:p>
@@ -10346,7 +6740,7 @@
           <a:p>
             <a:fld id="{2661A00B-007A-4326-8859-8C83DD4C6E5D}" type="datetimeFigureOut">
               <a:rPr lang="nl-BE" smtClean="0"/>
-              <a:t>17/12/2018</a:t>
+              <a:t>9/12/2019</a:t>
             </a:fld>
             <a:endParaRPr lang="nl-BE"/>
           </a:p>
@@ -10589,7 +6983,7 @@
           <a:p>
             <a:fld id="{2661A00B-007A-4326-8859-8C83DD4C6E5D}" type="datetimeFigureOut">
               <a:rPr lang="nl-BE" smtClean="0"/>
-              <a:t>17/12/2018</a:t>
+              <a:t>9/12/2019</a:t>
             </a:fld>
             <a:endParaRPr lang="nl-BE"/>
           </a:p>
@@ -11842,7 +8236,7 @@
           <p:cNvPr id="2" name="Titel 1">
             <a:extLst>
               <a:ext uri="{FF2B5EF4-FFF2-40B4-BE49-F238E27FC236}">
-                <a16:creationId xmlns:a16="http://schemas.microsoft.com/office/drawing/2014/main" id="{037E09BC-D157-467B-BB21-51166E22F4C1}"/>
+                <a16:creationId xmlns:a16="http://schemas.microsoft.com/office/drawing/2014/main" id="{3FCB0ABD-BF98-408B-A5B5-F7869835CEF3}"/>
               </a:ext>
             </a:extLst>
           </p:cNvPr>
@@ -11874,7 +8268,7 @@
                 <a:ea typeface="+mj-ea"/>
                 <a:cs typeface="+mj-cs"/>
               </a:rPr>
-              <a:t>Strings and char arrays</a:t>
+              <a:t>Searching in array</a:t>
             </a:r>
           </a:p>
         </p:txBody>
@@ -11884,7 +8278,7 @@
           <p:cNvPr id="3" name="Tijdelijke aanduiding voor tekst 2">
             <a:extLst>
               <a:ext uri="{FF2B5EF4-FFF2-40B4-BE49-F238E27FC236}">
-                <a16:creationId xmlns:a16="http://schemas.microsoft.com/office/drawing/2014/main" id="{88B78F2B-3052-4CAC-A98B-55C46DC3B377}"/>
+                <a16:creationId xmlns:a16="http://schemas.microsoft.com/office/drawing/2014/main" id="{C90985F6-A167-473C-8E9B-843483E19B6B}"/>
               </a:ext>
             </a:extLst>
           </p:cNvPr>
@@ -11921,7 +8315,7 @@
     </p:spTree>
     <p:extLst>
       <p:ext uri="{BB962C8B-B14F-4D97-AF65-F5344CB8AC3E}">
-        <p14:creationId xmlns:p14="http://schemas.microsoft.com/office/powerpoint/2010/main" val="1570915362"/>
+        <p14:creationId xmlns:p14="http://schemas.microsoft.com/office/powerpoint/2010/main" val="3741409843"/>
       </p:ext>
     </p:extLst>
   </p:cSld>
@@ -11937,7 +8331,7 @@
     <p:bg>
       <p:bgPr>
         <a:solidFill>
-          <a:srgbClr val="FFFFFF"/>
+          <a:schemeClr val="bg1"/>
         </a:solidFill>
         <a:effectLst/>
       </p:bgPr>
@@ -11958,7 +8352,263 @@
       </p:grpSpPr>
       <p:sp>
         <p:nvSpPr>
-          <p:cNvPr id="11" name="Rectangle 10">
+          <p:cNvPr id="74" name="Rectangle 73">
+            <a:extLst>
+              <a:ext uri="{FF2B5EF4-FFF2-40B4-BE49-F238E27FC236}">
+                <a16:creationId xmlns:a16="http://schemas.microsoft.com/office/drawing/2014/main" id="{8D70B121-56F4-4848-B38B-182089D909FA}"/>
+              </a:ext>
+              <a:ext uri="{C183D7F6-B498-43B3-948B-1728B52AA6E4}">
+                <adec:decorative xmlns:adec="http://schemas.microsoft.com/office/drawing/2017/decorative" val="1"/>
+              </a:ext>
+            </a:extLst>
+          </p:cNvPr>
+          <p:cNvSpPr>
+            <a:spLocks noGrp="1" noRot="1" noChangeAspect="1" noMove="1" noResize="1" noEditPoints="1" noAdjustHandles="1" noChangeArrowheads="1" noChangeShapeType="1" noTextEdit="1"/>
+          </p:cNvSpPr>
+          <p:nvPr>
+            <p:extLst>
+              <p:ext uri="{386F3935-93C4-4BCD-93E2-E3B085C9AB24}">
+                <p16:designElem xmlns:p16="http://schemas.microsoft.com/office/powerpoint/2015/main" val="1"/>
+              </p:ext>
+            </p:extLst>
+          </p:nvPr>
+        </p:nvSpPr>
+        <p:spPr bwMode="ltGray">
+          <a:xfrm>
+            <a:off x="321564" y="320040"/>
+            <a:ext cx="11548872" cy="6217920"/>
+          </a:xfrm>
+          <a:prstGeom prst="rect">
+            <a:avLst/>
+          </a:prstGeom>
+          <a:solidFill>
+            <a:schemeClr val="tx1">
+              <a:alpha val="8000"/>
+            </a:schemeClr>
+          </a:solidFill>
+          <a:ln w="127000" cap="sq" cmpd="thinThick">
+            <a:noFill/>
+          </a:ln>
+        </p:spPr>
+        <p:style>
+          <a:lnRef idx="2">
+            <a:schemeClr val="accent1">
+              <a:shade val="50000"/>
+            </a:schemeClr>
+          </a:lnRef>
+          <a:fillRef idx="1">
+            <a:schemeClr val="accent1"/>
+          </a:fillRef>
+          <a:effectRef idx="0">
+            <a:schemeClr val="accent1"/>
+          </a:effectRef>
+          <a:fontRef idx="minor">
+            <a:schemeClr val="lt1"/>
+          </a:fontRef>
+        </p:style>
+        <p:txBody>
+          <a:bodyPr rtlCol="0" anchor="ctr"/>
+          <a:lstStyle/>
+          <a:p>
+            <a:pPr algn="ctr"/>
+            <a:endParaRPr lang="en-US"/>
+          </a:p>
+        </p:txBody>
+      </p:sp>
+      <p:sp>
+        <p:nvSpPr>
+          <p:cNvPr id="17412" name="Rectangle 2"/>
+          <p:cNvSpPr>
+            <a:spLocks noGrp="1" noChangeArrowheads="1"/>
+          </p:cNvSpPr>
+          <p:nvPr>
+            <p:ph type="title"/>
+          </p:nvPr>
+        </p:nvSpPr>
+        <p:spPr>
+          <a:xfrm>
+            <a:off x="838200" y="963877"/>
+            <a:ext cx="3494362" cy="4930246"/>
+          </a:xfrm>
+        </p:spPr>
+        <p:txBody>
+          <a:bodyPr>
+            <a:normAutofit/>
+          </a:bodyPr>
+          <a:lstStyle/>
+          <a:p>
+            <a:pPr algn="r" eaLnBrk="1" hangingPunct="1"/>
+            <a:r>
+              <a:rPr lang="en-US">
+                <a:solidFill>
+                  <a:schemeClr val="accent1"/>
+                </a:solidFill>
+              </a:rPr>
+              <a:t>Searching an Array Using a Loop</a:t>
+            </a:r>
+          </a:p>
+        </p:txBody>
+      </p:sp>
+      <p:cxnSp>
+        <p:nvCxnSpPr>
+          <p:cNvPr id="76" name="Straight Connector 75">
+            <a:extLst>
+              <a:ext uri="{FF2B5EF4-FFF2-40B4-BE49-F238E27FC236}">
+                <a16:creationId xmlns:a16="http://schemas.microsoft.com/office/drawing/2014/main" id="{2D72A2C9-F3CA-4216-8BAD-FA4C970C3C4E}"/>
+              </a:ext>
+              <a:ext uri="{C183D7F6-B498-43B3-948B-1728B52AA6E4}">
+                <adec:decorative xmlns:adec="http://schemas.microsoft.com/office/drawing/2017/decorative" val="1"/>
+              </a:ext>
+            </a:extLst>
+          </p:cNvPr>
+          <p:cNvCxnSpPr>
+            <a:cxnSpLocks noGrp="1" noRot="1" noChangeAspect="1" noMove="1" noResize="1" noEditPoints="1" noAdjustHandles="1" noChangeArrowheads="1" noChangeShapeType="1"/>
+          </p:cNvCxnSpPr>
+          <p:nvPr>
+            <p:extLst>
+              <p:ext uri="{386F3935-93C4-4BCD-93E2-E3B085C9AB24}">
+                <p16:designElem xmlns:p16="http://schemas.microsoft.com/office/powerpoint/2015/main" val="1"/>
+              </p:ext>
+            </p:extLst>
+          </p:nvPr>
+        </p:nvCxnSpPr>
+        <p:spPr>
+          <a:xfrm>
+            <a:off x="4654296" y="2057400"/>
+            <a:ext cx="0" cy="2743200"/>
+          </a:xfrm>
+          <a:prstGeom prst="line">
+            <a:avLst/>
+          </a:prstGeom>
+          <a:ln w="19050">
+            <a:solidFill>
+              <a:schemeClr val="tx1">
+                <a:lumMod val="85000"/>
+                <a:lumOff val="15000"/>
+              </a:schemeClr>
+            </a:solidFill>
+          </a:ln>
+        </p:spPr>
+        <p:style>
+          <a:lnRef idx="1">
+            <a:schemeClr val="accent1"/>
+          </a:lnRef>
+          <a:fillRef idx="0">
+            <a:schemeClr val="accent1"/>
+          </a:fillRef>
+          <a:effectRef idx="0">
+            <a:schemeClr val="accent1"/>
+          </a:effectRef>
+          <a:fontRef idx="minor">
+            <a:schemeClr val="tx1"/>
+          </a:fontRef>
+        </p:style>
+      </p:cxnSp>
+      <p:sp>
+        <p:nvSpPr>
+          <p:cNvPr id="17413" name="Rectangle 3"/>
+          <p:cNvSpPr>
+            <a:spLocks noGrp="1" noChangeArrowheads="1"/>
+          </p:cNvSpPr>
+          <p:nvPr>
+            <p:ph type="body" idx="1"/>
+          </p:nvPr>
+        </p:nvSpPr>
+        <p:spPr>
+          <a:xfrm>
+            <a:off x="4976031" y="963877"/>
+            <a:ext cx="6377769" cy="4930246"/>
+          </a:xfrm>
+        </p:spPr>
+        <p:txBody>
+          <a:bodyPr anchor="ctr">
+            <a:normAutofit/>
+          </a:bodyPr>
+          <a:lstStyle/>
+          <a:p>
+            <a:pPr eaLnBrk="1" hangingPunct="1"/>
+            <a:r>
+              <a:rPr lang="en-US" sz="2400"/>
+              <a:t>Searching options</a:t>
+            </a:r>
+          </a:p>
+          <a:p>
+            <a:pPr lvl="1" eaLnBrk="1" hangingPunct="1"/>
+            <a:r>
+              <a:rPr lang="en-US"/>
+              <a:t>Using a </a:t>
+            </a:r>
+            <a:r>
+              <a:rPr lang="en-US">
+                <a:latin typeface="Courier New" pitchFamily="1" charset="0"/>
+              </a:rPr>
+              <a:t>for</a:t>
+            </a:r>
+            <a:r>
+              <a:rPr lang="en-US"/>
+              <a:t> loop</a:t>
+            </a:r>
+          </a:p>
+          <a:p>
+            <a:pPr lvl="1" eaLnBrk="1" hangingPunct="1"/>
+            <a:r>
+              <a:rPr lang="en-US"/>
+              <a:t>Using a </a:t>
+            </a:r>
+            <a:r>
+              <a:rPr lang="en-US">
+                <a:latin typeface="Courier New" pitchFamily="1" charset="0"/>
+              </a:rPr>
+              <a:t>while</a:t>
+            </a:r>
+            <a:r>
+              <a:rPr lang="en-US"/>
+              <a:t> loop</a:t>
+            </a:r>
+          </a:p>
+        </p:txBody>
+      </p:sp>
+    </p:spTree>
+    <p:extLst>
+      <p:ext uri="{BB962C8B-B14F-4D97-AF65-F5344CB8AC3E}">
+        <p14:creationId xmlns:p14="http://schemas.microsoft.com/office/powerpoint/2010/main" val="3058106377"/>
+      </p:ext>
+    </p:extLst>
+  </p:cSld>
+  <p:clrMapOvr>
+    <a:masterClrMapping/>
+  </p:clrMapOvr>
+</p:sld>
+</file>
+
+<file path=ppt/slides/slide13.xml><?xml version="1.0" encoding="utf-8"?>
+<p:sld xmlns:a="http://schemas.openxmlformats.org/drawingml/2006/main" xmlns:r="http://schemas.openxmlformats.org/officeDocument/2006/relationships" xmlns:p="http://schemas.openxmlformats.org/presentationml/2006/main">
+  <p:cSld>
+    <p:bg>
+      <p:bgPr>
+        <a:solidFill>
+          <a:schemeClr val="bg1"/>
+        </a:solidFill>
+        <a:effectLst/>
+      </p:bgPr>
+    </p:bg>
+    <p:spTree>
+      <p:nvGrpSpPr>
+        <p:cNvPr id="1" name=""/>
+        <p:cNvGrpSpPr/>
+        <p:nvPr/>
+      </p:nvGrpSpPr>
+      <p:grpSpPr>
+        <a:xfrm>
+          <a:off x="0" y="0"/>
+          <a:ext cx="0" cy="0"/>
+          <a:chOff x="0" y="0"/>
+          <a:chExt cx="0" cy="0"/>
+        </a:xfrm>
+      </p:grpSpPr>
+      <p:sp>
+        <p:nvSpPr>
+          <p:cNvPr id="74" name="Rectangle 73">
             <a:extLst>
               <a:ext uri="{FF2B5EF4-FFF2-40B4-BE49-F238E27FC236}">
                 <a16:creationId xmlns:a16="http://schemas.microsoft.com/office/drawing/2014/main" id="{4351DFE5-F63D-4BE0-BDA9-E3EB88F01AA5}"/>
@@ -12043,10 +8693,10 @@
       </p:sp>
       <p:pic>
         <p:nvPicPr>
-          <p:cNvPr id="13" name="Picture 12">
+          <p:cNvPr id="76" name="Picture 75">
             <a:extLst>
               <a:ext uri="{FF2B5EF4-FFF2-40B4-BE49-F238E27FC236}">
-                <a16:creationId xmlns:a16="http://schemas.microsoft.com/office/drawing/2014/main" id="{02DD2BC0-6F29-4B4F-8D61-2DCF6D2E8E73}"/>
+                <a16:creationId xmlns:a16="http://schemas.microsoft.com/office/drawing/2014/main" id="{3AA16612-ACD2-4A16-8F2B-4514FD6BF28F}"/>
               </a:ext>
               <a:ext uri="{C183D7F6-B498-43B3-948B-1728B52AA6E4}">
                 <adec:decorative xmlns:adec="http://schemas.microsoft.com/office/drawing/2017/decorative" val="1"/>
@@ -12065,7 +8715,7 @@
           </p:nvPr>
         </p:nvPicPr>
         <p:blipFill>
-          <a:blip r:embed="rId2">
+          <a:blip r:embed="rId3">
             <a:extLst>
               <a:ext uri="{28A0092B-C50C-407E-A947-70E740481C1C}">
                 <a14:useLocalDpi xmlns:a14="http://schemas.microsoft.com/office/drawing/2010/main" val="0"/>
@@ -12088,9 +8738,9 @@
       </p:pic>
       <p:sp>
         <p:nvSpPr>
-          <p:cNvPr id="2" name="Titel 1"/>
-          <p:cNvSpPr>
-            <a:spLocks noGrp="1"/>
+          <p:cNvPr id="18436" name="Rectangle 2"/>
+          <p:cNvSpPr>
+            <a:spLocks noGrp="1" noChangeArrowheads="1"/>
           </p:cNvSpPr>
           <p:nvPr>
             <p:ph type="title"/>
@@ -12108,506 +8758,137 @@
           </a:bodyPr>
           <a:lstStyle/>
           <a:p>
-            <a:pPr algn="ctr"/>
-            <a:r>
-              <a:rPr lang="nl-BE" sz="4000">
-                <a:solidFill>
-                  <a:srgbClr val="FFFFFF"/>
-                </a:solidFill>
-              </a:rPr>
-              <a:t>Strings and arrays</a:t>
+            <a:pPr algn="ctr" eaLnBrk="1" hangingPunct="1"/>
+            <a:r>
+              <a:rPr lang="en-US" sz="4000">
+                <a:solidFill>
+                  <a:srgbClr val="FFFFFF"/>
+                </a:solidFill>
+              </a:rPr>
+              <a:t>Using a </a:t>
+            </a:r>
+            <a:r>
+              <a:rPr lang="en-US" sz="4000">
+                <a:solidFill>
+                  <a:srgbClr val="FFFFFF"/>
+                </a:solidFill>
+                <a:latin typeface="Courier New" pitchFamily="1" charset="0"/>
+              </a:rPr>
+              <a:t>for</a:t>
+            </a:r>
+            <a:r>
+              <a:rPr lang="en-US" sz="4000">
+                <a:solidFill>
+                  <a:srgbClr val="FFFFFF"/>
+                </a:solidFill>
+              </a:rPr>
+              <a:t> Loop to Search an Array</a:t>
             </a:r>
           </a:p>
         </p:txBody>
       </p:sp>
       <p:sp>
         <p:nvSpPr>
-          <p:cNvPr id="4" name="Tijdelijke aanduiding voor dianummer 3"/>
-          <p:cNvSpPr>
-            <a:spLocks noGrp="1"/>
-          </p:cNvSpPr>
-          <p:nvPr>
-            <p:ph type="sldNum" sz="quarter" idx="10"/>
+          <p:cNvPr id="18437" name="Rectangle 3"/>
+          <p:cNvSpPr>
+            <a:spLocks noGrp="1" noChangeArrowheads="1"/>
+          </p:cNvSpPr>
+          <p:nvPr>
+            <p:ph type="body" idx="1"/>
           </p:nvPr>
         </p:nvSpPr>
         <p:spPr>
           <a:xfrm>
-            <a:off x="10825930" y="6223702"/>
-            <a:ext cx="570728" cy="314067"/>
+            <a:off x="1179226" y="3092970"/>
+            <a:ext cx="9833548" cy="2693976"/>
           </a:xfrm>
         </p:spPr>
         <p:txBody>
           <a:bodyPr>
-            <a:normAutofit fontScale="92500"/>
+            <a:normAutofit/>
           </a:bodyPr>
           <a:lstStyle/>
           <a:p>
-            <a:pPr>
-              <a:spcAft>
-                <a:spcPts val="600"/>
-              </a:spcAft>
-              <a:defRPr/>
-            </a:pPr>
-            <a:r>
-              <a:rPr lang="nl-NL" sz="900">
-                <a:solidFill>
-                  <a:srgbClr val="898989"/>
-                </a:solidFill>
-              </a:rPr>
-              <a:t>© ap| </a:t>
-            </a:r>
-            <a:fld id="{8A00CA90-1673-4C5D-B289-DA0BFE9501DF}" type="slidenum">
-              <a:rPr lang="nl-NL" sz="900">
-                <a:solidFill>
-                  <a:srgbClr val="898989"/>
-                </a:solidFill>
-              </a:rPr>
-              <a:pPr>
-                <a:spcAft>
-                  <a:spcPts val="600"/>
-                </a:spcAft>
-                <a:defRPr/>
-              </a:pPr>
-              <a:t>12</a:t>
-            </a:fld>
-            <a:endParaRPr lang="nl-NL" sz="900">
-              <a:solidFill>
-                <a:srgbClr val="898989"/>
-              </a:solidFill>
-            </a:endParaRPr>
+            <a:pPr eaLnBrk="1" hangingPunct="1"/>
+            <a:r>
+              <a:rPr lang="en-US" sz="2000">
+                <a:solidFill>
+                  <a:srgbClr val="000000"/>
+                </a:solidFill>
+              </a:rPr>
+              <a:t>Use a </a:t>
+            </a:r>
+            <a:r>
+              <a:rPr lang="en-US" sz="2000">
+                <a:solidFill>
+                  <a:srgbClr val="000000"/>
+                </a:solidFill>
+                <a:latin typeface="Courier New" pitchFamily="1" charset="0"/>
+              </a:rPr>
+              <a:t>for</a:t>
+            </a:r>
+            <a:r>
+              <a:rPr lang="en-US" sz="2000">
+                <a:solidFill>
+                  <a:srgbClr val="000000"/>
+                </a:solidFill>
+              </a:rPr>
+              <a:t> statement to loop through the array </a:t>
+            </a:r>
+          </a:p>
+          <a:p>
+            <a:pPr lvl="1" eaLnBrk="1" hangingPunct="1"/>
+            <a:r>
+              <a:rPr lang="en-US" sz="2000">
+                <a:solidFill>
+                  <a:srgbClr val="000000"/>
+                </a:solidFill>
+              </a:rPr>
+              <a:t>Set a Boolean variable to </a:t>
+            </a:r>
+            <a:r>
+              <a:rPr lang="en-US" sz="2000">
+                <a:solidFill>
+                  <a:srgbClr val="000000"/>
+                </a:solidFill>
+                <a:latin typeface="Courier New" pitchFamily="1" charset="0"/>
+              </a:rPr>
+              <a:t>true</a:t>
+            </a:r>
+            <a:r>
+              <a:rPr lang="en-US" sz="2000">
+                <a:solidFill>
+                  <a:srgbClr val="000000"/>
+                </a:solidFill>
+              </a:rPr>
+              <a:t> when a match is found</a:t>
+            </a:r>
+          </a:p>
+          <a:p>
+            <a:pPr eaLnBrk="1" hangingPunct="1"/>
+            <a:r>
+              <a:rPr lang="en-US" sz="2000">
+                <a:solidFill>
+                  <a:srgbClr val="000000"/>
+                </a:solidFill>
+              </a:rPr>
+              <a:t>Solution is valid even with </a:t>
+            </a:r>
+            <a:r>
+              <a:rPr lang="en-US" sz="2000" b="1">
+                <a:solidFill>
+                  <a:srgbClr val="000000"/>
+                </a:solidFill>
+              </a:rPr>
+              <a:t>parallel arrays</a:t>
+            </a:r>
           </a:p>
         </p:txBody>
       </p:sp>
-      <p:graphicFrame>
-        <p:nvGraphicFramePr>
-          <p:cNvPr id="6" name="Tijdelijke aanduiding voor inhoud 2">
-            <a:extLst>
-              <a:ext uri="{FF2B5EF4-FFF2-40B4-BE49-F238E27FC236}">
-                <a16:creationId xmlns:a16="http://schemas.microsoft.com/office/drawing/2014/main" id="{E7CE5FC4-77F7-4ACC-94D0-6600F3D91E09}"/>
-              </a:ext>
-            </a:extLst>
-          </p:cNvPr>
-          <p:cNvGraphicFramePr>
-            <a:graphicFrameLocks noGrp="1"/>
-          </p:cNvGraphicFramePr>
-          <p:nvPr>
-            <p:ph idx="1"/>
-            <p:extLst>
-              <p:ext uri="{D42A27DB-BD31-4B8C-83A1-F6EECF244321}">
-                <p14:modId xmlns:p14="http://schemas.microsoft.com/office/powerpoint/2010/main" val="565564856"/>
-              </p:ext>
-            </p:extLst>
-          </p:nvPr>
-        </p:nvGraphicFramePr>
-        <p:xfrm>
-          <a:off x="1036320" y="2899956"/>
-          <a:ext cx="10119360" cy="3131364"/>
-        </p:xfrm>
-        <a:graphic>
-          <a:graphicData uri="http://schemas.openxmlformats.org/drawingml/2006/diagram">
-            <dgm:relIds xmlns:dgm="http://schemas.openxmlformats.org/drawingml/2006/diagram" xmlns:r="http://schemas.openxmlformats.org/officeDocument/2006/relationships" r:dm="rId3" r:lo="rId4" r:qs="rId5" r:cs="rId6"/>
-          </a:graphicData>
-        </a:graphic>
-      </p:graphicFrame>
     </p:spTree>
     <p:extLst>
       <p:ext uri="{BB962C8B-B14F-4D97-AF65-F5344CB8AC3E}">
-        <p14:creationId xmlns:p14="http://schemas.microsoft.com/office/powerpoint/2010/main" val="1637331302"/>
-      </p:ext>
-    </p:extLst>
-  </p:cSld>
-  <p:clrMapOvr>
-    <a:masterClrMapping/>
-  </p:clrMapOvr>
-</p:sld>
-</file>
-
-<file path=ppt/slides/slide13.xml><?xml version="1.0" encoding="utf-8"?>
-<p:sld xmlns:a="http://schemas.openxmlformats.org/drawingml/2006/main" xmlns:r="http://schemas.openxmlformats.org/officeDocument/2006/relationships" xmlns:p="http://schemas.openxmlformats.org/presentationml/2006/main">
-  <p:cSld>
-    <p:spTree>
-      <p:nvGrpSpPr>
-        <p:cNvPr id="1" name=""/>
-        <p:cNvGrpSpPr/>
-        <p:nvPr/>
-      </p:nvGrpSpPr>
-      <p:grpSpPr>
-        <a:xfrm>
-          <a:off x="0" y="0"/>
-          <a:ext cx="0" cy="0"/>
-          <a:chOff x="0" y="0"/>
-          <a:chExt cx="0" cy="0"/>
-        </a:xfrm>
-      </p:grpSpPr>
-      <p:sp>
-        <p:nvSpPr>
-          <p:cNvPr id="2" name="Titel 1">
-            <a:extLst>
-              <a:ext uri="{FF2B5EF4-FFF2-40B4-BE49-F238E27FC236}">
-                <a16:creationId xmlns:a16="http://schemas.microsoft.com/office/drawing/2014/main" id="{ABD82C31-F2DE-4CCA-BD89-83FCE48955B1}"/>
-              </a:ext>
-            </a:extLst>
-          </p:cNvPr>
-          <p:cNvSpPr>
-            <a:spLocks noGrp="1"/>
-          </p:cNvSpPr>
-          <p:nvPr>
-            <p:ph type="title"/>
-          </p:nvPr>
-        </p:nvSpPr>
-        <p:spPr/>
-        <p:txBody>
-          <a:bodyPr/>
-          <a:lstStyle/>
-          <a:p>
-            <a:r>
-              <a:rPr lang="nl-BE" dirty="0"/>
-              <a:t>String -&gt; </a:t>
-            </a:r>
-            <a:r>
-              <a:rPr lang="nl-BE" dirty="0" err="1"/>
-              <a:t>char</a:t>
-            </a:r>
-            <a:r>
-              <a:rPr lang="nl-BE" dirty="0"/>
-              <a:t>-array </a:t>
-            </a:r>
-          </a:p>
-        </p:txBody>
-      </p:sp>
-      <p:sp>
-        <p:nvSpPr>
-          <p:cNvPr id="3" name="Tijdelijke aanduiding voor inhoud 2">
-            <a:extLst>
-              <a:ext uri="{FF2B5EF4-FFF2-40B4-BE49-F238E27FC236}">
-                <a16:creationId xmlns:a16="http://schemas.microsoft.com/office/drawing/2014/main" id="{3E07DE38-AE07-49D9-8E0C-E01A0715455C}"/>
-              </a:ext>
-            </a:extLst>
-          </p:cNvPr>
-          <p:cNvSpPr>
-            <a:spLocks noGrp="1"/>
-          </p:cNvSpPr>
-          <p:nvPr>
-            <p:ph idx="1"/>
-          </p:nvPr>
-        </p:nvSpPr>
-        <p:spPr/>
-        <p:txBody>
-          <a:bodyPr/>
-          <a:lstStyle/>
-          <a:p>
-            <a:r>
-              <a:rPr lang="nl-BE" dirty="0" err="1"/>
-              <a:t>What</a:t>
-            </a:r>
-            <a:r>
-              <a:rPr lang="nl-BE" dirty="0"/>
-              <a:t> </a:t>
-            </a:r>
-            <a:r>
-              <a:rPr lang="nl-BE" dirty="0" err="1"/>
-              <a:t>will</a:t>
-            </a:r>
-            <a:r>
-              <a:rPr lang="nl-BE" dirty="0"/>
-              <a:t> </a:t>
-            </a:r>
-            <a:r>
-              <a:rPr lang="nl-BE" dirty="0" err="1"/>
-              <a:t>be</a:t>
-            </a:r>
-            <a:r>
-              <a:rPr lang="nl-BE" dirty="0"/>
-              <a:t> </a:t>
-            </a:r>
-            <a:r>
-              <a:rPr lang="nl-BE" dirty="0" err="1"/>
-              <a:t>the</a:t>
-            </a:r>
-            <a:r>
-              <a:rPr lang="nl-BE" dirty="0"/>
-              <a:t> output?</a:t>
-            </a:r>
-          </a:p>
-        </p:txBody>
-      </p:sp>
-      <p:sp>
-        <p:nvSpPr>
-          <p:cNvPr id="6" name="Rechthoek 5">
-            <a:extLst>
-              <a:ext uri="{FF2B5EF4-FFF2-40B4-BE49-F238E27FC236}">
-                <a16:creationId xmlns:a16="http://schemas.microsoft.com/office/drawing/2014/main" id="{98BFEB9B-697B-4BD3-AC20-05FA9DF76A34}"/>
-              </a:ext>
-            </a:extLst>
-          </p:cNvPr>
-          <p:cNvSpPr/>
-          <p:nvPr/>
-        </p:nvSpPr>
-        <p:spPr>
-          <a:xfrm>
-            <a:off x="1900960" y="2604186"/>
-            <a:ext cx="9814891" cy="1938992"/>
-          </a:xfrm>
-          <a:prstGeom prst="rect">
-            <a:avLst/>
-          </a:prstGeom>
-        </p:spPr>
-        <p:txBody>
-          <a:bodyPr wrap="square">
-            <a:spAutoFit/>
-          </a:bodyPr>
-          <a:lstStyle/>
-          <a:p>
-            <a:r>
-              <a:rPr lang="nl-NL" sz="2400" dirty="0">
-                <a:solidFill>
-                  <a:srgbClr val="0000FF"/>
-                </a:solidFill>
-                <a:latin typeface="Consolas" panose="020B0609020204030204" pitchFamily="49" charset="0"/>
-              </a:rPr>
-              <a:t>string</a:t>
-            </a:r>
-            <a:r>
-              <a:rPr lang="nl-NL" sz="2400" dirty="0">
-                <a:solidFill>
-                  <a:srgbClr val="000000"/>
-                </a:solidFill>
-                <a:latin typeface="Consolas" panose="020B0609020204030204" pitchFamily="49" charset="0"/>
-              </a:rPr>
-              <a:t> </a:t>
-            </a:r>
-            <a:r>
-              <a:rPr lang="nl-NL" sz="2400" dirty="0" err="1">
-                <a:solidFill>
-                  <a:srgbClr val="000000"/>
-                </a:solidFill>
-                <a:latin typeface="Consolas" panose="020B0609020204030204" pitchFamily="49" charset="0"/>
-              </a:rPr>
-              <a:t>origineleZin</a:t>
-            </a:r>
-            <a:r>
-              <a:rPr lang="nl-NL" sz="2400" dirty="0">
-                <a:solidFill>
-                  <a:srgbClr val="000000"/>
-                </a:solidFill>
-                <a:latin typeface="Consolas" panose="020B0609020204030204" pitchFamily="49" charset="0"/>
-              </a:rPr>
-              <a:t> = </a:t>
-            </a:r>
-            <a:r>
-              <a:rPr lang="nl-NL" sz="2400" dirty="0">
-                <a:solidFill>
-                  <a:srgbClr val="A31515"/>
-                </a:solidFill>
-                <a:latin typeface="Consolas" panose="020B0609020204030204" pitchFamily="49" charset="0"/>
-              </a:rPr>
-              <a:t>"Ik ben Tom"</a:t>
-            </a:r>
-            <a:r>
-              <a:rPr lang="nl-NL" sz="2400" dirty="0">
-                <a:solidFill>
-                  <a:srgbClr val="000000"/>
-                </a:solidFill>
-                <a:latin typeface="Consolas" panose="020B0609020204030204" pitchFamily="49" charset="0"/>
-              </a:rPr>
-              <a:t>;</a:t>
-            </a:r>
-          </a:p>
-          <a:p>
-            <a:r>
-              <a:rPr lang="nl-BE" sz="2400" dirty="0" err="1">
-                <a:solidFill>
-                  <a:srgbClr val="0000FF"/>
-                </a:solidFill>
-                <a:latin typeface="Consolas" panose="020B0609020204030204" pitchFamily="49" charset="0"/>
-              </a:rPr>
-              <a:t>char</a:t>
-            </a:r>
-            <a:r>
-              <a:rPr lang="nl-BE" sz="2400" dirty="0">
-                <a:solidFill>
-                  <a:srgbClr val="000000"/>
-                </a:solidFill>
-                <a:latin typeface="Consolas" panose="020B0609020204030204" pitchFamily="49" charset="0"/>
-              </a:rPr>
-              <a:t>[] karakters = </a:t>
-            </a:r>
-            <a:r>
-              <a:rPr lang="nl-BE" sz="2400" dirty="0" err="1">
-                <a:solidFill>
-                  <a:srgbClr val="000000"/>
-                </a:solidFill>
-                <a:latin typeface="Consolas" panose="020B0609020204030204" pitchFamily="49" charset="0"/>
-              </a:rPr>
-              <a:t>origineleZin.</a:t>
-            </a:r>
-            <a:r>
-              <a:rPr lang="nl-BE" sz="2400" b="1" dirty="0" err="1">
-                <a:solidFill>
-                  <a:srgbClr val="000000"/>
-                </a:solidFill>
-                <a:latin typeface="Consolas" panose="020B0609020204030204" pitchFamily="49" charset="0"/>
-              </a:rPr>
-              <a:t>ToCharArray</a:t>
-            </a:r>
-            <a:r>
-              <a:rPr lang="nl-BE" sz="2400" b="1" dirty="0">
-                <a:solidFill>
-                  <a:srgbClr val="000000"/>
-                </a:solidFill>
-                <a:latin typeface="Consolas" panose="020B0609020204030204" pitchFamily="49" charset="0"/>
-              </a:rPr>
-              <a:t>();</a:t>
-            </a:r>
-          </a:p>
-          <a:p>
-            <a:r>
-              <a:rPr lang="nl-BE" sz="2400" dirty="0">
-                <a:solidFill>
-                  <a:srgbClr val="000000"/>
-                </a:solidFill>
-                <a:latin typeface="Consolas" panose="020B0609020204030204" pitchFamily="49" charset="0"/>
-              </a:rPr>
-              <a:t>karakters[8] = </a:t>
-            </a:r>
-            <a:r>
-              <a:rPr lang="nl-BE" sz="2400" dirty="0">
-                <a:solidFill>
-                  <a:srgbClr val="A31515"/>
-                </a:solidFill>
-                <a:latin typeface="Consolas" panose="020B0609020204030204" pitchFamily="49" charset="0"/>
-              </a:rPr>
-              <a:t>'i'</a:t>
-            </a:r>
-            <a:r>
-              <a:rPr lang="nl-BE" sz="2400" dirty="0">
-                <a:solidFill>
-                  <a:srgbClr val="000000"/>
-                </a:solidFill>
-                <a:latin typeface="Consolas" panose="020B0609020204030204" pitchFamily="49" charset="0"/>
-              </a:rPr>
-              <a:t>;</a:t>
-            </a:r>
-          </a:p>
-          <a:p>
-            <a:r>
-              <a:rPr lang="nl-NL" sz="2400" dirty="0">
-                <a:solidFill>
-                  <a:srgbClr val="0000FF"/>
-                </a:solidFill>
-                <a:latin typeface="Consolas" panose="020B0609020204030204" pitchFamily="49" charset="0"/>
-              </a:rPr>
-              <a:t>string</a:t>
-            </a:r>
-            <a:r>
-              <a:rPr lang="nl-NL" sz="2400" dirty="0">
-                <a:solidFill>
-                  <a:srgbClr val="000000"/>
-                </a:solidFill>
-                <a:latin typeface="Consolas" panose="020B0609020204030204" pitchFamily="49" charset="0"/>
-              </a:rPr>
-              <a:t> </a:t>
-            </a:r>
-            <a:r>
-              <a:rPr lang="nl-NL" sz="2400" dirty="0" err="1">
-                <a:solidFill>
-                  <a:srgbClr val="000000"/>
-                </a:solidFill>
-                <a:latin typeface="Consolas" panose="020B0609020204030204" pitchFamily="49" charset="0"/>
-              </a:rPr>
-              <a:t>nieuweZin</a:t>
-            </a:r>
-            <a:r>
-              <a:rPr lang="nl-NL" sz="2400" dirty="0">
-                <a:solidFill>
-                  <a:srgbClr val="000000"/>
-                </a:solidFill>
-                <a:latin typeface="Consolas" panose="020B0609020204030204" pitchFamily="49" charset="0"/>
-              </a:rPr>
-              <a:t> = </a:t>
-            </a:r>
-            <a:r>
-              <a:rPr lang="nl-NL" sz="2400" dirty="0">
-                <a:solidFill>
-                  <a:srgbClr val="0000FF"/>
-                </a:solidFill>
-                <a:latin typeface="Consolas" panose="020B0609020204030204" pitchFamily="49" charset="0"/>
-              </a:rPr>
-              <a:t>new</a:t>
-            </a:r>
-            <a:r>
-              <a:rPr lang="nl-NL" sz="2400" dirty="0">
-                <a:solidFill>
-                  <a:srgbClr val="000000"/>
-                </a:solidFill>
-                <a:latin typeface="Consolas" panose="020B0609020204030204" pitchFamily="49" charset="0"/>
-              </a:rPr>
-              <a:t> </a:t>
-            </a:r>
-            <a:r>
-              <a:rPr lang="nl-NL" sz="2400" dirty="0">
-                <a:solidFill>
-                  <a:srgbClr val="0000FF"/>
-                </a:solidFill>
-                <a:latin typeface="Consolas" panose="020B0609020204030204" pitchFamily="49" charset="0"/>
-              </a:rPr>
-              <a:t>string</a:t>
-            </a:r>
-            <a:r>
-              <a:rPr lang="nl-NL" sz="2400" dirty="0">
-                <a:solidFill>
-                  <a:srgbClr val="000000"/>
-                </a:solidFill>
-                <a:latin typeface="Consolas" panose="020B0609020204030204" pitchFamily="49" charset="0"/>
-              </a:rPr>
-              <a:t>(karakters);</a:t>
-            </a:r>
-          </a:p>
-          <a:p>
-            <a:r>
-              <a:rPr lang="nl-BE" sz="2400" dirty="0" err="1">
-                <a:solidFill>
-                  <a:srgbClr val="000000"/>
-                </a:solidFill>
-                <a:latin typeface="Consolas" panose="020B0609020204030204" pitchFamily="49" charset="0"/>
-              </a:rPr>
-              <a:t>Console.WriteLine</a:t>
-            </a:r>
-            <a:r>
-              <a:rPr lang="nl-BE" sz="2400" dirty="0">
-                <a:solidFill>
-                  <a:srgbClr val="000000"/>
-                </a:solidFill>
-                <a:latin typeface="Consolas" panose="020B0609020204030204" pitchFamily="49" charset="0"/>
-              </a:rPr>
-              <a:t>(</a:t>
-            </a:r>
-            <a:r>
-              <a:rPr lang="nl-BE" sz="2400" dirty="0" err="1">
-                <a:solidFill>
-                  <a:srgbClr val="000000"/>
-                </a:solidFill>
-                <a:latin typeface="Consolas" panose="020B0609020204030204" pitchFamily="49" charset="0"/>
-              </a:rPr>
-              <a:t>nieuweZin</a:t>
-            </a:r>
-            <a:r>
-              <a:rPr lang="nl-BE" sz="2400" dirty="0">
-                <a:solidFill>
-                  <a:srgbClr val="000000"/>
-                </a:solidFill>
-                <a:latin typeface="Consolas" panose="020B0609020204030204" pitchFamily="49" charset="0"/>
-              </a:rPr>
-              <a:t>);</a:t>
-            </a:r>
-            <a:endParaRPr lang="nl-BE" sz="2400" dirty="0"/>
-          </a:p>
-        </p:txBody>
-      </p:sp>
-    </p:spTree>
-    <p:extLst>
-      <p:ext uri="{BB962C8B-B14F-4D97-AF65-F5344CB8AC3E}">
-        <p14:creationId xmlns:p14="http://schemas.microsoft.com/office/powerpoint/2010/main" val="811048529"/>
+        <p14:creationId xmlns:p14="http://schemas.microsoft.com/office/powerpoint/2010/main" val="3377689806"/>
       </p:ext>
     </p:extLst>
   </p:cSld>
@@ -12636,101 +8917,10 @@
       </p:grpSpPr>
       <p:sp>
         <p:nvSpPr>
-          <p:cNvPr id="2" name="Titel 1">
+          <p:cNvPr id="10" name="Rechthoek 9">
             <a:extLst>
               <a:ext uri="{FF2B5EF4-FFF2-40B4-BE49-F238E27FC236}">
-                <a16:creationId xmlns:a16="http://schemas.microsoft.com/office/drawing/2014/main" id="{51F0DA5A-CA1D-4807-85F7-3DCDB0409440}"/>
-              </a:ext>
-            </a:extLst>
-          </p:cNvPr>
-          <p:cNvSpPr>
-            <a:spLocks noGrp="1"/>
-          </p:cNvSpPr>
-          <p:nvPr>
-            <p:ph type="title"/>
-          </p:nvPr>
-        </p:nvSpPr>
-        <p:spPr/>
-        <p:txBody>
-          <a:bodyPr/>
-          <a:lstStyle/>
-          <a:p>
-            <a:r>
-              <a:rPr lang="nl-BE" dirty="0" err="1"/>
-              <a:t>Char</a:t>
-            </a:r>
-            <a:r>
-              <a:rPr lang="nl-BE" dirty="0"/>
-              <a:t>-array -&gt; string</a:t>
-            </a:r>
-          </a:p>
-        </p:txBody>
-      </p:sp>
-      <p:sp>
-        <p:nvSpPr>
-          <p:cNvPr id="3" name="Tijdelijke aanduiding voor inhoud 2">
-            <a:extLst>
-              <a:ext uri="{FF2B5EF4-FFF2-40B4-BE49-F238E27FC236}">
-                <a16:creationId xmlns:a16="http://schemas.microsoft.com/office/drawing/2014/main" id="{E525C429-B862-4BB3-B6CC-0FB479C502FD}"/>
-              </a:ext>
-            </a:extLst>
-          </p:cNvPr>
-          <p:cNvSpPr>
-            <a:spLocks noGrp="1"/>
-          </p:cNvSpPr>
-          <p:nvPr>
-            <p:ph idx="1"/>
-          </p:nvPr>
-        </p:nvSpPr>
-        <p:spPr/>
-        <p:txBody>
-          <a:bodyPr/>
-          <a:lstStyle/>
-          <a:p>
-            <a:r>
-              <a:rPr lang="nl-BE" dirty="0" err="1"/>
-              <a:t>What</a:t>
-            </a:r>
-            <a:r>
-              <a:rPr lang="nl-BE" dirty="0"/>
-              <a:t> </a:t>
-            </a:r>
-            <a:r>
-              <a:rPr lang="nl-BE" dirty="0" err="1"/>
-              <a:t>will</a:t>
-            </a:r>
-            <a:r>
-              <a:rPr lang="nl-BE" dirty="0"/>
-              <a:t> </a:t>
-            </a:r>
-            <a:r>
-              <a:rPr lang="nl-BE" dirty="0" err="1"/>
-              <a:t>be</a:t>
-            </a:r>
-            <a:r>
-              <a:rPr lang="nl-BE" dirty="0"/>
-              <a:t> </a:t>
-            </a:r>
-            <a:r>
-              <a:rPr lang="nl-BE" dirty="0" err="1"/>
-              <a:t>the</a:t>
-            </a:r>
-            <a:r>
-              <a:rPr lang="nl-BE" dirty="0"/>
-              <a:t> output?</a:t>
-            </a:r>
-          </a:p>
-          <a:p>
-            <a:endParaRPr lang="nl-BE" dirty="0"/>
-          </a:p>
-        </p:txBody>
-      </p:sp>
-      <p:sp>
-        <p:nvSpPr>
-          <p:cNvPr id="4" name="Rechthoek 3">
-            <a:extLst>
-              <a:ext uri="{FF2B5EF4-FFF2-40B4-BE49-F238E27FC236}">
-                <a16:creationId xmlns:a16="http://schemas.microsoft.com/office/drawing/2014/main" id="{AE65EB46-011F-49FF-B7A3-05BDF1043E99}"/>
+                <a16:creationId xmlns:a16="http://schemas.microsoft.com/office/drawing/2014/main" id="{F3AFF6B4-7769-411A-BC76-B49F2437DAFC}"/>
               </a:ext>
             </a:extLst>
           </p:cNvPr>
@@ -12739,8 +8929,94 @@
         </p:nvSpPr>
         <p:spPr>
           <a:xfrm>
-            <a:off x="1789043" y="2899058"/>
-            <a:ext cx="9347753" cy="1569660"/>
+            <a:off x="223630" y="1833771"/>
+            <a:ext cx="7290353" cy="2852530"/>
+          </a:xfrm>
+          <a:prstGeom prst="rect">
+            <a:avLst/>
+          </a:prstGeom>
+        </p:spPr>
+        <p:style>
+          <a:lnRef idx="2">
+            <a:schemeClr val="accent4">
+              <a:shade val="50000"/>
+            </a:schemeClr>
+          </a:lnRef>
+          <a:fillRef idx="1">
+            <a:schemeClr val="accent4"/>
+          </a:fillRef>
+          <a:effectRef idx="0">
+            <a:schemeClr val="accent4"/>
+          </a:effectRef>
+          <a:fontRef idx="minor">
+            <a:schemeClr val="lt1"/>
+          </a:fontRef>
+        </p:style>
+        <p:txBody>
+          <a:bodyPr rtlCol="0" anchor="ctr"/>
+          <a:lstStyle/>
+          <a:p>
+            <a:pPr algn="ctr"/>
+            <a:endParaRPr lang="nl-BE"/>
+          </a:p>
+        </p:txBody>
+      </p:sp>
+      <p:sp>
+        <p:nvSpPr>
+          <p:cNvPr id="19460" name="Rectangle 2"/>
+          <p:cNvSpPr>
+            <a:spLocks noGrp="1" noChangeArrowheads="1"/>
+          </p:cNvSpPr>
+          <p:nvPr>
+            <p:ph type="title"/>
+          </p:nvPr>
+        </p:nvSpPr>
+        <p:spPr>
+          <a:xfrm>
+            <a:off x="2057400" y="79515"/>
+            <a:ext cx="8077200" cy="1143000"/>
+          </a:xfrm>
+        </p:spPr>
+        <p:txBody>
+          <a:bodyPr>
+            <a:normAutofit fontScale="90000"/>
+          </a:bodyPr>
+          <a:lstStyle/>
+          <a:p>
+            <a:pPr eaLnBrk="1" hangingPunct="1"/>
+            <a:r>
+              <a:rPr lang="en-US" dirty="0"/>
+              <a:t>Using a </a:t>
+            </a:r>
+            <a:r>
+              <a:rPr lang="en-US" dirty="0">
+                <a:latin typeface="Courier New" pitchFamily="1" charset="0"/>
+              </a:rPr>
+              <a:t>for</a:t>
+            </a:r>
+            <a:r>
+              <a:rPr lang="en-US" dirty="0"/>
+              <a:t> Loop to Search an Array</a:t>
+            </a:r>
+          </a:p>
+        </p:txBody>
+      </p:sp>
+      <p:sp>
+        <p:nvSpPr>
+          <p:cNvPr id="2" name="Rechthoek 1">
+            <a:extLst>
+              <a:ext uri="{FF2B5EF4-FFF2-40B4-BE49-F238E27FC236}">
+                <a16:creationId xmlns:a16="http://schemas.microsoft.com/office/drawing/2014/main" id="{833054DB-B0E9-435E-851B-D9956A0C0F38}"/>
+              </a:ext>
+            </a:extLst>
+          </p:cNvPr>
+          <p:cNvSpPr/>
+          <p:nvPr/>
+        </p:nvSpPr>
+        <p:spPr>
+          <a:xfrm>
+            <a:off x="612914" y="940502"/>
+            <a:ext cx="9480274" cy="5693866"/>
           </a:xfrm>
           <a:prstGeom prst="rect">
             <a:avLst/>
@@ -12753,16 +9029,90 @@
           <a:lstStyle/>
           <a:p>
             <a:r>
-              <a:rPr lang="it-IT" sz="2400" dirty="0" err="1">
+              <a:rPr lang="en-US" sz="1400" dirty="0">
                 <a:solidFill>
                   <a:srgbClr val="0000FF"/>
                 </a:solidFill>
                 <a:latin typeface="Consolas" panose="020B0609020204030204" pitchFamily="49" charset="0"/>
               </a:rPr>
-              <a:t>char</a:t>
-            </a:r>
-            <a:r>
-              <a:rPr lang="it-IT" sz="2400" dirty="0">
+              <a:t>string</a:t>
+            </a:r>
+            <a:r>
+              <a:rPr lang="en-US" sz="1400" dirty="0">
+                <a:solidFill>
+                  <a:srgbClr val="000000"/>
+                </a:solidFill>
+                <a:latin typeface="Consolas" panose="020B0609020204030204" pitchFamily="49" charset="0"/>
+              </a:rPr>
+              <a:t>[] products = { </a:t>
+            </a:r>
+            <a:r>
+              <a:rPr lang="en-US" sz="1400" dirty="0">
+                <a:solidFill>
+                  <a:srgbClr val="A31515"/>
+                </a:solidFill>
+                <a:latin typeface="Consolas" panose="020B0609020204030204" pitchFamily="49" charset="0"/>
+              </a:rPr>
+              <a:t>"apples"</a:t>
+            </a:r>
+            <a:r>
+              <a:rPr lang="en-US" sz="1400" dirty="0">
+                <a:solidFill>
+                  <a:srgbClr val="000000"/>
+                </a:solidFill>
+                <a:latin typeface="Consolas" panose="020B0609020204030204" pitchFamily="49" charset="0"/>
+              </a:rPr>
+              <a:t>, </a:t>
+            </a:r>
+            <a:r>
+              <a:rPr lang="en-US" sz="1400" dirty="0">
+                <a:solidFill>
+                  <a:srgbClr val="A31515"/>
+                </a:solidFill>
+                <a:latin typeface="Consolas" panose="020B0609020204030204" pitchFamily="49" charset="0"/>
+              </a:rPr>
+              <a:t>"pears"</a:t>
+            </a:r>
+            <a:r>
+              <a:rPr lang="en-US" sz="1400" dirty="0">
+                <a:solidFill>
+                  <a:srgbClr val="000000"/>
+                </a:solidFill>
+                <a:latin typeface="Consolas" panose="020B0609020204030204" pitchFamily="49" charset="0"/>
+              </a:rPr>
+              <a:t>, </a:t>
+            </a:r>
+            <a:r>
+              <a:rPr lang="en-US" sz="1400" dirty="0">
+                <a:solidFill>
+                  <a:srgbClr val="A31515"/>
+                </a:solidFill>
+                <a:latin typeface="Consolas" panose="020B0609020204030204" pitchFamily="49" charset="0"/>
+              </a:rPr>
+              <a:t>"melons"</a:t>
+            </a:r>
+            <a:r>
+              <a:rPr lang="en-US" sz="1400" dirty="0">
+                <a:solidFill>
+                  <a:srgbClr val="000000"/>
+                </a:solidFill>
+                <a:latin typeface="Consolas" panose="020B0609020204030204" pitchFamily="49" charset="0"/>
+              </a:rPr>
+              <a:t> };</a:t>
+            </a:r>
+          </a:p>
+          <a:p>
+            <a:r>
+              <a:rPr lang="fr-FR" sz="1400" dirty="0">
+                <a:solidFill>
+                  <a:srgbClr val="0000FF"/>
+                </a:solidFill>
+                <a:latin typeface="Consolas" panose="020B0609020204030204" pitchFamily="49" charset="0"/>
+              </a:rPr>
+              <a:t>double</a:t>
+            </a:r>
+            <a:r>
+              <a:rPr lang="fr-FR" sz="1400" dirty="0">
                 <a:solidFill>
                   <a:srgbClr val="000000"/>
                 </a:solidFill>
@@ -12771,218 +9121,713 @@
               <a:t>[] </a:t>
             </a:r>
             <a:r>
-              <a:rPr lang="it-IT" sz="2400" dirty="0" err="1">
-                <a:solidFill>
-                  <a:srgbClr val="000000"/>
-                </a:solidFill>
-                <a:latin typeface="Consolas" panose="020B0609020204030204" pitchFamily="49" charset="0"/>
-              </a:rPr>
-              <a:t>arrayOfLetters</a:t>
-            </a:r>
-            <a:r>
-              <a:rPr lang="it-IT" sz="2400" dirty="0">
-                <a:solidFill>
-                  <a:srgbClr val="000000"/>
-                </a:solidFill>
-                <a:latin typeface="Consolas" panose="020B0609020204030204" pitchFamily="49" charset="0"/>
-              </a:rPr>
-              <a:t> = { </a:t>
-            </a:r>
-            <a:r>
-              <a:rPr lang="it-IT" sz="2400" dirty="0">
+              <a:rPr lang="fr-FR" sz="1400" dirty="0" err="1">
+                <a:solidFill>
+                  <a:srgbClr val="000000"/>
+                </a:solidFill>
+                <a:latin typeface="Consolas" panose="020B0609020204030204" pitchFamily="49" charset="0"/>
+              </a:rPr>
+              <a:t>prices</a:t>
+            </a:r>
+            <a:r>
+              <a:rPr lang="fr-FR" sz="1400" dirty="0">
+                <a:solidFill>
+                  <a:srgbClr val="000000"/>
+                </a:solidFill>
+                <a:latin typeface="Consolas" panose="020B0609020204030204" pitchFamily="49" charset="0"/>
+              </a:rPr>
+              <a:t> = { 3.3, 6.2, 2.9 };</a:t>
+            </a:r>
+          </a:p>
+          <a:p>
+            <a:endParaRPr lang="nl-BE" sz="1400" dirty="0">
+              <a:solidFill>
+                <a:srgbClr val="000000"/>
+              </a:solidFill>
+              <a:latin typeface="Consolas" panose="020B0609020204030204" pitchFamily="49" charset="0"/>
+            </a:endParaRPr>
+          </a:p>
+          <a:p>
+            <a:r>
+              <a:rPr lang="en-US" sz="1400" dirty="0" err="1">
+                <a:solidFill>
+                  <a:srgbClr val="000000"/>
+                </a:solidFill>
+                <a:latin typeface="Consolas" panose="020B0609020204030204" pitchFamily="49" charset="0"/>
+              </a:rPr>
+              <a:t>Console.WriteLine</a:t>
+            </a:r>
+            <a:r>
+              <a:rPr lang="en-US" sz="1400" dirty="0">
+                <a:solidFill>
+                  <a:srgbClr val="000000"/>
+                </a:solidFill>
+                <a:latin typeface="Consolas" panose="020B0609020204030204" pitchFamily="49" charset="0"/>
+              </a:rPr>
+              <a:t>(</a:t>
+            </a:r>
+            <a:r>
+              <a:rPr lang="en-US" sz="1400" dirty="0">
                 <a:solidFill>
                   <a:srgbClr val="A31515"/>
                 </a:solidFill>
                 <a:latin typeface="Consolas" panose="020B0609020204030204" pitchFamily="49" charset="0"/>
               </a:rPr>
-              <a:t>'h'</a:t>
-            </a:r>
-            <a:r>
-              <a:rPr lang="it-IT" sz="2400" dirty="0">
-                <a:solidFill>
-                  <a:srgbClr val="000000"/>
-                </a:solidFill>
-                <a:latin typeface="Consolas" panose="020B0609020204030204" pitchFamily="49" charset="0"/>
-              </a:rPr>
-              <a:t>, </a:t>
-            </a:r>
-            <a:r>
-              <a:rPr lang="it-IT" sz="2400" dirty="0">
+              <a:t>"Which price do you need?"</a:t>
+            </a:r>
+            <a:r>
+              <a:rPr lang="en-US" sz="1400" dirty="0">
+                <a:solidFill>
+                  <a:srgbClr val="000000"/>
+                </a:solidFill>
+                <a:latin typeface="Consolas" panose="020B0609020204030204" pitchFamily="49" charset="0"/>
+              </a:rPr>
+              <a:t>);</a:t>
+            </a:r>
+          </a:p>
+          <a:p>
+            <a:r>
+              <a:rPr lang="nl-BE" sz="1400" dirty="0">
+                <a:solidFill>
+                  <a:srgbClr val="0000FF"/>
+                </a:solidFill>
+                <a:latin typeface="Consolas" panose="020B0609020204030204" pitchFamily="49" charset="0"/>
+              </a:rPr>
+              <a:t>string</a:t>
+            </a:r>
+            <a:r>
+              <a:rPr lang="nl-BE" sz="1400" dirty="0">
+                <a:solidFill>
+                  <a:srgbClr val="000000"/>
+                </a:solidFill>
+                <a:latin typeface="Consolas" panose="020B0609020204030204" pitchFamily="49" charset="0"/>
+              </a:rPr>
+              <a:t> </a:t>
+            </a:r>
+            <a:r>
+              <a:rPr lang="nl-BE" sz="1400" dirty="0" err="1">
+                <a:solidFill>
+                  <a:srgbClr val="000000"/>
+                </a:solidFill>
+                <a:latin typeface="Consolas" panose="020B0609020204030204" pitchFamily="49" charset="0"/>
+              </a:rPr>
+              <a:t>userchoice</a:t>
+            </a:r>
+            <a:r>
+              <a:rPr lang="nl-BE" sz="1400" dirty="0">
+                <a:solidFill>
+                  <a:srgbClr val="000000"/>
+                </a:solidFill>
+                <a:latin typeface="Consolas" panose="020B0609020204030204" pitchFamily="49" charset="0"/>
+              </a:rPr>
+              <a:t> = </a:t>
+            </a:r>
+            <a:r>
+              <a:rPr lang="nl-BE" sz="1400" dirty="0" err="1">
+                <a:solidFill>
+                  <a:srgbClr val="000000"/>
+                </a:solidFill>
+                <a:latin typeface="Consolas" panose="020B0609020204030204" pitchFamily="49" charset="0"/>
+              </a:rPr>
+              <a:t>Console.ReadLine</a:t>
+            </a:r>
+            <a:r>
+              <a:rPr lang="nl-BE" sz="1400" dirty="0">
+                <a:solidFill>
+                  <a:srgbClr val="000000"/>
+                </a:solidFill>
+                <a:latin typeface="Consolas" panose="020B0609020204030204" pitchFamily="49" charset="0"/>
+              </a:rPr>
+              <a:t>();</a:t>
+            </a:r>
+          </a:p>
+          <a:p>
+            <a:endParaRPr lang="nl-BE" sz="1400" dirty="0">
+              <a:solidFill>
+                <a:srgbClr val="000000"/>
+              </a:solidFill>
+              <a:latin typeface="Consolas" panose="020B0609020204030204" pitchFamily="49" charset="0"/>
+            </a:endParaRPr>
+          </a:p>
+          <a:p>
+            <a:r>
+              <a:rPr lang="nl-BE" sz="1400" dirty="0" err="1">
+                <a:solidFill>
+                  <a:srgbClr val="0000FF"/>
+                </a:solidFill>
+                <a:latin typeface="Consolas" panose="020B0609020204030204" pitchFamily="49" charset="0"/>
+              </a:rPr>
+              <a:t>bool</a:t>
+            </a:r>
+            <a:r>
+              <a:rPr lang="nl-BE" sz="1400" dirty="0">
+                <a:solidFill>
+                  <a:srgbClr val="000000"/>
+                </a:solidFill>
+                <a:latin typeface="Consolas" panose="020B0609020204030204" pitchFamily="49" charset="0"/>
+              </a:rPr>
+              <a:t> found = </a:t>
+            </a:r>
+            <a:r>
+              <a:rPr lang="nl-BE" sz="1400" dirty="0" err="1">
+                <a:solidFill>
+                  <a:srgbClr val="0000FF"/>
+                </a:solidFill>
+                <a:latin typeface="Consolas" panose="020B0609020204030204" pitchFamily="49" charset="0"/>
+              </a:rPr>
+              <a:t>false</a:t>
+            </a:r>
+            <a:r>
+              <a:rPr lang="nl-BE" sz="1400" dirty="0">
+                <a:solidFill>
+                  <a:srgbClr val="000000"/>
+                </a:solidFill>
+                <a:latin typeface="Consolas" panose="020B0609020204030204" pitchFamily="49" charset="0"/>
+              </a:rPr>
+              <a:t>;</a:t>
+            </a:r>
+          </a:p>
+          <a:p>
+            <a:r>
+              <a:rPr lang="nl-BE" sz="1400" dirty="0">
+                <a:solidFill>
+                  <a:srgbClr val="0000FF"/>
+                </a:solidFill>
+                <a:latin typeface="Consolas" panose="020B0609020204030204" pitchFamily="49" charset="0"/>
+              </a:rPr>
+              <a:t>int</a:t>
+            </a:r>
+            <a:r>
+              <a:rPr lang="nl-BE" sz="1400" dirty="0">
+                <a:solidFill>
+                  <a:srgbClr val="000000"/>
+                </a:solidFill>
+                <a:latin typeface="Consolas" panose="020B0609020204030204" pitchFamily="49" charset="0"/>
+              </a:rPr>
+              <a:t> </a:t>
+            </a:r>
+            <a:r>
+              <a:rPr lang="nl-BE" sz="1400" dirty="0" err="1">
+                <a:solidFill>
+                  <a:srgbClr val="000000"/>
+                </a:solidFill>
+                <a:latin typeface="Consolas" panose="020B0609020204030204" pitchFamily="49" charset="0"/>
+              </a:rPr>
+              <a:t>productIndex</a:t>
+            </a:r>
+            <a:r>
+              <a:rPr lang="nl-BE" sz="1400" dirty="0">
+                <a:solidFill>
+                  <a:srgbClr val="000000"/>
+                </a:solidFill>
+                <a:latin typeface="Consolas" panose="020B0609020204030204" pitchFamily="49" charset="0"/>
+              </a:rPr>
+              <a:t> = -1;</a:t>
+            </a:r>
+          </a:p>
+          <a:p>
+            <a:endParaRPr lang="nl-BE" sz="1400" dirty="0">
+              <a:solidFill>
+                <a:srgbClr val="000000"/>
+              </a:solidFill>
+              <a:latin typeface="Consolas" panose="020B0609020204030204" pitchFamily="49" charset="0"/>
+            </a:endParaRPr>
+          </a:p>
+          <a:p>
+            <a:r>
+              <a:rPr lang="nl-BE" sz="1400" dirty="0" err="1">
+                <a:solidFill>
+                  <a:srgbClr val="0000FF"/>
+                </a:solidFill>
+                <a:latin typeface="Consolas" panose="020B0609020204030204" pitchFamily="49" charset="0"/>
+              </a:rPr>
+              <a:t>for</a:t>
+            </a:r>
+            <a:r>
+              <a:rPr lang="nl-BE" sz="1400" dirty="0">
+                <a:solidFill>
+                  <a:srgbClr val="000000"/>
+                </a:solidFill>
+                <a:latin typeface="Consolas" panose="020B0609020204030204" pitchFamily="49" charset="0"/>
+              </a:rPr>
+              <a:t> (</a:t>
+            </a:r>
+            <a:r>
+              <a:rPr lang="nl-BE" sz="1400" dirty="0">
+                <a:solidFill>
+                  <a:srgbClr val="0000FF"/>
+                </a:solidFill>
+                <a:latin typeface="Consolas" panose="020B0609020204030204" pitchFamily="49" charset="0"/>
+              </a:rPr>
+              <a:t>int</a:t>
+            </a:r>
+            <a:r>
+              <a:rPr lang="nl-BE" sz="1400" dirty="0">
+                <a:solidFill>
+                  <a:srgbClr val="000000"/>
+                </a:solidFill>
+                <a:latin typeface="Consolas" panose="020B0609020204030204" pitchFamily="49" charset="0"/>
+              </a:rPr>
+              <a:t> i = 0; i &lt; </a:t>
+            </a:r>
+            <a:r>
+              <a:rPr lang="nl-BE" sz="1400" dirty="0" err="1">
+                <a:solidFill>
+                  <a:srgbClr val="000000"/>
+                </a:solidFill>
+                <a:latin typeface="Consolas" panose="020B0609020204030204" pitchFamily="49" charset="0"/>
+              </a:rPr>
+              <a:t>products.Length</a:t>
+            </a:r>
+            <a:r>
+              <a:rPr lang="nl-BE" sz="1400" dirty="0">
+                <a:solidFill>
+                  <a:srgbClr val="000000"/>
+                </a:solidFill>
+                <a:latin typeface="Consolas" panose="020B0609020204030204" pitchFamily="49" charset="0"/>
+              </a:rPr>
+              <a:t>; i++)</a:t>
+            </a:r>
+          </a:p>
+          <a:p>
+            <a:r>
+              <a:rPr lang="nl-BE" sz="1400" dirty="0">
+                <a:solidFill>
+                  <a:srgbClr val="000000"/>
+                </a:solidFill>
+                <a:latin typeface="Consolas" panose="020B0609020204030204" pitchFamily="49" charset="0"/>
+              </a:rPr>
+              <a:t>{</a:t>
+            </a:r>
+          </a:p>
+          <a:p>
+            <a:r>
+              <a:rPr lang="nl-BE" sz="1400" dirty="0">
+                <a:solidFill>
+                  <a:srgbClr val="000000"/>
+                </a:solidFill>
+                <a:latin typeface="Consolas" panose="020B0609020204030204" pitchFamily="49" charset="0"/>
+              </a:rPr>
+              <a:t>    </a:t>
+            </a:r>
+            <a:r>
+              <a:rPr lang="nl-BE" sz="1400" dirty="0" err="1">
+                <a:solidFill>
+                  <a:srgbClr val="0000FF"/>
+                </a:solidFill>
+                <a:latin typeface="Consolas" panose="020B0609020204030204" pitchFamily="49" charset="0"/>
+              </a:rPr>
+              <a:t>if</a:t>
+            </a:r>
+            <a:r>
+              <a:rPr lang="nl-BE" sz="1400" dirty="0">
+                <a:solidFill>
+                  <a:srgbClr val="000000"/>
+                </a:solidFill>
+                <a:latin typeface="Consolas" panose="020B0609020204030204" pitchFamily="49" charset="0"/>
+              </a:rPr>
+              <a:t>(</a:t>
+            </a:r>
+            <a:r>
+              <a:rPr lang="nl-BE" sz="1400" dirty="0" err="1">
+                <a:solidFill>
+                  <a:srgbClr val="000000"/>
+                </a:solidFill>
+                <a:latin typeface="Consolas" panose="020B0609020204030204" pitchFamily="49" charset="0"/>
+              </a:rPr>
+              <a:t>products</a:t>
+            </a:r>
+            <a:r>
+              <a:rPr lang="nl-BE" sz="1400" dirty="0">
+                <a:solidFill>
+                  <a:srgbClr val="000000"/>
+                </a:solidFill>
+                <a:latin typeface="Consolas" panose="020B0609020204030204" pitchFamily="49" charset="0"/>
+              </a:rPr>
+              <a:t>[i]== </a:t>
+            </a:r>
+            <a:r>
+              <a:rPr lang="nl-BE" sz="1400" dirty="0" err="1">
+                <a:solidFill>
+                  <a:srgbClr val="000000"/>
+                </a:solidFill>
+                <a:latin typeface="Consolas" panose="020B0609020204030204" pitchFamily="49" charset="0"/>
+              </a:rPr>
+              <a:t>userchoice</a:t>
+            </a:r>
+            <a:r>
+              <a:rPr lang="nl-BE" sz="1400" dirty="0">
+                <a:solidFill>
+                  <a:srgbClr val="000000"/>
+                </a:solidFill>
+                <a:latin typeface="Consolas" panose="020B0609020204030204" pitchFamily="49" charset="0"/>
+              </a:rPr>
+              <a:t>)</a:t>
+            </a:r>
+          </a:p>
+          <a:p>
+            <a:r>
+              <a:rPr lang="nl-BE" sz="1400" dirty="0">
+                <a:solidFill>
+                  <a:srgbClr val="000000"/>
+                </a:solidFill>
+                <a:latin typeface="Consolas" panose="020B0609020204030204" pitchFamily="49" charset="0"/>
+              </a:rPr>
+              <a:t>    {</a:t>
+            </a:r>
+          </a:p>
+          <a:p>
+            <a:r>
+              <a:rPr lang="nl-BE" sz="1400" dirty="0">
+                <a:solidFill>
+                  <a:srgbClr val="000000"/>
+                </a:solidFill>
+                <a:latin typeface="Consolas" panose="020B0609020204030204" pitchFamily="49" charset="0"/>
+              </a:rPr>
+              <a:t>        found = </a:t>
+            </a:r>
+            <a:r>
+              <a:rPr lang="nl-BE" sz="1400" dirty="0" err="1">
+                <a:solidFill>
+                  <a:srgbClr val="0000FF"/>
+                </a:solidFill>
+                <a:latin typeface="Consolas" panose="020B0609020204030204" pitchFamily="49" charset="0"/>
+              </a:rPr>
+              <a:t>true</a:t>
+            </a:r>
+            <a:r>
+              <a:rPr lang="nl-BE" sz="1400" dirty="0">
+                <a:solidFill>
+                  <a:srgbClr val="000000"/>
+                </a:solidFill>
+                <a:latin typeface="Consolas" panose="020B0609020204030204" pitchFamily="49" charset="0"/>
+              </a:rPr>
+              <a:t>;</a:t>
+            </a:r>
+          </a:p>
+          <a:p>
+            <a:r>
+              <a:rPr lang="nl-BE" sz="1400" dirty="0">
+                <a:solidFill>
+                  <a:srgbClr val="000000"/>
+                </a:solidFill>
+                <a:latin typeface="Consolas" panose="020B0609020204030204" pitchFamily="49" charset="0"/>
+              </a:rPr>
+              <a:t>        </a:t>
+            </a:r>
+            <a:r>
+              <a:rPr lang="nl-BE" sz="1400" dirty="0" err="1">
+                <a:solidFill>
+                  <a:srgbClr val="000000"/>
+                </a:solidFill>
+                <a:latin typeface="Consolas" panose="020B0609020204030204" pitchFamily="49" charset="0"/>
+              </a:rPr>
+              <a:t>productIndex</a:t>
+            </a:r>
+            <a:r>
+              <a:rPr lang="nl-BE" sz="1400" dirty="0">
+                <a:solidFill>
+                  <a:srgbClr val="000000"/>
+                </a:solidFill>
+                <a:latin typeface="Consolas" panose="020B0609020204030204" pitchFamily="49" charset="0"/>
+              </a:rPr>
+              <a:t> = i;</a:t>
+            </a:r>
+          </a:p>
+          <a:p>
+            <a:r>
+              <a:rPr lang="nl-BE" sz="1400" dirty="0">
+                <a:solidFill>
+                  <a:srgbClr val="000000"/>
+                </a:solidFill>
+                <a:latin typeface="Consolas" panose="020B0609020204030204" pitchFamily="49" charset="0"/>
+              </a:rPr>
+              <a:t>    }</a:t>
+            </a:r>
+          </a:p>
+          <a:p>
+            <a:r>
+              <a:rPr lang="nl-BE" sz="1400" dirty="0">
+                <a:solidFill>
+                  <a:srgbClr val="000000"/>
+                </a:solidFill>
+                <a:latin typeface="Consolas" panose="020B0609020204030204" pitchFamily="49" charset="0"/>
+              </a:rPr>
+              <a:t>}</a:t>
+            </a:r>
+          </a:p>
+          <a:p>
+            <a:endParaRPr lang="nl-BE" sz="1400" dirty="0">
+              <a:solidFill>
+                <a:srgbClr val="000000"/>
+              </a:solidFill>
+              <a:latin typeface="Consolas" panose="020B0609020204030204" pitchFamily="49" charset="0"/>
+            </a:endParaRPr>
+          </a:p>
+          <a:p>
+            <a:r>
+              <a:rPr lang="nl-BE" sz="1400" dirty="0" err="1">
+                <a:solidFill>
+                  <a:srgbClr val="0000FF"/>
+                </a:solidFill>
+                <a:latin typeface="Consolas" panose="020B0609020204030204" pitchFamily="49" charset="0"/>
+              </a:rPr>
+              <a:t>if</a:t>
+            </a:r>
+            <a:r>
+              <a:rPr lang="nl-BE" sz="1400" dirty="0">
+                <a:solidFill>
+                  <a:srgbClr val="000000"/>
+                </a:solidFill>
+                <a:latin typeface="Consolas" panose="020B0609020204030204" pitchFamily="49" charset="0"/>
+              </a:rPr>
+              <a:t>(found==</a:t>
+            </a:r>
+            <a:r>
+              <a:rPr lang="nl-BE" sz="1400" dirty="0" err="1">
+                <a:solidFill>
+                  <a:srgbClr val="0000FF"/>
+                </a:solidFill>
+                <a:latin typeface="Consolas" panose="020B0609020204030204" pitchFamily="49" charset="0"/>
+              </a:rPr>
+              <a:t>true</a:t>
+            </a:r>
+            <a:r>
+              <a:rPr lang="nl-BE" sz="1400" dirty="0">
+                <a:solidFill>
+                  <a:srgbClr val="000000"/>
+                </a:solidFill>
+                <a:latin typeface="Consolas" panose="020B0609020204030204" pitchFamily="49" charset="0"/>
+              </a:rPr>
+              <a:t>)</a:t>
+            </a:r>
+          </a:p>
+          <a:p>
+            <a:r>
+              <a:rPr lang="nl-BE" sz="1400" dirty="0">
+                <a:solidFill>
+                  <a:srgbClr val="000000"/>
+                </a:solidFill>
+                <a:latin typeface="Consolas" panose="020B0609020204030204" pitchFamily="49" charset="0"/>
+              </a:rPr>
+              <a:t>{</a:t>
+            </a:r>
+          </a:p>
+          <a:p>
+            <a:r>
+              <a:rPr lang="en-US" sz="1400" dirty="0">
+                <a:solidFill>
+                  <a:srgbClr val="000000"/>
+                </a:solidFill>
+                <a:latin typeface="Consolas" panose="020B0609020204030204" pitchFamily="49" charset="0"/>
+              </a:rPr>
+              <a:t>    </a:t>
+            </a:r>
+            <a:r>
+              <a:rPr lang="en-US" sz="1400" dirty="0" err="1">
+                <a:solidFill>
+                  <a:srgbClr val="000000"/>
+                </a:solidFill>
+                <a:latin typeface="Consolas" panose="020B0609020204030204" pitchFamily="49" charset="0"/>
+              </a:rPr>
+              <a:t>Console.WriteLine</a:t>
+            </a:r>
+            <a:r>
+              <a:rPr lang="en-US" sz="1400" dirty="0">
+                <a:solidFill>
+                  <a:srgbClr val="000000"/>
+                </a:solidFill>
+                <a:latin typeface="Consolas" panose="020B0609020204030204" pitchFamily="49" charset="0"/>
+              </a:rPr>
+              <a:t>(</a:t>
+            </a:r>
+            <a:r>
+              <a:rPr lang="en-US" sz="1400" dirty="0">
                 <a:solidFill>
                   <a:srgbClr val="A31515"/>
                 </a:solidFill>
                 <a:latin typeface="Consolas" panose="020B0609020204030204" pitchFamily="49" charset="0"/>
               </a:rPr>
-              <a:t>'a'</a:t>
-            </a:r>
-            <a:r>
-              <a:rPr lang="it-IT" sz="2400" dirty="0">
-                <a:solidFill>
-                  <a:srgbClr val="000000"/>
-                </a:solidFill>
-                <a:latin typeface="Consolas" panose="020B0609020204030204" pitchFamily="49" charset="0"/>
-              </a:rPr>
-              <a:t>, </a:t>
-            </a:r>
-            <a:r>
-              <a:rPr lang="it-IT" sz="2400" dirty="0">
+              <a:t>$"Price for </a:t>
+            </a:r>
+            <a:r>
+              <a:rPr lang="en-US" sz="1400" dirty="0">
+                <a:solidFill>
+                  <a:srgbClr val="000000"/>
+                </a:solidFill>
+                <a:latin typeface="Consolas" panose="020B0609020204030204" pitchFamily="49" charset="0"/>
+              </a:rPr>
+              <a:t>{</a:t>
+            </a:r>
+            <a:r>
+              <a:rPr lang="en-US" sz="1400" dirty="0" err="1">
+                <a:solidFill>
+                  <a:srgbClr val="000000"/>
+                </a:solidFill>
+                <a:latin typeface="Consolas" panose="020B0609020204030204" pitchFamily="49" charset="0"/>
+              </a:rPr>
+              <a:t>userchoice</a:t>
+            </a:r>
+            <a:r>
+              <a:rPr lang="en-US" sz="1400" dirty="0">
+                <a:solidFill>
+                  <a:srgbClr val="000000"/>
+                </a:solidFill>
+                <a:latin typeface="Consolas" panose="020B0609020204030204" pitchFamily="49" charset="0"/>
+              </a:rPr>
+              <a:t>}</a:t>
+            </a:r>
+            <a:r>
+              <a:rPr lang="en-US" sz="1400" dirty="0">
                 <a:solidFill>
                   <a:srgbClr val="A31515"/>
                 </a:solidFill>
                 <a:latin typeface="Consolas" panose="020B0609020204030204" pitchFamily="49" charset="0"/>
               </a:rPr>
-              <a:t>'l'</a:t>
-            </a:r>
-            <a:r>
-              <a:rPr lang="it-IT" sz="2400" dirty="0">
-                <a:solidFill>
-                  <a:srgbClr val="000000"/>
-                </a:solidFill>
-                <a:latin typeface="Consolas" panose="020B0609020204030204" pitchFamily="49" charset="0"/>
-              </a:rPr>
-              <a:t>, </a:t>
-            </a:r>
-            <a:r>
-              <a:rPr lang="it-IT" sz="2400" dirty="0">
+              <a:t> is </a:t>
+            </a:r>
+            <a:r>
+              <a:rPr lang="en-US" sz="1400" dirty="0">
+                <a:solidFill>
+                  <a:srgbClr val="000000"/>
+                </a:solidFill>
+                <a:latin typeface="Consolas" panose="020B0609020204030204" pitchFamily="49" charset="0"/>
+              </a:rPr>
+              <a:t>{prices[</a:t>
+            </a:r>
+            <a:r>
+              <a:rPr lang="en-US" sz="1400" dirty="0" err="1">
+                <a:solidFill>
+                  <a:srgbClr val="000000"/>
+                </a:solidFill>
+                <a:latin typeface="Consolas" panose="020B0609020204030204" pitchFamily="49" charset="0"/>
+              </a:rPr>
+              <a:t>productIndex</a:t>
+            </a:r>
+            <a:r>
+              <a:rPr lang="en-US" sz="1400" dirty="0">
+                <a:solidFill>
+                  <a:srgbClr val="000000"/>
+                </a:solidFill>
+                <a:latin typeface="Consolas" panose="020B0609020204030204" pitchFamily="49" charset="0"/>
+              </a:rPr>
+              <a:t>]}</a:t>
+            </a:r>
+            <a:r>
+              <a:rPr lang="en-US" sz="1400" dirty="0">
                 <a:solidFill>
                   <a:srgbClr val="A31515"/>
                 </a:solidFill>
                 <a:latin typeface="Consolas" panose="020B0609020204030204" pitchFamily="49" charset="0"/>
               </a:rPr>
-              <a:t>'l'</a:t>
-            </a:r>
-            <a:r>
-              <a:rPr lang="it-IT" sz="2400" dirty="0">
-                <a:solidFill>
-                  <a:srgbClr val="000000"/>
-                </a:solidFill>
-                <a:latin typeface="Consolas" panose="020B0609020204030204" pitchFamily="49" charset="0"/>
-              </a:rPr>
-              <a:t>, </a:t>
-            </a:r>
-            <a:r>
-              <a:rPr lang="it-IT" sz="2400" dirty="0">
+              <a:t>"</a:t>
+            </a:r>
+            <a:r>
+              <a:rPr lang="en-US" sz="1400" dirty="0">
+                <a:solidFill>
+                  <a:srgbClr val="000000"/>
+                </a:solidFill>
+                <a:latin typeface="Consolas" panose="020B0609020204030204" pitchFamily="49" charset="0"/>
+              </a:rPr>
+              <a:t>);</a:t>
+            </a:r>
+          </a:p>
+          <a:p>
+            <a:r>
+              <a:rPr lang="nl-BE" sz="1400" dirty="0">
+                <a:solidFill>
+                  <a:srgbClr val="000000"/>
+                </a:solidFill>
+                <a:latin typeface="Consolas" panose="020B0609020204030204" pitchFamily="49" charset="0"/>
+              </a:rPr>
+              <a:t>}</a:t>
+            </a:r>
+          </a:p>
+          <a:p>
+            <a:r>
+              <a:rPr lang="nl-BE" sz="1400" dirty="0" err="1">
+                <a:solidFill>
+                  <a:srgbClr val="0000FF"/>
+                </a:solidFill>
+                <a:latin typeface="Consolas" panose="020B0609020204030204" pitchFamily="49" charset="0"/>
+              </a:rPr>
+              <a:t>else</a:t>
+            </a:r>
+            <a:endParaRPr lang="nl-BE" sz="1400" dirty="0">
+              <a:solidFill>
+                <a:srgbClr val="000000"/>
+              </a:solidFill>
+              <a:latin typeface="Consolas" panose="020B0609020204030204" pitchFamily="49" charset="0"/>
+            </a:endParaRPr>
+          </a:p>
+          <a:p>
+            <a:r>
+              <a:rPr lang="nl-BE" sz="1400" dirty="0">
+                <a:solidFill>
+                  <a:srgbClr val="000000"/>
+                </a:solidFill>
+                <a:latin typeface="Consolas" panose="020B0609020204030204" pitchFamily="49" charset="0"/>
+              </a:rPr>
+              <a:t>{</a:t>
+            </a:r>
+          </a:p>
+          <a:p>
+            <a:r>
+              <a:rPr lang="nl-BE" sz="1400" dirty="0">
+                <a:solidFill>
+                  <a:srgbClr val="000000"/>
+                </a:solidFill>
+                <a:latin typeface="Consolas" panose="020B0609020204030204" pitchFamily="49" charset="0"/>
+              </a:rPr>
+              <a:t>    </a:t>
+            </a:r>
+            <a:r>
+              <a:rPr lang="nl-BE" sz="1400" dirty="0" err="1">
+                <a:solidFill>
+                  <a:srgbClr val="000000"/>
+                </a:solidFill>
+                <a:latin typeface="Consolas" panose="020B0609020204030204" pitchFamily="49" charset="0"/>
+              </a:rPr>
+              <a:t>Console.WriteLine</a:t>
+            </a:r>
+            <a:r>
+              <a:rPr lang="nl-BE" sz="1400" dirty="0">
+                <a:solidFill>
+                  <a:srgbClr val="000000"/>
+                </a:solidFill>
+                <a:latin typeface="Consolas" panose="020B0609020204030204" pitchFamily="49" charset="0"/>
+              </a:rPr>
+              <a:t>(</a:t>
+            </a:r>
+            <a:r>
+              <a:rPr lang="nl-BE" sz="1400" dirty="0">
                 <a:solidFill>
                   <a:srgbClr val="A31515"/>
                 </a:solidFill>
                 <a:latin typeface="Consolas" panose="020B0609020204030204" pitchFamily="49" charset="0"/>
               </a:rPr>
-              <a:t>'o'</a:t>
-            </a:r>
-            <a:r>
-              <a:rPr lang="it-IT" sz="2400" dirty="0">
-                <a:solidFill>
-                  <a:srgbClr val="000000"/>
-                </a:solidFill>
-                <a:latin typeface="Consolas" panose="020B0609020204030204" pitchFamily="49" charset="0"/>
-              </a:rPr>
-              <a:t> };</a:t>
-            </a:r>
-          </a:p>
-          <a:p>
-            <a:r>
-              <a:rPr lang="nl-BE" sz="2400" dirty="0" err="1">
-                <a:solidFill>
-                  <a:srgbClr val="000000"/>
-                </a:solidFill>
-                <a:latin typeface="Consolas" panose="020B0609020204030204" pitchFamily="49" charset="0"/>
-              </a:rPr>
-              <a:t>arrayOfLetters</a:t>
-            </a:r>
-            <a:r>
-              <a:rPr lang="nl-BE" sz="2400" dirty="0">
-                <a:solidFill>
-                  <a:srgbClr val="000000"/>
-                </a:solidFill>
-                <a:latin typeface="Consolas" panose="020B0609020204030204" pitchFamily="49" charset="0"/>
-              </a:rPr>
-              <a:t>[2] = </a:t>
-            </a:r>
-            <a:r>
-              <a:rPr lang="nl-BE" sz="2400" dirty="0">
+              <a:t>"</a:t>
+            </a:r>
+            <a:r>
+              <a:rPr lang="nl-BE" sz="1400" dirty="0" err="1">
                 <a:solidFill>
                   <a:srgbClr val="A31515"/>
                 </a:solidFill>
                 <a:latin typeface="Consolas" panose="020B0609020204030204" pitchFamily="49" charset="0"/>
               </a:rPr>
-              <a:t>'x'</a:t>
-            </a:r>
-            <a:r>
-              <a:rPr lang="nl-BE" sz="2400" dirty="0">
-                <a:solidFill>
-                  <a:srgbClr val="000000"/>
-                </a:solidFill>
-                <a:latin typeface="Consolas" panose="020B0609020204030204" pitchFamily="49" charset="0"/>
-              </a:rPr>
-              <a:t>;</a:t>
-            </a:r>
-          </a:p>
-          <a:p>
-            <a:r>
-              <a:rPr lang="en-US" sz="2400" dirty="0">
-                <a:solidFill>
-                  <a:srgbClr val="0000FF"/>
-                </a:solidFill>
-                <a:latin typeface="Consolas" panose="020B0609020204030204" pitchFamily="49" charset="0"/>
-              </a:rPr>
-              <a:t>string</a:t>
-            </a:r>
-            <a:r>
-              <a:rPr lang="en-US" sz="2400" dirty="0">
-                <a:solidFill>
-                  <a:srgbClr val="000000"/>
-                </a:solidFill>
-                <a:latin typeface="Consolas" panose="020B0609020204030204" pitchFamily="49" charset="0"/>
-              </a:rPr>
-              <a:t> word = </a:t>
-            </a:r>
-            <a:r>
-              <a:rPr lang="en-US" sz="2400" b="1" dirty="0">
-                <a:solidFill>
-                  <a:srgbClr val="0000FF"/>
-                </a:solidFill>
-                <a:latin typeface="Consolas" panose="020B0609020204030204" pitchFamily="49" charset="0"/>
-              </a:rPr>
-              <a:t>new</a:t>
-            </a:r>
-            <a:r>
-              <a:rPr lang="en-US" sz="2400" b="1" dirty="0">
-                <a:solidFill>
-                  <a:srgbClr val="000000"/>
-                </a:solidFill>
-                <a:latin typeface="Consolas" panose="020B0609020204030204" pitchFamily="49" charset="0"/>
-              </a:rPr>
-              <a:t> </a:t>
-            </a:r>
-            <a:r>
-              <a:rPr lang="en-US" sz="2400" b="1" dirty="0">
-                <a:solidFill>
-                  <a:srgbClr val="0000FF"/>
-                </a:solidFill>
-                <a:latin typeface="Consolas" panose="020B0609020204030204" pitchFamily="49" charset="0"/>
-              </a:rPr>
-              <a:t>string</a:t>
-            </a:r>
-            <a:r>
-              <a:rPr lang="en-US" sz="2400" b="1" dirty="0">
-                <a:solidFill>
-                  <a:srgbClr val="000000"/>
-                </a:solidFill>
-                <a:latin typeface="Consolas" panose="020B0609020204030204" pitchFamily="49" charset="0"/>
-              </a:rPr>
-              <a:t>(</a:t>
-            </a:r>
-            <a:r>
-              <a:rPr lang="en-US" sz="2400" b="1" dirty="0" err="1">
-                <a:solidFill>
-                  <a:srgbClr val="000000"/>
-                </a:solidFill>
-                <a:latin typeface="Consolas" panose="020B0609020204030204" pitchFamily="49" charset="0"/>
-              </a:rPr>
-              <a:t>arrayOfLetters</a:t>
-            </a:r>
-            <a:r>
-              <a:rPr lang="en-US" sz="2400" b="1" dirty="0">
+              <a:t>Not</a:t>
+            </a:r>
+            <a:r>
+              <a:rPr lang="nl-BE" sz="1400" dirty="0">
+                <a:solidFill>
+                  <a:srgbClr val="A31515"/>
+                </a:solidFill>
+                <a:latin typeface="Consolas" panose="020B0609020204030204" pitchFamily="49" charset="0"/>
+              </a:rPr>
+              <a:t> found"</a:t>
+            </a:r>
+            <a:r>
+              <a:rPr lang="nl-BE" sz="1400" dirty="0">
                 <a:solidFill>
                   <a:srgbClr val="000000"/>
                 </a:solidFill>
@@ -12993,31 +9838,22 @@
           </a:p>
           <a:p>
             <a:r>
-              <a:rPr lang="nl-BE" sz="2400" dirty="0" err="1">
-                <a:solidFill>
-                  <a:srgbClr val="000000"/>
-                </a:solidFill>
-                <a:latin typeface="Consolas" panose="020B0609020204030204" pitchFamily="49" charset="0"/>
-              </a:rPr>
-              <a:t>Console.WriteLine</a:t>
-            </a:r>
-            <a:r>
-              <a:rPr lang="nl-BE" sz="2400" dirty="0">
-                <a:solidFill>
-                  <a:srgbClr val="000000"/>
-                </a:solidFill>
-                <a:latin typeface="Consolas" panose="020B0609020204030204" pitchFamily="49" charset="0"/>
-              </a:rPr>
-              <a:t>(word);</a:t>
-            </a:r>
-            <a:endParaRPr lang="nl-BE" sz="2400" dirty="0"/>
+              <a:rPr lang="nl-BE" sz="1400" dirty="0">
+                <a:solidFill>
+                  <a:srgbClr val="000000"/>
+                </a:solidFill>
+                <a:latin typeface="Consolas" panose="020B0609020204030204" pitchFamily="49" charset="0"/>
+              </a:rPr>
+              <a:t>}</a:t>
+            </a:r>
+            <a:endParaRPr lang="nl-BE" sz="1400" dirty="0"/>
           </a:p>
         </p:txBody>
       </p:sp>
     </p:spTree>
     <p:extLst>
       <p:ext uri="{BB962C8B-B14F-4D97-AF65-F5344CB8AC3E}">
-        <p14:creationId xmlns:p14="http://schemas.microsoft.com/office/powerpoint/2010/main" val="2926111950"/>
+        <p14:creationId xmlns:p14="http://schemas.microsoft.com/office/powerpoint/2010/main" val="3205280493"/>
       </p:ext>
     </p:extLst>
   </p:cSld>
@@ -13028,555 +9864,6 @@
 </file>
 
 <file path=ppt/slides/slide15.xml><?xml version="1.0" encoding="utf-8"?>
-<p:sld xmlns:a="http://schemas.openxmlformats.org/drawingml/2006/main" xmlns:r="http://schemas.openxmlformats.org/officeDocument/2006/relationships" xmlns:p="http://schemas.openxmlformats.org/presentationml/2006/main">
-  <p:cSld>
-    <p:bg>
-      <p:bgPr>
-        <a:solidFill>
-          <a:schemeClr val="bg1"/>
-        </a:solidFill>
-        <a:effectLst/>
-      </p:bgPr>
-    </p:bg>
-    <p:spTree>
-      <p:nvGrpSpPr>
-        <p:cNvPr id="1" name=""/>
-        <p:cNvGrpSpPr/>
-        <p:nvPr/>
-      </p:nvGrpSpPr>
-      <p:grpSpPr>
-        <a:xfrm>
-          <a:off x="0" y="0"/>
-          <a:ext cx="0" cy="0"/>
-          <a:chOff x="0" y="0"/>
-          <a:chExt cx="0" cy="0"/>
-        </a:xfrm>
-      </p:grpSpPr>
-      <p:sp>
-        <p:nvSpPr>
-          <p:cNvPr id="8" name="Rectangle 7">
-            <a:extLst>
-              <a:ext uri="{FF2B5EF4-FFF2-40B4-BE49-F238E27FC236}">
-                <a16:creationId xmlns:a16="http://schemas.microsoft.com/office/drawing/2014/main" id="{86197D16-FE75-4A0E-A0C9-28C0F04A43DF}"/>
-              </a:ext>
-              <a:ext uri="{C183D7F6-B498-43B3-948B-1728B52AA6E4}">
-                <adec:decorative xmlns:adec="http://schemas.microsoft.com/office/drawing/2017/decorative" val="1"/>
-              </a:ext>
-            </a:extLst>
-          </p:cNvPr>
-          <p:cNvSpPr>
-            <a:spLocks noGrp="1" noRot="1" noChangeAspect="1" noMove="1" noResize="1" noEditPoints="1" noAdjustHandles="1" noChangeArrowheads="1" noChangeShapeType="1" noTextEdit="1"/>
-          </p:cNvSpPr>
-          <p:nvPr>
-            <p:extLst>
-              <p:ext uri="{386F3935-93C4-4BCD-93E2-E3B085C9AB24}">
-                <p16:designElem xmlns:p16="http://schemas.microsoft.com/office/powerpoint/2015/main" val="1"/>
-              </p:ext>
-            </p:extLst>
-          </p:nvPr>
-        </p:nvSpPr>
-        <p:spPr>
-          <a:xfrm>
-            <a:off x="0" y="0"/>
-            <a:ext cx="12192000" cy="5570220"/>
-          </a:xfrm>
-          <a:prstGeom prst="rect">
-            <a:avLst/>
-          </a:prstGeom>
-          <a:gradFill>
-            <a:gsLst>
-              <a:gs pos="0">
-                <a:schemeClr val="accent1">
-                  <a:lumMod val="90000"/>
-                </a:schemeClr>
-              </a:gs>
-              <a:gs pos="25000">
-                <a:schemeClr val="accent1">
-                  <a:lumMod val="90000"/>
-                </a:schemeClr>
-              </a:gs>
-              <a:gs pos="94000">
-                <a:schemeClr val="bg2">
-                  <a:lumMod val="25000"/>
-                </a:schemeClr>
-              </a:gs>
-              <a:gs pos="100000">
-                <a:schemeClr val="bg2">
-                  <a:lumMod val="25000"/>
-                </a:schemeClr>
-              </a:gs>
-            </a:gsLst>
-            <a:lin ang="4200000" scaled="0"/>
-          </a:gradFill>
-          <a:ln>
-            <a:noFill/>
-          </a:ln>
-        </p:spPr>
-        <p:style>
-          <a:lnRef idx="2">
-            <a:schemeClr val="accent1">
-              <a:shade val="50000"/>
-            </a:schemeClr>
-          </a:lnRef>
-          <a:fillRef idx="1">
-            <a:schemeClr val="accent1"/>
-          </a:fillRef>
-          <a:effectRef idx="0">
-            <a:schemeClr val="accent1"/>
-          </a:effectRef>
-          <a:fontRef idx="minor">
-            <a:schemeClr val="lt1"/>
-          </a:fontRef>
-        </p:style>
-        <p:txBody>
-          <a:bodyPr rtlCol="0" anchor="ctr"/>
-          <a:lstStyle/>
-          <a:p>
-            <a:pPr algn="ctr"/>
-            <a:endParaRPr lang="en-US"/>
-          </a:p>
-        </p:txBody>
-      </p:sp>
-      <p:pic>
-        <p:nvPicPr>
-          <p:cNvPr id="10" name="Picture 9">
-            <a:extLst>
-              <a:ext uri="{FF2B5EF4-FFF2-40B4-BE49-F238E27FC236}">
-                <a16:creationId xmlns:a16="http://schemas.microsoft.com/office/drawing/2014/main" id="{FA8FCEC6-4B30-4FF2-8B32-504BEAEA3A16}"/>
-              </a:ext>
-              <a:ext uri="{C183D7F6-B498-43B3-948B-1728B52AA6E4}">
-                <adec:decorative xmlns:adec="http://schemas.microsoft.com/office/drawing/2017/decorative" val="1"/>
-              </a:ext>
-            </a:extLst>
-          </p:cNvPr>
-          <p:cNvPicPr>
-            <a:picLocks noGrp="1" noRot="1" noChangeAspect="1" noMove="1" noResize="1" noEditPoints="1" noAdjustHandles="1" noChangeArrowheads="1" noChangeShapeType="1" noCrop="1"/>
-          </p:cNvPicPr>
-          <p:nvPr>
-            <p:extLst>
-              <p:ext uri="{386F3935-93C4-4BCD-93E2-E3B085C9AB24}">
-                <p16:designElem xmlns:p16="http://schemas.microsoft.com/office/powerpoint/2015/main" val="1"/>
-              </p:ext>
-            </p:extLst>
-          </p:nvPr>
-        </p:nvPicPr>
-        <p:blipFill>
-          <a:blip r:embed="rId2">
-            <a:extLst>
-              <a:ext uri="{28A0092B-C50C-407E-A947-70E740481C1C}">
-                <a14:useLocalDpi xmlns:a14="http://schemas.microsoft.com/office/drawing/2010/main" val="0"/>
-              </a:ext>
-            </a:extLst>
-          </a:blip>
-          <a:srcRect t="45716" b="9820"/>
-          <a:stretch>
-            <a:fillRect/>
-          </a:stretch>
-        </p:blipFill>
-        <p:spPr>
-          <a:xfrm>
-            <a:off x="0" y="3808676"/>
-            <a:ext cx="12192000" cy="3049325"/>
-          </a:xfrm>
-          <a:custGeom>
-            <a:avLst/>
-            <a:gdLst>
-              <a:gd name="connsiteX0" fmla="*/ 0 w 12192000"/>
-              <a:gd name="connsiteY0" fmla="*/ 0 h 3049325"/>
-              <a:gd name="connsiteX1" fmla="*/ 12192000 w 12192000"/>
-              <a:gd name="connsiteY1" fmla="*/ 0 h 3049325"/>
-              <a:gd name="connsiteX2" fmla="*/ 12192000 w 12192000"/>
-              <a:gd name="connsiteY2" fmla="*/ 3049325 h 3049325"/>
-              <a:gd name="connsiteX3" fmla="*/ 0 w 12192000"/>
-              <a:gd name="connsiteY3" fmla="*/ 3049325 h 3049325"/>
-            </a:gdLst>
-            <a:ahLst/>
-            <a:cxnLst>
-              <a:cxn ang="0">
-                <a:pos x="connsiteX0" y="connsiteY0"/>
-              </a:cxn>
-              <a:cxn ang="0">
-                <a:pos x="connsiteX1" y="connsiteY1"/>
-              </a:cxn>
-              <a:cxn ang="0">
-                <a:pos x="connsiteX2" y="connsiteY2"/>
-              </a:cxn>
-              <a:cxn ang="0">
-                <a:pos x="connsiteX3" y="connsiteY3"/>
-              </a:cxn>
-            </a:cxnLst>
-            <a:rect l="l" t="t" r="r" b="b"/>
-            <a:pathLst>
-              <a:path w="12192000" h="3049325">
-                <a:moveTo>
-                  <a:pt x="0" y="0"/>
-                </a:moveTo>
-                <a:lnTo>
-                  <a:pt x="12192000" y="0"/>
-                </a:lnTo>
-                <a:lnTo>
-                  <a:pt x="12192000" y="3049325"/>
-                </a:lnTo>
-                <a:lnTo>
-                  <a:pt x="0" y="3049325"/>
-                </a:lnTo>
-                <a:close/>
-              </a:path>
-            </a:pathLst>
-          </a:custGeom>
-        </p:spPr>
-      </p:pic>
-      <p:sp>
-        <p:nvSpPr>
-          <p:cNvPr id="2" name="Titel 1">
-            <a:extLst>
-              <a:ext uri="{FF2B5EF4-FFF2-40B4-BE49-F238E27FC236}">
-                <a16:creationId xmlns:a16="http://schemas.microsoft.com/office/drawing/2014/main" id="{3FCB0ABD-BF98-408B-A5B5-F7869835CEF3}"/>
-              </a:ext>
-            </a:extLst>
-          </p:cNvPr>
-          <p:cNvSpPr>
-            <a:spLocks noGrp="1"/>
-          </p:cNvSpPr>
-          <p:nvPr>
-            <p:ph type="title"/>
-          </p:nvPr>
-        </p:nvSpPr>
-        <p:spPr>
-          <a:xfrm>
-            <a:off x="804484" y="1191796"/>
-            <a:ext cx="10021446" cy="2976344"/>
-          </a:xfrm>
-        </p:spPr>
-        <p:txBody>
-          <a:bodyPr vert="horz" lIns="91440" tIns="45720" rIns="91440" bIns="45720" rtlCol="0" anchor="ctr">
-            <a:normAutofit/>
-          </a:bodyPr>
-          <a:lstStyle/>
-          <a:p>
-            <a:r>
-              <a:rPr lang="en-US" sz="6600" kern="1200">
-                <a:solidFill>
-                  <a:srgbClr val="FFFFFF"/>
-                </a:solidFill>
-                <a:latin typeface="+mj-lt"/>
-                <a:ea typeface="+mj-ea"/>
-                <a:cs typeface="+mj-cs"/>
-              </a:rPr>
-              <a:t>Searching in array</a:t>
-            </a:r>
-          </a:p>
-        </p:txBody>
-      </p:sp>
-      <p:sp>
-        <p:nvSpPr>
-          <p:cNvPr id="3" name="Tijdelijke aanduiding voor tekst 2">
-            <a:extLst>
-              <a:ext uri="{FF2B5EF4-FFF2-40B4-BE49-F238E27FC236}">
-                <a16:creationId xmlns:a16="http://schemas.microsoft.com/office/drawing/2014/main" id="{C90985F6-A167-473C-8E9B-843483E19B6B}"/>
-              </a:ext>
-            </a:extLst>
-          </p:cNvPr>
-          <p:cNvSpPr>
-            <a:spLocks noGrp="1"/>
-          </p:cNvSpPr>
-          <p:nvPr>
-            <p:ph type="body" idx="1"/>
-          </p:nvPr>
-        </p:nvSpPr>
-        <p:spPr>
-          <a:xfrm>
-            <a:off x="804788" y="5318990"/>
-            <a:ext cx="9416898" cy="723670"/>
-          </a:xfrm>
-        </p:spPr>
-        <p:txBody>
-          <a:bodyPr vert="horz" lIns="91440" tIns="45720" rIns="91440" bIns="45720" rtlCol="0" anchor="t">
-            <a:normAutofit/>
-          </a:bodyPr>
-          <a:lstStyle/>
-          <a:p>
-            <a:endParaRPr lang="en-US" sz="1800" kern="1200">
-              <a:solidFill>
-                <a:srgbClr val="000000"/>
-              </a:solidFill>
-              <a:latin typeface="+mn-lt"/>
-              <a:ea typeface="+mn-ea"/>
-              <a:cs typeface="+mn-cs"/>
-            </a:endParaRPr>
-          </a:p>
-        </p:txBody>
-      </p:sp>
-    </p:spTree>
-    <p:extLst>
-      <p:ext uri="{BB962C8B-B14F-4D97-AF65-F5344CB8AC3E}">
-        <p14:creationId xmlns:p14="http://schemas.microsoft.com/office/powerpoint/2010/main" val="3741409843"/>
-      </p:ext>
-    </p:extLst>
-  </p:cSld>
-  <p:clrMapOvr>
-    <a:masterClrMapping/>
-  </p:clrMapOvr>
-</p:sld>
-</file>
-
-<file path=ppt/slides/slide16.xml><?xml version="1.0" encoding="utf-8"?>
-<p:sld xmlns:a="http://schemas.openxmlformats.org/drawingml/2006/main" xmlns:r="http://schemas.openxmlformats.org/officeDocument/2006/relationships" xmlns:p="http://schemas.openxmlformats.org/presentationml/2006/main">
-  <p:cSld>
-    <p:bg>
-      <p:bgPr>
-        <a:solidFill>
-          <a:schemeClr val="bg1"/>
-        </a:solidFill>
-        <a:effectLst/>
-      </p:bgPr>
-    </p:bg>
-    <p:spTree>
-      <p:nvGrpSpPr>
-        <p:cNvPr id="1" name=""/>
-        <p:cNvGrpSpPr/>
-        <p:nvPr/>
-      </p:nvGrpSpPr>
-      <p:grpSpPr>
-        <a:xfrm>
-          <a:off x="0" y="0"/>
-          <a:ext cx="0" cy="0"/>
-          <a:chOff x="0" y="0"/>
-          <a:chExt cx="0" cy="0"/>
-        </a:xfrm>
-      </p:grpSpPr>
-      <p:sp>
-        <p:nvSpPr>
-          <p:cNvPr id="74" name="Rectangle 73">
-            <a:extLst>
-              <a:ext uri="{FF2B5EF4-FFF2-40B4-BE49-F238E27FC236}">
-                <a16:creationId xmlns:a16="http://schemas.microsoft.com/office/drawing/2014/main" id="{8D70B121-56F4-4848-B38B-182089D909FA}"/>
-              </a:ext>
-              <a:ext uri="{C183D7F6-B498-43B3-948B-1728B52AA6E4}">
-                <adec:decorative xmlns:adec="http://schemas.microsoft.com/office/drawing/2017/decorative" val="1"/>
-              </a:ext>
-            </a:extLst>
-          </p:cNvPr>
-          <p:cNvSpPr>
-            <a:spLocks noGrp="1" noRot="1" noChangeAspect="1" noMove="1" noResize="1" noEditPoints="1" noAdjustHandles="1" noChangeArrowheads="1" noChangeShapeType="1" noTextEdit="1"/>
-          </p:cNvSpPr>
-          <p:nvPr>
-            <p:extLst>
-              <p:ext uri="{386F3935-93C4-4BCD-93E2-E3B085C9AB24}">
-                <p16:designElem xmlns:p16="http://schemas.microsoft.com/office/powerpoint/2015/main" val="1"/>
-              </p:ext>
-            </p:extLst>
-          </p:nvPr>
-        </p:nvSpPr>
-        <p:spPr bwMode="ltGray">
-          <a:xfrm>
-            <a:off x="321564" y="320040"/>
-            <a:ext cx="11548872" cy="6217920"/>
-          </a:xfrm>
-          <a:prstGeom prst="rect">
-            <a:avLst/>
-          </a:prstGeom>
-          <a:solidFill>
-            <a:schemeClr val="tx1">
-              <a:alpha val="8000"/>
-            </a:schemeClr>
-          </a:solidFill>
-          <a:ln w="127000" cap="sq" cmpd="thinThick">
-            <a:noFill/>
-          </a:ln>
-        </p:spPr>
-        <p:style>
-          <a:lnRef idx="2">
-            <a:schemeClr val="accent1">
-              <a:shade val="50000"/>
-            </a:schemeClr>
-          </a:lnRef>
-          <a:fillRef idx="1">
-            <a:schemeClr val="accent1"/>
-          </a:fillRef>
-          <a:effectRef idx="0">
-            <a:schemeClr val="accent1"/>
-          </a:effectRef>
-          <a:fontRef idx="minor">
-            <a:schemeClr val="lt1"/>
-          </a:fontRef>
-        </p:style>
-        <p:txBody>
-          <a:bodyPr rtlCol="0" anchor="ctr"/>
-          <a:lstStyle/>
-          <a:p>
-            <a:pPr algn="ctr"/>
-            <a:endParaRPr lang="en-US"/>
-          </a:p>
-        </p:txBody>
-      </p:sp>
-      <p:sp>
-        <p:nvSpPr>
-          <p:cNvPr id="17412" name="Rectangle 2"/>
-          <p:cNvSpPr>
-            <a:spLocks noGrp="1" noChangeArrowheads="1"/>
-          </p:cNvSpPr>
-          <p:nvPr>
-            <p:ph type="title"/>
-          </p:nvPr>
-        </p:nvSpPr>
-        <p:spPr>
-          <a:xfrm>
-            <a:off x="838200" y="963877"/>
-            <a:ext cx="3494362" cy="4930246"/>
-          </a:xfrm>
-        </p:spPr>
-        <p:txBody>
-          <a:bodyPr>
-            <a:normAutofit/>
-          </a:bodyPr>
-          <a:lstStyle/>
-          <a:p>
-            <a:pPr algn="r" eaLnBrk="1" hangingPunct="1"/>
-            <a:r>
-              <a:rPr lang="en-US">
-                <a:solidFill>
-                  <a:schemeClr val="accent1"/>
-                </a:solidFill>
-              </a:rPr>
-              <a:t>Searching an Array Using a Loop</a:t>
-            </a:r>
-          </a:p>
-        </p:txBody>
-      </p:sp>
-      <p:cxnSp>
-        <p:nvCxnSpPr>
-          <p:cNvPr id="76" name="Straight Connector 75">
-            <a:extLst>
-              <a:ext uri="{FF2B5EF4-FFF2-40B4-BE49-F238E27FC236}">
-                <a16:creationId xmlns:a16="http://schemas.microsoft.com/office/drawing/2014/main" id="{2D72A2C9-F3CA-4216-8BAD-FA4C970C3C4E}"/>
-              </a:ext>
-              <a:ext uri="{C183D7F6-B498-43B3-948B-1728B52AA6E4}">
-                <adec:decorative xmlns:adec="http://schemas.microsoft.com/office/drawing/2017/decorative" val="1"/>
-              </a:ext>
-            </a:extLst>
-          </p:cNvPr>
-          <p:cNvCxnSpPr>
-            <a:cxnSpLocks noGrp="1" noRot="1" noChangeAspect="1" noMove="1" noResize="1" noEditPoints="1" noAdjustHandles="1" noChangeArrowheads="1" noChangeShapeType="1"/>
-          </p:cNvCxnSpPr>
-          <p:nvPr>
-            <p:extLst>
-              <p:ext uri="{386F3935-93C4-4BCD-93E2-E3B085C9AB24}">
-                <p16:designElem xmlns:p16="http://schemas.microsoft.com/office/powerpoint/2015/main" val="1"/>
-              </p:ext>
-            </p:extLst>
-          </p:nvPr>
-        </p:nvCxnSpPr>
-        <p:spPr>
-          <a:xfrm>
-            <a:off x="4654296" y="2057400"/>
-            <a:ext cx="0" cy="2743200"/>
-          </a:xfrm>
-          <a:prstGeom prst="line">
-            <a:avLst/>
-          </a:prstGeom>
-          <a:ln w="19050">
-            <a:solidFill>
-              <a:schemeClr val="tx1">
-                <a:lumMod val="85000"/>
-                <a:lumOff val="15000"/>
-              </a:schemeClr>
-            </a:solidFill>
-          </a:ln>
-        </p:spPr>
-        <p:style>
-          <a:lnRef idx="1">
-            <a:schemeClr val="accent1"/>
-          </a:lnRef>
-          <a:fillRef idx="0">
-            <a:schemeClr val="accent1"/>
-          </a:fillRef>
-          <a:effectRef idx="0">
-            <a:schemeClr val="accent1"/>
-          </a:effectRef>
-          <a:fontRef idx="minor">
-            <a:schemeClr val="tx1"/>
-          </a:fontRef>
-        </p:style>
-      </p:cxnSp>
-      <p:sp>
-        <p:nvSpPr>
-          <p:cNvPr id="17413" name="Rectangle 3"/>
-          <p:cNvSpPr>
-            <a:spLocks noGrp="1" noChangeArrowheads="1"/>
-          </p:cNvSpPr>
-          <p:nvPr>
-            <p:ph type="body" idx="1"/>
-          </p:nvPr>
-        </p:nvSpPr>
-        <p:spPr>
-          <a:xfrm>
-            <a:off x="4976031" y="963877"/>
-            <a:ext cx="6377769" cy="4930246"/>
-          </a:xfrm>
-        </p:spPr>
-        <p:txBody>
-          <a:bodyPr anchor="ctr">
-            <a:normAutofit/>
-          </a:bodyPr>
-          <a:lstStyle/>
-          <a:p>
-            <a:pPr eaLnBrk="1" hangingPunct="1"/>
-            <a:r>
-              <a:rPr lang="en-US" sz="2400"/>
-              <a:t>Searching options</a:t>
-            </a:r>
-          </a:p>
-          <a:p>
-            <a:pPr lvl="1" eaLnBrk="1" hangingPunct="1"/>
-            <a:r>
-              <a:rPr lang="en-US"/>
-              <a:t>Using a </a:t>
-            </a:r>
-            <a:r>
-              <a:rPr lang="en-US">
-                <a:latin typeface="Courier New" pitchFamily="1" charset="0"/>
-              </a:rPr>
-              <a:t>for</a:t>
-            </a:r>
-            <a:r>
-              <a:rPr lang="en-US"/>
-              <a:t> loop</a:t>
-            </a:r>
-          </a:p>
-          <a:p>
-            <a:pPr lvl="1" eaLnBrk="1" hangingPunct="1"/>
-            <a:r>
-              <a:rPr lang="en-US"/>
-              <a:t>Using a </a:t>
-            </a:r>
-            <a:r>
-              <a:rPr lang="en-US">
-                <a:latin typeface="Courier New" pitchFamily="1" charset="0"/>
-              </a:rPr>
-              <a:t>while</a:t>
-            </a:r>
-            <a:r>
-              <a:rPr lang="en-US"/>
-              <a:t> loop</a:t>
-            </a:r>
-          </a:p>
-        </p:txBody>
-      </p:sp>
-    </p:spTree>
-    <p:extLst>
-      <p:ext uri="{BB962C8B-B14F-4D97-AF65-F5344CB8AC3E}">
-        <p14:creationId xmlns:p14="http://schemas.microsoft.com/office/powerpoint/2010/main" val="3058106377"/>
-      </p:ext>
-    </p:extLst>
-  </p:cSld>
-  <p:clrMapOvr>
-    <a:masterClrMapping/>
-  </p:clrMapOvr>
-</p:sld>
-</file>
-
-<file path=ppt/slides/slide17.xml><?xml version="1.0" encoding="utf-8"?>
 <p:sld xmlns:a="http://schemas.openxmlformats.org/drawingml/2006/main" xmlns:r="http://schemas.openxmlformats.org/officeDocument/2006/relationships" xmlns:p="http://schemas.openxmlformats.org/presentationml/2006/main">
   <p:cSld>
     <p:bg>
@@ -13733,1288 +10020,6 @@
       </p:pic>
       <p:sp>
         <p:nvSpPr>
-          <p:cNvPr id="18436" name="Rectangle 2"/>
-          <p:cNvSpPr>
-            <a:spLocks noGrp="1" noChangeArrowheads="1"/>
-          </p:cNvSpPr>
-          <p:nvPr>
-            <p:ph type="title"/>
-          </p:nvPr>
-        </p:nvSpPr>
-        <p:spPr>
-          <a:xfrm>
-            <a:off x="1179226" y="826680"/>
-            <a:ext cx="9833548" cy="1325563"/>
-          </a:xfrm>
-        </p:spPr>
-        <p:txBody>
-          <a:bodyPr>
-            <a:normAutofit/>
-          </a:bodyPr>
-          <a:lstStyle/>
-          <a:p>
-            <a:pPr algn="ctr" eaLnBrk="1" hangingPunct="1"/>
-            <a:r>
-              <a:rPr lang="en-US" sz="4000">
-                <a:solidFill>
-                  <a:srgbClr val="FFFFFF"/>
-                </a:solidFill>
-              </a:rPr>
-              <a:t>Using a </a:t>
-            </a:r>
-            <a:r>
-              <a:rPr lang="en-US" sz="4000">
-                <a:solidFill>
-                  <a:srgbClr val="FFFFFF"/>
-                </a:solidFill>
-                <a:latin typeface="Courier New" pitchFamily="1" charset="0"/>
-              </a:rPr>
-              <a:t>for</a:t>
-            </a:r>
-            <a:r>
-              <a:rPr lang="en-US" sz="4000">
-                <a:solidFill>
-                  <a:srgbClr val="FFFFFF"/>
-                </a:solidFill>
-              </a:rPr>
-              <a:t> Loop to Search an Array</a:t>
-            </a:r>
-          </a:p>
-        </p:txBody>
-      </p:sp>
-      <p:sp>
-        <p:nvSpPr>
-          <p:cNvPr id="18437" name="Rectangle 3"/>
-          <p:cNvSpPr>
-            <a:spLocks noGrp="1" noChangeArrowheads="1"/>
-          </p:cNvSpPr>
-          <p:nvPr>
-            <p:ph type="body" idx="1"/>
-          </p:nvPr>
-        </p:nvSpPr>
-        <p:spPr>
-          <a:xfrm>
-            <a:off x="1179226" y="3092970"/>
-            <a:ext cx="9833548" cy="2693976"/>
-          </a:xfrm>
-        </p:spPr>
-        <p:txBody>
-          <a:bodyPr>
-            <a:normAutofit/>
-          </a:bodyPr>
-          <a:lstStyle/>
-          <a:p>
-            <a:pPr eaLnBrk="1" hangingPunct="1"/>
-            <a:r>
-              <a:rPr lang="en-US" sz="2000">
-                <a:solidFill>
-                  <a:srgbClr val="000000"/>
-                </a:solidFill>
-              </a:rPr>
-              <a:t>Use a </a:t>
-            </a:r>
-            <a:r>
-              <a:rPr lang="en-US" sz="2000">
-                <a:solidFill>
-                  <a:srgbClr val="000000"/>
-                </a:solidFill>
-                <a:latin typeface="Courier New" pitchFamily="1" charset="0"/>
-              </a:rPr>
-              <a:t>for</a:t>
-            </a:r>
-            <a:r>
-              <a:rPr lang="en-US" sz="2000">
-                <a:solidFill>
-                  <a:srgbClr val="000000"/>
-                </a:solidFill>
-              </a:rPr>
-              <a:t> statement to loop through the array </a:t>
-            </a:r>
-          </a:p>
-          <a:p>
-            <a:pPr lvl="1" eaLnBrk="1" hangingPunct="1"/>
-            <a:r>
-              <a:rPr lang="en-US" sz="2000">
-                <a:solidFill>
-                  <a:srgbClr val="000000"/>
-                </a:solidFill>
-              </a:rPr>
-              <a:t>Set a Boolean variable to </a:t>
-            </a:r>
-            <a:r>
-              <a:rPr lang="en-US" sz="2000">
-                <a:solidFill>
-                  <a:srgbClr val="000000"/>
-                </a:solidFill>
-                <a:latin typeface="Courier New" pitchFamily="1" charset="0"/>
-              </a:rPr>
-              <a:t>true</a:t>
-            </a:r>
-            <a:r>
-              <a:rPr lang="en-US" sz="2000">
-                <a:solidFill>
-                  <a:srgbClr val="000000"/>
-                </a:solidFill>
-              </a:rPr>
-              <a:t> when a match is found</a:t>
-            </a:r>
-          </a:p>
-          <a:p>
-            <a:pPr eaLnBrk="1" hangingPunct="1"/>
-            <a:r>
-              <a:rPr lang="en-US" sz="2000">
-                <a:solidFill>
-                  <a:srgbClr val="000000"/>
-                </a:solidFill>
-              </a:rPr>
-              <a:t>Solution is valid even with </a:t>
-            </a:r>
-            <a:r>
-              <a:rPr lang="en-US" sz="2000" b="1">
-                <a:solidFill>
-                  <a:srgbClr val="000000"/>
-                </a:solidFill>
-              </a:rPr>
-              <a:t>parallel arrays</a:t>
-            </a:r>
-          </a:p>
-        </p:txBody>
-      </p:sp>
-    </p:spTree>
-    <p:extLst>
-      <p:ext uri="{BB962C8B-B14F-4D97-AF65-F5344CB8AC3E}">
-        <p14:creationId xmlns:p14="http://schemas.microsoft.com/office/powerpoint/2010/main" val="3377689806"/>
-      </p:ext>
-    </p:extLst>
-  </p:cSld>
-  <p:clrMapOvr>
-    <a:masterClrMapping/>
-  </p:clrMapOvr>
-</p:sld>
-</file>
-
-<file path=ppt/slides/slide18.xml><?xml version="1.0" encoding="utf-8"?>
-<p:sld xmlns:a="http://schemas.openxmlformats.org/drawingml/2006/main" xmlns:r="http://schemas.openxmlformats.org/officeDocument/2006/relationships" xmlns:p="http://schemas.openxmlformats.org/presentationml/2006/main">
-  <p:cSld>
-    <p:spTree>
-      <p:nvGrpSpPr>
-        <p:cNvPr id="1" name=""/>
-        <p:cNvGrpSpPr/>
-        <p:nvPr/>
-      </p:nvGrpSpPr>
-      <p:grpSpPr>
-        <a:xfrm>
-          <a:off x="0" y="0"/>
-          <a:ext cx="0" cy="0"/>
-          <a:chOff x="0" y="0"/>
-          <a:chExt cx="0" cy="0"/>
-        </a:xfrm>
-      </p:grpSpPr>
-      <p:sp>
-        <p:nvSpPr>
-          <p:cNvPr id="10" name="Rechthoek 9">
-            <a:extLst>
-              <a:ext uri="{FF2B5EF4-FFF2-40B4-BE49-F238E27FC236}">
-                <a16:creationId xmlns:a16="http://schemas.microsoft.com/office/drawing/2014/main" id="{F3AFF6B4-7769-411A-BC76-B49F2437DAFC}"/>
-              </a:ext>
-            </a:extLst>
-          </p:cNvPr>
-          <p:cNvSpPr/>
-          <p:nvPr/>
-        </p:nvSpPr>
-        <p:spPr>
-          <a:xfrm>
-            <a:off x="223630" y="1833771"/>
-            <a:ext cx="7290353" cy="2852530"/>
-          </a:xfrm>
-          <a:prstGeom prst="rect">
-            <a:avLst/>
-          </a:prstGeom>
-        </p:spPr>
-        <p:style>
-          <a:lnRef idx="2">
-            <a:schemeClr val="accent4">
-              <a:shade val="50000"/>
-            </a:schemeClr>
-          </a:lnRef>
-          <a:fillRef idx="1">
-            <a:schemeClr val="accent4"/>
-          </a:fillRef>
-          <a:effectRef idx="0">
-            <a:schemeClr val="accent4"/>
-          </a:effectRef>
-          <a:fontRef idx="minor">
-            <a:schemeClr val="lt1"/>
-          </a:fontRef>
-        </p:style>
-        <p:txBody>
-          <a:bodyPr rtlCol="0" anchor="ctr"/>
-          <a:lstStyle/>
-          <a:p>
-            <a:pPr algn="ctr"/>
-            <a:endParaRPr lang="nl-BE"/>
-          </a:p>
-        </p:txBody>
-      </p:sp>
-      <p:sp>
-        <p:nvSpPr>
-          <p:cNvPr id="19460" name="Rectangle 2"/>
-          <p:cNvSpPr>
-            <a:spLocks noGrp="1" noChangeArrowheads="1"/>
-          </p:cNvSpPr>
-          <p:nvPr>
-            <p:ph type="title"/>
-          </p:nvPr>
-        </p:nvSpPr>
-        <p:spPr>
-          <a:xfrm>
-            <a:off x="2057400" y="79515"/>
-            <a:ext cx="8077200" cy="1143000"/>
-          </a:xfrm>
-        </p:spPr>
-        <p:txBody>
-          <a:bodyPr>
-            <a:normAutofit fontScale="90000"/>
-          </a:bodyPr>
-          <a:lstStyle/>
-          <a:p>
-            <a:pPr eaLnBrk="1" hangingPunct="1"/>
-            <a:r>
-              <a:rPr lang="en-US" dirty="0"/>
-              <a:t>Using a </a:t>
-            </a:r>
-            <a:r>
-              <a:rPr lang="en-US" dirty="0">
-                <a:latin typeface="Courier New" pitchFamily="1" charset="0"/>
-              </a:rPr>
-              <a:t>for</a:t>
-            </a:r>
-            <a:r>
-              <a:rPr lang="en-US" dirty="0"/>
-              <a:t> Loop to Search an Array</a:t>
-            </a:r>
-          </a:p>
-        </p:txBody>
-      </p:sp>
-      <p:sp>
-        <p:nvSpPr>
-          <p:cNvPr id="2" name="Rechthoek 1">
-            <a:extLst>
-              <a:ext uri="{FF2B5EF4-FFF2-40B4-BE49-F238E27FC236}">
-                <a16:creationId xmlns:a16="http://schemas.microsoft.com/office/drawing/2014/main" id="{833054DB-B0E9-435E-851B-D9956A0C0F38}"/>
-              </a:ext>
-            </a:extLst>
-          </p:cNvPr>
-          <p:cNvSpPr/>
-          <p:nvPr/>
-        </p:nvSpPr>
-        <p:spPr>
-          <a:xfrm>
-            <a:off x="612914" y="940502"/>
-            <a:ext cx="9480274" cy="5693866"/>
-          </a:xfrm>
-          <a:prstGeom prst="rect">
-            <a:avLst/>
-          </a:prstGeom>
-        </p:spPr>
-        <p:txBody>
-          <a:bodyPr wrap="square">
-            <a:spAutoFit/>
-          </a:bodyPr>
-          <a:lstStyle/>
-          <a:p>
-            <a:r>
-              <a:rPr lang="en-US" sz="1400" dirty="0">
-                <a:solidFill>
-                  <a:srgbClr val="0000FF"/>
-                </a:solidFill>
-                <a:latin typeface="Consolas" panose="020B0609020204030204" pitchFamily="49" charset="0"/>
-              </a:rPr>
-              <a:t>string</a:t>
-            </a:r>
-            <a:r>
-              <a:rPr lang="en-US" sz="1400" dirty="0">
-                <a:solidFill>
-                  <a:srgbClr val="000000"/>
-                </a:solidFill>
-                <a:latin typeface="Consolas" panose="020B0609020204030204" pitchFamily="49" charset="0"/>
-              </a:rPr>
-              <a:t>[] products = { </a:t>
-            </a:r>
-            <a:r>
-              <a:rPr lang="en-US" sz="1400" dirty="0">
-                <a:solidFill>
-                  <a:srgbClr val="A31515"/>
-                </a:solidFill>
-                <a:latin typeface="Consolas" panose="020B0609020204030204" pitchFamily="49" charset="0"/>
-              </a:rPr>
-              <a:t>"apples"</a:t>
-            </a:r>
-            <a:r>
-              <a:rPr lang="en-US" sz="1400" dirty="0">
-                <a:solidFill>
-                  <a:srgbClr val="000000"/>
-                </a:solidFill>
-                <a:latin typeface="Consolas" panose="020B0609020204030204" pitchFamily="49" charset="0"/>
-              </a:rPr>
-              <a:t>, </a:t>
-            </a:r>
-            <a:r>
-              <a:rPr lang="en-US" sz="1400" dirty="0">
-                <a:solidFill>
-                  <a:srgbClr val="A31515"/>
-                </a:solidFill>
-                <a:latin typeface="Consolas" panose="020B0609020204030204" pitchFamily="49" charset="0"/>
-              </a:rPr>
-              <a:t>"pears"</a:t>
-            </a:r>
-            <a:r>
-              <a:rPr lang="en-US" sz="1400" dirty="0">
-                <a:solidFill>
-                  <a:srgbClr val="000000"/>
-                </a:solidFill>
-                <a:latin typeface="Consolas" panose="020B0609020204030204" pitchFamily="49" charset="0"/>
-              </a:rPr>
-              <a:t>, </a:t>
-            </a:r>
-            <a:r>
-              <a:rPr lang="en-US" sz="1400" dirty="0">
-                <a:solidFill>
-                  <a:srgbClr val="A31515"/>
-                </a:solidFill>
-                <a:latin typeface="Consolas" panose="020B0609020204030204" pitchFamily="49" charset="0"/>
-              </a:rPr>
-              <a:t>"melons"</a:t>
-            </a:r>
-            <a:r>
-              <a:rPr lang="en-US" sz="1400" dirty="0">
-                <a:solidFill>
-                  <a:srgbClr val="000000"/>
-                </a:solidFill>
-                <a:latin typeface="Consolas" panose="020B0609020204030204" pitchFamily="49" charset="0"/>
-              </a:rPr>
-              <a:t> };</a:t>
-            </a:r>
-          </a:p>
-          <a:p>
-            <a:r>
-              <a:rPr lang="fr-FR" sz="1400" dirty="0">
-                <a:solidFill>
-                  <a:srgbClr val="0000FF"/>
-                </a:solidFill>
-                <a:latin typeface="Consolas" panose="020B0609020204030204" pitchFamily="49" charset="0"/>
-              </a:rPr>
-              <a:t>double</a:t>
-            </a:r>
-            <a:r>
-              <a:rPr lang="fr-FR" sz="1400" dirty="0">
-                <a:solidFill>
-                  <a:srgbClr val="000000"/>
-                </a:solidFill>
-                <a:latin typeface="Consolas" panose="020B0609020204030204" pitchFamily="49" charset="0"/>
-              </a:rPr>
-              <a:t>[] </a:t>
-            </a:r>
-            <a:r>
-              <a:rPr lang="fr-FR" sz="1400" dirty="0" err="1">
-                <a:solidFill>
-                  <a:srgbClr val="000000"/>
-                </a:solidFill>
-                <a:latin typeface="Consolas" panose="020B0609020204030204" pitchFamily="49" charset="0"/>
-              </a:rPr>
-              <a:t>prices</a:t>
-            </a:r>
-            <a:r>
-              <a:rPr lang="fr-FR" sz="1400" dirty="0">
-                <a:solidFill>
-                  <a:srgbClr val="000000"/>
-                </a:solidFill>
-                <a:latin typeface="Consolas" panose="020B0609020204030204" pitchFamily="49" charset="0"/>
-              </a:rPr>
-              <a:t> = { 3.3, 6.2, 2.9 };</a:t>
-            </a:r>
-          </a:p>
-          <a:p>
-            <a:endParaRPr lang="nl-BE" sz="1400" dirty="0">
-              <a:solidFill>
-                <a:srgbClr val="000000"/>
-              </a:solidFill>
-              <a:latin typeface="Consolas" panose="020B0609020204030204" pitchFamily="49" charset="0"/>
-            </a:endParaRPr>
-          </a:p>
-          <a:p>
-            <a:r>
-              <a:rPr lang="en-US" sz="1400" dirty="0" err="1">
-                <a:solidFill>
-                  <a:srgbClr val="000000"/>
-                </a:solidFill>
-                <a:latin typeface="Consolas" panose="020B0609020204030204" pitchFamily="49" charset="0"/>
-              </a:rPr>
-              <a:t>Console.WriteLine</a:t>
-            </a:r>
-            <a:r>
-              <a:rPr lang="en-US" sz="1400" dirty="0">
-                <a:solidFill>
-                  <a:srgbClr val="000000"/>
-                </a:solidFill>
-                <a:latin typeface="Consolas" panose="020B0609020204030204" pitchFamily="49" charset="0"/>
-              </a:rPr>
-              <a:t>(</a:t>
-            </a:r>
-            <a:r>
-              <a:rPr lang="en-US" sz="1400" dirty="0">
-                <a:solidFill>
-                  <a:srgbClr val="A31515"/>
-                </a:solidFill>
-                <a:latin typeface="Consolas" panose="020B0609020204030204" pitchFamily="49" charset="0"/>
-              </a:rPr>
-              <a:t>"Which price do you need?"</a:t>
-            </a:r>
-            <a:r>
-              <a:rPr lang="en-US" sz="1400" dirty="0">
-                <a:solidFill>
-                  <a:srgbClr val="000000"/>
-                </a:solidFill>
-                <a:latin typeface="Consolas" panose="020B0609020204030204" pitchFamily="49" charset="0"/>
-              </a:rPr>
-              <a:t>);</a:t>
-            </a:r>
-          </a:p>
-          <a:p>
-            <a:r>
-              <a:rPr lang="nl-BE" sz="1400" dirty="0">
-                <a:solidFill>
-                  <a:srgbClr val="0000FF"/>
-                </a:solidFill>
-                <a:latin typeface="Consolas" panose="020B0609020204030204" pitchFamily="49" charset="0"/>
-              </a:rPr>
-              <a:t>string</a:t>
-            </a:r>
-            <a:r>
-              <a:rPr lang="nl-BE" sz="1400" dirty="0">
-                <a:solidFill>
-                  <a:srgbClr val="000000"/>
-                </a:solidFill>
-                <a:latin typeface="Consolas" panose="020B0609020204030204" pitchFamily="49" charset="0"/>
-              </a:rPr>
-              <a:t> </a:t>
-            </a:r>
-            <a:r>
-              <a:rPr lang="nl-BE" sz="1400" dirty="0" err="1">
-                <a:solidFill>
-                  <a:srgbClr val="000000"/>
-                </a:solidFill>
-                <a:latin typeface="Consolas" panose="020B0609020204030204" pitchFamily="49" charset="0"/>
-              </a:rPr>
-              <a:t>userchoice</a:t>
-            </a:r>
-            <a:r>
-              <a:rPr lang="nl-BE" sz="1400" dirty="0">
-                <a:solidFill>
-                  <a:srgbClr val="000000"/>
-                </a:solidFill>
-                <a:latin typeface="Consolas" panose="020B0609020204030204" pitchFamily="49" charset="0"/>
-              </a:rPr>
-              <a:t> = </a:t>
-            </a:r>
-            <a:r>
-              <a:rPr lang="nl-BE" sz="1400" dirty="0" err="1">
-                <a:solidFill>
-                  <a:srgbClr val="000000"/>
-                </a:solidFill>
-                <a:latin typeface="Consolas" panose="020B0609020204030204" pitchFamily="49" charset="0"/>
-              </a:rPr>
-              <a:t>Console.ReadLine</a:t>
-            </a:r>
-            <a:r>
-              <a:rPr lang="nl-BE" sz="1400" dirty="0">
-                <a:solidFill>
-                  <a:srgbClr val="000000"/>
-                </a:solidFill>
-                <a:latin typeface="Consolas" panose="020B0609020204030204" pitchFamily="49" charset="0"/>
-              </a:rPr>
-              <a:t>();</a:t>
-            </a:r>
-          </a:p>
-          <a:p>
-            <a:endParaRPr lang="nl-BE" sz="1400" dirty="0">
-              <a:solidFill>
-                <a:srgbClr val="000000"/>
-              </a:solidFill>
-              <a:latin typeface="Consolas" panose="020B0609020204030204" pitchFamily="49" charset="0"/>
-            </a:endParaRPr>
-          </a:p>
-          <a:p>
-            <a:r>
-              <a:rPr lang="nl-BE" sz="1400" dirty="0" err="1">
-                <a:solidFill>
-                  <a:srgbClr val="0000FF"/>
-                </a:solidFill>
-                <a:latin typeface="Consolas" panose="020B0609020204030204" pitchFamily="49" charset="0"/>
-              </a:rPr>
-              <a:t>bool</a:t>
-            </a:r>
-            <a:r>
-              <a:rPr lang="nl-BE" sz="1400" dirty="0">
-                <a:solidFill>
-                  <a:srgbClr val="000000"/>
-                </a:solidFill>
-                <a:latin typeface="Consolas" panose="020B0609020204030204" pitchFamily="49" charset="0"/>
-              </a:rPr>
-              <a:t> found = </a:t>
-            </a:r>
-            <a:r>
-              <a:rPr lang="nl-BE" sz="1400" dirty="0" err="1">
-                <a:solidFill>
-                  <a:srgbClr val="0000FF"/>
-                </a:solidFill>
-                <a:latin typeface="Consolas" panose="020B0609020204030204" pitchFamily="49" charset="0"/>
-              </a:rPr>
-              <a:t>false</a:t>
-            </a:r>
-            <a:r>
-              <a:rPr lang="nl-BE" sz="1400" dirty="0">
-                <a:solidFill>
-                  <a:srgbClr val="000000"/>
-                </a:solidFill>
-                <a:latin typeface="Consolas" panose="020B0609020204030204" pitchFamily="49" charset="0"/>
-              </a:rPr>
-              <a:t>;</a:t>
-            </a:r>
-          </a:p>
-          <a:p>
-            <a:r>
-              <a:rPr lang="nl-BE" sz="1400" dirty="0">
-                <a:solidFill>
-                  <a:srgbClr val="0000FF"/>
-                </a:solidFill>
-                <a:latin typeface="Consolas" panose="020B0609020204030204" pitchFamily="49" charset="0"/>
-              </a:rPr>
-              <a:t>int</a:t>
-            </a:r>
-            <a:r>
-              <a:rPr lang="nl-BE" sz="1400" dirty="0">
-                <a:solidFill>
-                  <a:srgbClr val="000000"/>
-                </a:solidFill>
-                <a:latin typeface="Consolas" panose="020B0609020204030204" pitchFamily="49" charset="0"/>
-              </a:rPr>
-              <a:t> </a:t>
-            </a:r>
-            <a:r>
-              <a:rPr lang="nl-BE" sz="1400" dirty="0" err="1">
-                <a:solidFill>
-                  <a:srgbClr val="000000"/>
-                </a:solidFill>
-                <a:latin typeface="Consolas" panose="020B0609020204030204" pitchFamily="49" charset="0"/>
-              </a:rPr>
-              <a:t>productIndex</a:t>
-            </a:r>
-            <a:r>
-              <a:rPr lang="nl-BE" sz="1400" dirty="0">
-                <a:solidFill>
-                  <a:srgbClr val="000000"/>
-                </a:solidFill>
-                <a:latin typeface="Consolas" panose="020B0609020204030204" pitchFamily="49" charset="0"/>
-              </a:rPr>
-              <a:t> = -1;</a:t>
-            </a:r>
-          </a:p>
-          <a:p>
-            <a:endParaRPr lang="nl-BE" sz="1400" dirty="0">
-              <a:solidFill>
-                <a:srgbClr val="000000"/>
-              </a:solidFill>
-              <a:latin typeface="Consolas" panose="020B0609020204030204" pitchFamily="49" charset="0"/>
-            </a:endParaRPr>
-          </a:p>
-          <a:p>
-            <a:r>
-              <a:rPr lang="nl-BE" sz="1400" dirty="0" err="1">
-                <a:solidFill>
-                  <a:srgbClr val="0000FF"/>
-                </a:solidFill>
-                <a:latin typeface="Consolas" panose="020B0609020204030204" pitchFamily="49" charset="0"/>
-              </a:rPr>
-              <a:t>for</a:t>
-            </a:r>
-            <a:r>
-              <a:rPr lang="nl-BE" sz="1400" dirty="0">
-                <a:solidFill>
-                  <a:srgbClr val="000000"/>
-                </a:solidFill>
-                <a:latin typeface="Consolas" panose="020B0609020204030204" pitchFamily="49" charset="0"/>
-              </a:rPr>
-              <a:t> (</a:t>
-            </a:r>
-            <a:r>
-              <a:rPr lang="nl-BE" sz="1400" dirty="0">
-                <a:solidFill>
-                  <a:srgbClr val="0000FF"/>
-                </a:solidFill>
-                <a:latin typeface="Consolas" panose="020B0609020204030204" pitchFamily="49" charset="0"/>
-              </a:rPr>
-              <a:t>int</a:t>
-            </a:r>
-            <a:r>
-              <a:rPr lang="nl-BE" sz="1400" dirty="0">
-                <a:solidFill>
-                  <a:srgbClr val="000000"/>
-                </a:solidFill>
-                <a:latin typeface="Consolas" panose="020B0609020204030204" pitchFamily="49" charset="0"/>
-              </a:rPr>
-              <a:t> i = 0; i &lt; </a:t>
-            </a:r>
-            <a:r>
-              <a:rPr lang="nl-BE" sz="1400" dirty="0" err="1">
-                <a:solidFill>
-                  <a:srgbClr val="000000"/>
-                </a:solidFill>
-                <a:latin typeface="Consolas" panose="020B0609020204030204" pitchFamily="49" charset="0"/>
-              </a:rPr>
-              <a:t>products.Length</a:t>
-            </a:r>
-            <a:r>
-              <a:rPr lang="nl-BE" sz="1400" dirty="0">
-                <a:solidFill>
-                  <a:srgbClr val="000000"/>
-                </a:solidFill>
-                <a:latin typeface="Consolas" panose="020B0609020204030204" pitchFamily="49" charset="0"/>
-              </a:rPr>
-              <a:t>; i++)</a:t>
-            </a:r>
-          </a:p>
-          <a:p>
-            <a:r>
-              <a:rPr lang="nl-BE" sz="1400" dirty="0">
-                <a:solidFill>
-                  <a:srgbClr val="000000"/>
-                </a:solidFill>
-                <a:latin typeface="Consolas" panose="020B0609020204030204" pitchFamily="49" charset="0"/>
-              </a:rPr>
-              <a:t>{</a:t>
-            </a:r>
-          </a:p>
-          <a:p>
-            <a:r>
-              <a:rPr lang="nl-BE" sz="1400" dirty="0">
-                <a:solidFill>
-                  <a:srgbClr val="000000"/>
-                </a:solidFill>
-                <a:latin typeface="Consolas" panose="020B0609020204030204" pitchFamily="49" charset="0"/>
-              </a:rPr>
-              <a:t>    </a:t>
-            </a:r>
-            <a:r>
-              <a:rPr lang="nl-BE" sz="1400" dirty="0" err="1">
-                <a:solidFill>
-                  <a:srgbClr val="0000FF"/>
-                </a:solidFill>
-                <a:latin typeface="Consolas" panose="020B0609020204030204" pitchFamily="49" charset="0"/>
-              </a:rPr>
-              <a:t>if</a:t>
-            </a:r>
-            <a:r>
-              <a:rPr lang="nl-BE" sz="1400" dirty="0">
-                <a:solidFill>
-                  <a:srgbClr val="000000"/>
-                </a:solidFill>
-                <a:latin typeface="Consolas" panose="020B0609020204030204" pitchFamily="49" charset="0"/>
-              </a:rPr>
-              <a:t>(</a:t>
-            </a:r>
-            <a:r>
-              <a:rPr lang="nl-BE" sz="1400" dirty="0" err="1">
-                <a:solidFill>
-                  <a:srgbClr val="000000"/>
-                </a:solidFill>
-                <a:latin typeface="Consolas" panose="020B0609020204030204" pitchFamily="49" charset="0"/>
-              </a:rPr>
-              <a:t>products</a:t>
-            </a:r>
-            <a:r>
-              <a:rPr lang="nl-BE" sz="1400" dirty="0">
-                <a:solidFill>
-                  <a:srgbClr val="000000"/>
-                </a:solidFill>
-                <a:latin typeface="Consolas" panose="020B0609020204030204" pitchFamily="49" charset="0"/>
-              </a:rPr>
-              <a:t>[i]== </a:t>
-            </a:r>
-            <a:r>
-              <a:rPr lang="nl-BE" sz="1400" dirty="0" err="1">
-                <a:solidFill>
-                  <a:srgbClr val="000000"/>
-                </a:solidFill>
-                <a:latin typeface="Consolas" panose="020B0609020204030204" pitchFamily="49" charset="0"/>
-              </a:rPr>
-              <a:t>userchoice</a:t>
-            </a:r>
-            <a:r>
-              <a:rPr lang="nl-BE" sz="1400" dirty="0">
-                <a:solidFill>
-                  <a:srgbClr val="000000"/>
-                </a:solidFill>
-                <a:latin typeface="Consolas" panose="020B0609020204030204" pitchFamily="49" charset="0"/>
-              </a:rPr>
-              <a:t>)</a:t>
-            </a:r>
-          </a:p>
-          <a:p>
-            <a:r>
-              <a:rPr lang="nl-BE" sz="1400" dirty="0">
-                <a:solidFill>
-                  <a:srgbClr val="000000"/>
-                </a:solidFill>
-                <a:latin typeface="Consolas" panose="020B0609020204030204" pitchFamily="49" charset="0"/>
-              </a:rPr>
-              <a:t>    {</a:t>
-            </a:r>
-          </a:p>
-          <a:p>
-            <a:r>
-              <a:rPr lang="nl-BE" sz="1400" dirty="0">
-                <a:solidFill>
-                  <a:srgbClr val="000000"/>
-                </a:solidFill>
-                <a:latin typeface="Consolas" panose="020B0609020204030204" pitchFamily="49" charset="0"/>
-              </a:rPr>
-              <a:t>        found = </a:t>
-            </a:r>
-            <a:r>
-              <a:rPr lang="nl-BE" sz="1400" dirty="0" err="1">
-                <a:solidFill>
-                  <a:srgbClr val="0000FF"/>
-                </a:solidFill>
-                <a:latin typeface="Consolas" panose="020B0609020204030204" pitchFamily="49" charset="0"/>
-              </a:rPr>
-              <a:t>true</a:t>
-            </a:r>
-            <a:r>
-              <a:rPr lang="nl-BE" sz="1400" dirty="0">
-                <a:solidFill>
-                  <a:srgbClr val="000000"/>
-                </a:solidFill>
-                <a:latin typeface="Consolas" panose="020B0609020204030204" pitchFamily="49" charset="0"/>
-              </a:rPr>
-              <a:t>;</a:t>
-            </a:r>
-          </a:p>
-          <a:p>
-            <a:r>
-              <a:rPr lang="nl-BE" sz="1400" dirty="0">
-                <a:solidFill>
-                  <a:srgbClr val="000000"/>
-                </a:solidFill>
-                <a:latin typeface="Consolas" panose="020B0609020204030204" pitchFamily="49" charset="0"/>
-              </a:rPr>
-              <a:t>        </a:t>
-            </a:r>
-            <a:r>
-              <a:rPr lang="nl-BE" sz="1400" dirty="0" err="1">
-                <a:solidFill>
-                  <a:srgbClr val="000000"/>
-                </a:solidFill>
-                <a:latin typeface="Consolas" panose="020B0609020204030204" pitchFamily="49" charset="0"/>
-              </a:rPr>
-              <a:t>productIndex</a:t>
-            </a:r>
-            <a:r>
-              <a:rPr lang="nl-BE" sz="1400" dirty="0">
-                <a:solidFill>
-                  <a:srgbClr val="000000"/>
-                </a:solidFill>
-                <a:latin typeface="Consolas" panose="020B0609020204030204" pitchFamily="49" charset="0"/>
-              </a:rPr>
-              <a:t> = i;</a:t>
-            </a:r>
-          </a:p>
-          <a:p>
-            <a:r>
-              <a:rPr lang="nl-BE" sz="1400" dirty="0">
-                <a:solidFill>
-                  <a:srgbClr val="000000"/>
-                </a:solidFill>
-                <a:latin typeface="Consolas" panose="020B0609020204030204" pitchFamily="49" charset="0"/>
-              </a:rPr>
-              <a:t>    }</a:t>
-            </a:r>
-          </a:p>
-          <a:p>
-            <a:r>
-              <a:rPr lang="nl-BE" sz="1400" dirty="0">
-                <a:solidFill>
-                  <a:srgbClr val="000000"/>
-                </a:solidFill>
-                <a:latin typeface="Consolas" panose="020B0609020204030204" pitchFamily="49" charset="0"/>
-              </a:rPr>
-              <a:t>}</a:t>
-            </a:r>
-          </a:p>
-          <a:p>
-            <a:endParaRPr lang="nl-BE" sz="1400" dirty="0">
-              <a:solidFill>
-                <a:srgbClr val="000000"/>
-              </a:solidFill>
-              <a:latin typeface="Consolas" panose="020B0609020204030204" pitchFamily="49" charset="0"/>
-            </a:endParaRPr>
-          </a:p>
-          <a:p>
-            <a:r>
-              <a:rPr lang="nl-BE" sz="1400" dirty="0" err="1">
-                <a:solidFill>
-                  <a:srgbClr val="0000FF"/>
-                </a:solidFill>
-                <a:latin typeface="Consolas" panose="020B0609020204030204" pitchFamily="49" charset="0"/>
-              </a:rPr>
-              <a:t>if</a:t>
-            </a:r>
-            <a:r>
-              <a:rPr lang="nl-BE" sz="1400" dirty="0">
-                <a:solidFill>
-                  <a:srgbClr val="000000"/>
-                </a:solidFill>
-                <a:latin typeface="Consolas" panose="020B0609020204030204" pitchFamily="49" charset="0"/>
-              </a:rPr>
-              <a:t>(found==</a:t>
-            </a:r>
-            <a:r>
-              <a:rPr lang="nl-BE" sz="1400" dirty="0" err="1">
-                <a:solidFill>
-                  <a:srgbClr val="0000FF"/>
-                </a:solidFill>
-                <a:latin typeface="Consolas" panose="020B0609020204030204" pitchFamily="49" charset="0"/>
-              </a:rPr>
-              <a:t>true</a:t>
-            </a:r>
-            <a:r>
-              <a:rPr lang="nl-BE" sz="1400" dirty="0">
-                <a:solidFill>
-                  <a:srgbClr val="000000"/>
-                </a:solidFill>
-                <a:latin typeface="Consolas" panose="020B0609020204030204" pitchFamily="49" charset="0"/>
-              </a:rPr>
-              <a:t>)</a:t>
-            </a:r>
-          </a:p>
-          <a:p>
-            <a:r>
-              <a:rPr lang="nl-BE" sz="1400" dirty="0">
-                <a:solidFill>
-                  <a:srgbClr val="000000"/>
-                </a:solidFill>
-                <a:latin typeface="Consolas" panose="020B0609020204030204" pitchFamily="49" charset="0"/>
-              </a:rPr>
-              <a:t>{</a:t>
-            </a:r>
-          </a:p>
-          <a:p>
-            <a:r>
-              <a:rPr lang="en-US" sz="1400" dirty="0">
-                <a:solidFill>
-                  <a:srgbClr val="000000"/>
-                </a:solidFill>
-                <a:latin typeface="Consolas" panose="020B0609020204030204" pitchFamily="49" charset="0"/>
-              </a:rPr>
-              <a:t>    </a:t>
-            </a:r>
-            <a:r>
-              <a:rPr lang="en-US" sz="1400" dirty="0" err="1">
-                <a:solidFill>
-                  <a:srgbClr val="000000"/>
-                </a:solidFill>
-                <a:latin typeface="Consolas" panose="020B0609020204030204" pitchFamily="49" charset="0"/>
-              </a:rPr>
-              <a:t>Console.WriteLine</a:t>
-            </a:r>
-            <a:r>
-              <a:rPr lang="en-US" sz="1400" dirty="0">
-                <a:solidFill>
-                  <a:srgbClr val="000000"/>
-                </a:solidFill>
-                <a:latin typeface="Consolas" panose="020B0609020204030204" pitchFamily="49" charset="0"/>
-              </a:rPr>
-              <a:t>(</a:t>
-            </a:r>
-            <a:r>
-              <a:rPr lang="en-US" sz="1400" dirty="0">
-                <a:solidFill>
-                  <a:srgbClr val="A31515"/>
-                </a:solidFill>
-                <a:latin typeface="Consolas" panose="020B0609020204030204" pitchFamily="49" charset="0"/>
-              </a:rPr>
-              <a:t>$"Price for </a:t>
-            </a:r>
-            <a:r>
-              <a:rPr lang="en-US" sz="1400" dirty="0">
-                <a:solidFill>
-                  <a:srgbClr val="000000"/>
-                </a:solidFill>
-                <a:latin typeface="Consolas" panose="020B0609020204030204" pitchFamily="49" charset="0"/>
-              </a:rPr>
-              <a:t>{</a:t>
-            </a:r>
-            <a:r>
-              <a:rPr lang="en-US" sz="1400" dirty="0" err="1">
-                <a:solidFill>
-                  <a:srgbClr val="000000"/>
-                </a:solidFill>
-                <a:latin typeface="Consolas" panose="020B0609020204030204" pitchFamily="49" charset="0"/>
-              </a:rPr>
-              <a:t>userchoice</a:t>
-            </a:r>
-            <a:r>
-              <a:rPr lang="en-US" sz="1400" dirty="0">
-                <a:solidFill>
-                  <a:srgbClr val="000000"/>
-                </a:solidFill>
-                <a:latin typeface="Consolas" panose="020B0609020204030204" pitchFamily="49" charset="0"/>
-              </a:rPr>
-              <a:t>}</a:t>
-            </a:r>
-            <a:r>
-              <a:rPr lang="en-US" sz="1400" dirty="0">
-                <a:solidFill>
-                  <a:srgbClr val="A31515"/>
-                </a:solidFill>
-                <a:latin typeface="Consolas" panose="020B0609020204030204" pitchFamily="49" charset="0"/>
-              </a:rPr>
-              <a:t> is </a:t>
-            </a:r>
-            <a:r>
-              <a:rPr lang="en-US" sz="1400" dirty="0">
-                <a:solidFill>
-                  <a:srgbClr val="000000"/>
-                </a:solidFill>
-                <a:latin typeface="Consolas" panose="020B0609020204030204" pitchFamily="49" charset="0"/>
-              </a:rPr>
-              <a:t>{prices[</a:t>
-            </a:r>
-            <a:r>
-              <a:rPr lang="en-US" sz="1400" dirty="0" err="1">
-                <a:solidFill>
-                  <a:srgbClr val="000000"/>
-                </a:solidFill>
-                <a:latin typeface="Consolas" panose="020B0609020204030204" pitchFamily="49" charset="0"/>
-              </a:rPr>
-              <a:t>productIndex</a:t>
-            </a:r>
-            <a:r>
-              <a:rPr lang="en-US" sz="1400" dirty="0">
-                <a:solidFill>
-                  <a:srgbClr val="000000"/>
-                </a:solidFill>
-                <a:latin typeface="Consolas" panose="020B0609020204030204" pitchFamily="49" charset="0"/>
-              </a:rPr>
-              <a:t>]}</a:t>
-            </a:r>
-            <a:r>
-              <a:rPr lang="en-US" sz="1400" dirty="0">
-                <a:solidFill>
-                  <a:srgbClr val="A31515"/>
-                </a:solidFill>
-                <a:latin typeface="Consolas" panose="020B0609020204030204" pitchFamily="49" charset="0"/>
-              </a:rPr>
-              <a:t>"</a:t>
-            </a:r>
-            <a:r>
-              <a:rPr lang="en-US" sz="1400" dirty="0">
-                <a:solidFill>
-                  <a:srgbClr val="000000"/>
-                </a:solidFill>
-                <a:latin typeface="Consolas" panose="020B0609020204030204" pitchFamily="49" charset="0"/>
-              </a:rPr>
-              <a:t>);</a:t>
-            </a:r>
-          </a:p>
-          <a:p>
-            <a:r>
-              <a:rPr lang="nl-BE" sz="1400" dirty="0">
-                <a:solidFill>
-                  <a:srgbClr val="000000"/>
-                </a:solidFill>
-                <a:latin typeface="Consolas" panose="020B0609020204030204" pitchFamily="49" charset="0"/>
-              </a:rPr>
-              <a:t>}</a:t>
-            </a:r>
-          </a:p>
-          <a:p>
-            <a:r>
-              <a:rPr lang="nl-BE" sz="1400" dirty="0" err="1">
-                <a:solidFill>
-                  <a:srgbClr val="0000FF"/>
-                </a:solidFill>
-                <a:latin typeface="Consolas" panose="020B0609020204030204" pitchFamily="49" charset="0"/>
-              </a:rPr>
-              <a:t>else</a:t>
-            </a:r>
-            <a:endParaRPr lang="nl-BE" sz="1400" dirty="0">
-              <a:solidFill>
-                <a:srgbClr val="000000"/>
-              </a:solidFill>
-              <a:latin typeface="Consolas" panose="020B0609020204030204" pitchFamily="49" charset="0"/>
-            </a:endParaRPr>
-          </a:p>
-          <a:p>
-            <a:r>
-              <a:rPr lang="nl-BE" sz="1400" dirty="0">
-                <a:solidFill>
-                  <a:srgbClr val="000000"/>
-                </a:solidFill>
-                <a:latin typeface="Consolas" panose="020B0609020204030204" pitchFamily="49" charset="0"/>
-              </a:rPr>
-              <a:t>{</a:t>
-            </a:r>
-          </a:p>
-          <a:p>
-            <a:r>
-              <a:rPr lang="nl-BE" sz="1400" dirty="0">
-                <a:solidFill>
-                  <a:srgbClr val="000000"/>
-                </a:solidFill>
-                <a:latin typeface="Consolas" panose="020B0609020204030204" pitchFamily="49" charset="0"/>
-              </a:rPr>
-              <a:t>    </a:t>
-            </a:r>
-            <a:r>
-              <a:rPr lang="nl-BE" sz="1400" dirty="0" err="1">
-                <a:solidFill>
-                  <a:srgbClr val="000000"/>
-                </a:solidFill>
-                <a:latin typeface="Consolas" panose="020B0609020204030204" pitchFamily="49" charset="0"/>
-              </a:rPr>
-              <a:t>Console.WriteLine</a:t>
-            </a:r>
-            <a:r>
-              <a:rPr lang="nl-BE" sz="1400" dirty="0">
-                <a:solidFill>
-                  <a:srgbClr val="000000"/>
-                </a:solidFill>
-                <a:latin typeface="Consolas" panose="020B0609020204030204" pitchFamily="49" charset="0"/>
-              </a:rPr>
-              <a:t>(</a:t>
-            </a:r>
-            <a:r>
-              <a:rPr lang="nl-BE" sz="1400" dirty="0">
-                <a:solidFill>
-                  <a:srgbClr val="A31515"/>
-                </a:solidFill>
-                <a:latin typeface="Consolas" panose="020B0609020204030204" pitchFamily="49" charset="0"/>
-              </a:rPr>
-              <a:t>"</a:t>
-            </a:r>
-            <a:r>
-              <a:rPr lang="nl-BE" sz="1400" dirty="0" err="1">
-                <a:solidFill>
-                  <a:srgbClr val="A31515"/>
-                </a:solidFill>
-                <a:latin typeface="Consolas" panose="020B0609020204030204" pitchFamily="49" charset="0"/>
-              </a:rPr>
-              <a:t>Not</a:t>
-            </a:r>
-            <a:r>
-              <a:rPr lang="nl-BE" sz="1400" dirty="0">
-                <a:solidFill>
-                  <a:srgbClr val="A31515"/>
-                </a:solidFill>
-                <a:latin typeface="Consolas" panose="020B0609020204030204" pitchFamily="49" charset="0"/>
-              </a:rPr>
-              <a:t> found"</a:t>
-            </a:r>
-            <a:r>
-              <a:rPr lang="nl-BE" sz="1400" dirty="0">
-                <a:solidFill>
-                  <a:srgbClr val="000000"/>
-                </a:solidFill>
-                <a:latin typeface="Consolas" panose="020B0609020204030204" pitchFamily="49" charset="0"/>
-              </a:rPr>
-              <a:t>);</a:t>
-            </a:r>
-          </a:p>
-          <a:p>
-            <a:r>
-              <a:rPr lang="nl-BE" sz="1400" dirty="0">
-                <a:solidFill>
-                  <a:srgbClr val="000000"/>
-                </a:solidFill>
-                <a:latin typeface="Consolas" panose="020B0609020204030204" pitchFamily="49" charset="0"/>
-              </a:rPr>
-              <a:t>}</a:t>
-            </a:r>
-            <a:endParaRPr lang="nl-BE" sz="1400" dirty="0"/>
-          </a:p>
-        </p:txBody>
-      </p:sp>
-    </p:spTree>
-    <p:extLst>
-      <p:ext uri="{BB962C8B-B14F-4D97-AF65-F5344CB8AC3E}">
-        <p14:creationId xmlns:p14="http://schemas.microsoft.com/office/powerpoint/2010/main" val="3205280493"/>
-      </p:ext>
-    </p:extLst>
-  </p:cSld>
-  <p:clrMapOvr>
-    <a:masterClrMapping/>
-  </p:clrMapOvr>
-</p:sld>
-</file>
-
-<file path=ppt/slides/slide19.xml><?xml version="1.0" encoding="utf-8"?>
-<p:sld xmlns:a="http://schemas.openxmlformats.org/drawingml/2006/main" xmlns:r="http://schemas.openxmlformats.org/officeDocument/2006/relationships" xmlns:p="http://schemas.openxmlformats.org/presentationml/2006/main">
-  <p:cSld>
-    <p:bg>
-      <p:bgPr>
-        <a:solidFill>
-          <a:schemeClr val="bg1"/>
-        </a:solidFill>
-        <a:effectLst/>
-      </p:bgPr>
-    </p:bg>
-    <p:spTree>
-      <p:nvGrpSpPr>
-        <p:cNvPr id="1" name=""/>
-        <p:cNvGrpSpPr/>
-        <p:nvPr/>
-      </p:nvGrpSpPr>
-      <p:grpSpPr>
-        <a:xfrm>
-          <a:off x="0" y="0"/>
-          <a:ext cx="0" cy="0"/>
-          <a:chOff x="0" y="0"/>
-          <a:chExt cx="0" cy="0"/>
-        </a:xfrm>
-      </p:grpSpPr>
-      <p:sp>
-        <p:nvSpPr>
-          <p:cNvPr id="74" name="Rectangle 73">
-            <a:extLst>
-              <a:ext uri="{FF2B5EF4-FFF2-40B4-BE49-F238E27FC236}">
-                <a16:creationId xmlns:a16="http://schemas.microsoft.com/office/drawing/2014/main" id="{4351DFE5-F63D-4BE0-BDA9-E3EB88F01AA5}"/>
-              </a:ext>
-              <a:ext uri="{C183D7F6-B498-43B3-948B-1728B52AA6E4}">
-                <adec:decorative xmlns:adec="http://schemas.microsoft.com/office/drawing/2017/decorative" val="1"/>
-              </a:ext>
-            </a:extLst>
-          </p:cNvPr>
-          <p:cNvSpPr>
-            <a:spLocks noGrp="1" noRot="1" noChangeAspect="1" noMove="1" noResize="1" noEditPoints="1" noAdjustHandles="1" noChangeArrowheads="1" noChangeShapeType="1" noTextEdit="1"/>
-          </p:cNvSpPr>
-          <p:nvPr>
-            <p:extLst>
-              <p:ext uri="{386F3935-93C4-4BCD-93E2-E3B085C9AB24}">
-                <p16:designElem xmlns:p16="http://schemas.microsoft.com/office/powerpoint/2015/main" val="1"/>
-              </p:ext>
-            </p:extLst>
-          </p:nvPr>
-        </p:nvSpPr>
-        <p:spPr>
-          <a:xfrm>
-            <a:off x="355601" y="0"/>
-            <a:ext cx="11480494" cy="2753936"/>
-          </a:xfrm>
-          <a:prstGeom prst="rect">
-            <a:avLst/>
-          </a:prstGeom>
-          <a:gradFill>
-            <a:gsLst>
-              <a:gs pos="0">
-                <a:schemeClr val="accent1">
-                  <a:lumMod val="90000"/>
-                </a:schemeClr>
-              </a:gs>
-              <a:gs pos="25000">
-                <a:schemeClr val="accent1">
-                  <a:lumMod val="90000"/>
-                </a:schemeClr>
-              </a:gs>
-              <a:gs pos="94000">
-                <a:schemeClr val="bg2">
-                  <a:lumMod val="25000"/>
-                </a:schemeClr>
-              </a:gs>
-              <a:gs pos="100000">
-                <a:schemeClr val="bg2">
-                  <a:lumMod val="25000"/>
-                </a:schemeClr>
-              </a:gs>
-            </a:gsLst>
-            <a:lin ang="4200000" scaled="0"/>
-          </a:gradFill>
-          <a:ln>
-            <a:noFill/>
-          </a:ln>
-        </p:spPr>
-        <p:style>
-          <a:lnRef idx="2">
-            <a:schemeClr val="accent1">
-              <a:shade val="50000"/>
-            </a:schemeClr>
-          </a:lnRef>
-          <a:fillRef idx="1">
-            <a:schemeClr val="accent1"/>
-          </a:fillRef>
-          <a:effectRef idx="0">
-            <a:schemeClr val="accent1"/>
-          </a:effectRef>
-          <a:fontRef idx="minor">
-            <a:schemeClr val="lt1"/>
-          </a:fontRef>
-        </p:style>
-        <p:txBody>
-          <a:bodyPr rtlCol="0" anchor="ctr"/>
-          <a:lstStyle/>
-          <a:p>
-            <a:pPr algn="ctr"/>
-            <a:endParaRPr lang="en-US"/>
-          </a:p>
-        </p:txBody>
-      </p:sp>
-      <p:pic>
-        <p:nvPicPr>
-          <p:cNvPr id="76" name="Picture 75">
-            <a:extLst>
-              <a:ext uri="{FF2B5EF4-FFF2-40B4-BE49-F238E27FC236}">
-                <a16:creationId xmlns:a16="http://schemas.microsoft.com/office/drawing/2014/main" id="{3AA16612-ACD2-4A16-8F2B-4514FD6BF28F}"/>
-              </a:ext>
-              <a:ext uri="{C183D7F6-B498-43B3-948B-1728B52AA6E4}">
-                <adec:decorative xmlns:adec="http://schemas.microsoft.com/office/drawing/2017/decorative" val="1"/>
-              </a:ext>
-            </a:extLst>
-          </p:cNvPr>
-          <p:cNvPicPr>
-            <a:picLocks noGrp="1" noRot="1" noChangeAspect="1" noMove="1" noResize="1" noEditPoints="1" noAdjustHandles="1" noChangeArrowheads="1" noChangeShapeType="1" noCrop="1"/>
-          </p:cNvPicPr>
-          <p:nvPr>
-            <p:extLst>
-              <p:ext uri="{386F3935-93C4-4BCD-93E2-E3B085C9AB24}">
-                <p16:designElem xmlns:p16="http://schemas.microsoft.com/office/powerpoint/2015/main" val="1"/>
-              </p:ext>
-            </p:extLst>
-          </p:nvPr>
-        </p:nvPicPr>
-        <p:blipFill>
-          <a:blip r:embed="rId3">
-            <a:extLst>
-              <a:ext uri="{28A0092B-C50C-407E-A947-70E740481C1C}">
-                <a14:useLocalDpi xmlns:a14="http://schemas.microsoft.com/office/drawing/2010/main" val="0"/>
-              </a:ext>
-            </a:extLst>
-          </a:blip>
-          <a:stretch>
-            <a:fillRect/>
-          </a:stretch>
-        </p:blipFill>
-        <p:spPr>
-          <a:xfrm>
-            <a:off x="0" y="0"/>
-            <a:ext cx="12192000" cy="6858000"/>
-          </a:xfrm>
-          <a:prstGeom prst="rect">
-            <a:avLst/>
-          </a:prstGeom>
-        </p:spPr>
-      </p:pic>
-      <p:sp>
-        <p:nvSpPr>
           <p:cNvPr id="20484" name="Rectangle 2"/>
           <p:cNvSpPr>
             <a:spLocks noGrp="1" noChangeArrowheads="1"/>
@@ -15155,346 +10160,7 @@
 </p:sld>
 </file>
 
-<file path=ppt/slides/slide2.xml><?xml version="1.0" encoding="utf-8"?>
-<p:sld xmlns:a="http://schemas.openxmlformats.org/drawingml/2006/main" xmlns:r="http://schemas.openxmlformats.org/officeDocument/2006/relationships" xmlns:p="http://schemas.openxmlformats.org/presentationml/2006/main">
-  <p:cSld>
-    <p:bg>
-      <p:bgPr>
-        <a:solidFill>
-          <a:schemeClr val="bg1"/>
-        </a:solidFill>
-        <a:effectLst/>
-      </p:bgPr>
-    </p:bg>
-    <p:spTree>
-      <p:nvGrpSpPr>
-        <p:cNvPr id="1" name=""/>
-        <p:cNvGrpSpPr/>
-        <p:nvPr/>
-      </p:nvGrpSpPr>
-      <p:grpSpPr>
-        <a:xfrm>
-          <a:off x="0" y="0"/>
-          <a:ext cx="0" cy="0"/>
-          <a:chOff x="0" y="0"/>
-          <a:chExt cx="0" cy="0"/>
-        </a:xfrm>
-      </p:grpSpPr>
-      <p:sp>
-        <p:nvSpPr>
-          <p:cNvPr id="9" name="Rectangle 8">
-            <a:extLst>
-              <a:ext uri="{FF2B5EF4-FFF2-40B4-BE49-F238E27FC236}">
-                <a16:creationId xmlns:a16="http://schemas.microsoft.com/office/drawing/2014/main" id="{86197D16-FE75-4A0E-A0C9-28C0F04A43DF}"/>
-              </a:ext>
-              <a:ext uri="{C183D7F6-B498-43B3-948B-1728B52AA6E4}">
-                <adec:decorative xmlns:adec="http://schemas.microsoft.com/office/drawing/2017/decorative" val="1"/>
-              </a:ext>
-            </a:extLst>
-          </p:cNvPr>
-          <p:cNvSpPr>
-            <a:spLocks noGrp="1" noRot="1" noChangeAspect="1" noMove="1" noResize="1" noEditPoints="1" noAdjustHandles="1" noChangeArrowheads="1" noChangeShapeType="1" noTextEdit="1"/>
-          </p:cNvSpPr>
-          <p:nvPr>
-            <p:extLst>
-              <p:ext uri="{386F3935-93C4-4BCD-93E2-E3B085C9AB24}">
-                <p16:designElem xmlns:p16="http://schemas.microsoft.com/office/powerpoint/2015/main" val="1"/>
-              </p:ext>
-            </p:extLst>
-          </p:nvPr>
-        </p:nvSpPr>
-        <p:spPr>
-          <a:xfrm>
-            <a:off x="0" y="0"/>
-            <a:ext cx="12192000" cy="5570220"/>
-          </a:xfrm>
-          <a:prstGeom prst="rect">
-            <a:avLst/>
-          </a:prstGeom>
-          <a:gradFill>
-            <a:gsLst>
-              <a:gs pos="0">
-                <a:schemeClr val="accent1">
-                  <a:lumMod val="90000"/>
-                </a:schemeClr>
-              </a:gs>
-              <a:gs pos="25000">
-                <a:schemeClr val="accent1">
-                  <a:lumMod val="90000"/>
-                </a:schemeClr>
-              </a:gs>
-              <a:gs pos="94000">
-                <a:schemeClr val="bg2">
-                  <a:lumMod val="25000"/>
-                </a:schemeClr>
-              </a:gs>
-              <a:gs pos="100000">
-                <a:schemeClr val="bg2">
-                  <a:lumMod val="25000"/>
-                </a:schemeClr>
-              </a:gs>
-            </a:gsLst>
-            <a:lin ang="4200000" scaled="0"/>
-          </a:gradFill>
-          <a:ln>
-            <a:noFill/>
-          </a:ln>
-        </p:spPr>
-        <p:style>
-          <a:lnRef idx="2">
-            <a:schemeClr val="accent1">
-              <a:shade val="50000"/>
-            </a:schemeClr>
-          </a:lnRef>
-          <a:fillRef idx="1">
-            <a:schemeClr val="accent1"/>
-          </a:fillRef>
-          <a:effectRef idx="0">
-            <a:schemeClr val="accent1"/>
-          </a:effectRef>
-          <a:fontRef idx="minor">
-            <a:schemeClr val="lt1"/>
-          </a:fontRef>
-        </p:style>
-        <p:txBody>
-          <a:bodyPr rtlCol="0" anchor="ctr"/>
-          <a:lstStyle/>
-          <a:p>
-            <a:pPr algn="ctr"/>
-            <a:endParaRPr lang="en-US"/>
-          </a:p>
-        </p:txBody>
-      </p:sp>
-      <p:pic>
-        <p:nvPicPr>
-          <p:cNvPr id="11" name="Picture 10">
-            <a:extLst>
-              <a:ext uri="{FF2B5EF4-FFF2-40B4-BE49-F238E27FC236}">
-                <a16:creationId xmlns:a16="http://schemas.microsoft.com/office/drawing/2014/main" id="{FA8FCEC6-4B30-4FF2-8B32-504BEAEA3A16}"/>
-              </a:ext>
-              <a:ext uri="{C183D7F6-B498-43B3-948B-1728B52AA6E4}">
-                <adec:decorative xmlns:adec="http://schemas.microsoft.com/office/drawing/2017/decorative" val="1"/>
-              </a:ext>
-            </a:extLst>
-          </p:cNvPr>
-          <p:cNvPicPr>
-            <a:picLocks noGrp="1" noRot="1" noChangeAspect="1" noMove="1" noResize="1" noEditPoints="1" noAdjustHandles="1" noChangeArrowheads="1" noChangeShapeType="1" noCrop="1"/>
-          </p:cNvPicPr>
-          <p:nvPr>
-            <p:extLst>
-              <p:ext uri="{386F3935-93C4-4BCD-93E2-E3B085C9AB24}">
-                <p16:designElem xmlns:p16="http://schemas.microsoft.com/office/powerpoint/2015/main" val="1"/>
-              </p:ext>
-            </p:extLst>
-          </p:nvPr>
-        </p:nvPicPr>
-        <p:blipFill>
-          <a:blip r:embed="rId2">
-            <a:extLst>
-              <a:ext uri="{28A0092B-C50C-407E-A947-70E740481C1C}">
-                <a14:useLocalDpi xmlns:a14="http://schemas.microsoft.com/office/drawing/2010/main" val="0"/>
-              </a:ext>
-            </a:extLst>
-          </a:blip>
-          <a:srcRect t="45716" b="9820"/>
-          <a:stretch>
-            <a:fillRect/>
-          </a:stretch>
-        </p:blipFill>
-        <p:spPr>
-          <a:xfrm>
-            <a:off x="0" y="3808676"/>
-            <a:ext cx="12192000" cy="3049325"/>
-          </a:xfrm>
-          <a:custGeom>
-            <a:avLst/>
-            <a:gdLst>
-              <a:gd name="connsiteX0" fmla="*/ 0 w 12192000"/>
-              <a:gd name="connsiteY0" fmla="*/ 0 h 3049325"/>
-              <a:gd name="connsiteX1" fmla="*/ 12192000 w 12192000"/>
-              <a:gd name="connsiteY1" fmla="*/ 0 h 3049325"/>
-              <a:gd name="connsiteX2" fmla="*/ 12192000 w 12192000"/>
-              <a:gd name="connsiteY2" fmla="*/ 3049325 h 3049325"/>
-              <a:gd name="connsiteX3" fmla="*/ 0 w 12192000"/>
-              <a:gd name="connsiteY3" fmla="*/ 3049325 h 3049325"/>
-            </a:gdLst>
-            <a:ahLst/>
-            <a:cxnLst>
-              <a:cxn ang="0">
-                <a:pos x="connsiteX0" y="connsiteY0"/>
-              </a:cxn>
-              <a:cxn ang="0">
-                <a:pos x="connsiteX1" y="connsiteY1"/>
-              </a:cxn>
-              <a:cxn ang="0">
-                <a:pos x="connsiteX2" y="connsiteY2"/>
-              </a:cxn>
-              <a:cxn ang="0">
-                <a:pos x="connsiteX3" y="connsiteY3"/>
-              </a:cxn>
-            </a:cxnLst>
-            <a:rect l="l" t="t" r="r" b="b"/>
-            <a:pathLst>
-              <a:path w="12192000" h="3049325">
-                <a:moveTo>
-                  <a:pt x="0" y="0"/>
-                </a:moveTo>
-                <a:lnTo>
-                  <a:pt x="12192000" y="0"/>
-                </a:lnTo>
-                <a:lnTo>
-                  <a:pt x="12192000" y="3049325"/>
-                </a:lnTo>
-                <a:lnTo>
-                  <a:pt x="0" y="3049325"/>
-                </a:lnTo>
-                <a:close/>
-              </a:path>
-            </a:pathLst>
-          </a:custGeom>
-        </p:spPr>
-      </p:pic>
-      <p:sp>
-        <p:nvSpPr>
-          <p:cNvPr id="2" name="Titel 1"/>
-          <p:cNvSpPr>
-            <a:spLocks noGrp="1"/>
-          </p:cNvSpPr>
-          <p:nvPr>
-            <p:ph type="title"/>
-          </p:nvPr>
-        </p:nvSpPr>
-        <p:spPr>
-          <a:xfrm>
-            <a:off x="804484" y="1191796"/>
-            <a:ext cx="10021446" cy="2976344"/>
-          </a:xfrm>
-        </p:spPr>
-        <p:txBody>
-          <a:bodyPr vert="horz" lIns="91440" tIns="45720" rIns="91440" bIns="45720" rtlCol="0" anchor="ctr">
-            <a:normAutofit/>
-          </a:bodyPr>
-          <a:lstStyle/>
-          <a:p>
-            <a:r>
-              <a:rPr lang="en-US" sz="6600" kern="1200">
-                <a:solidFill>
-                  <a:srgbClr val="FFFFFF"/>
-                </a:solidFill>
-                <a:latin typeface="+mj-lt"/>
-                <a:ea typeface="+mj-ea"/>
-                <a:cs typeface="+mj-cs"/>
-              </a:rPr>
-              <a:t>Array methoden</a:t>
-            </a:r>
-          </a:p>
-        </p:txBody>
-      </p:sp>
-      <p:sp>
-        <p:nvSpPr>
-          <p:cNvPr id="3" name="Tijdelijke aanduiding voor tekst 2"/>
-          <p:cNvSpPr>
-            <a:spLocks noGrp="1"/>
-          </p:cNvSpPr>
-          <p:nvPr>
-            <p:ph type="body" idx="1"/>
-          </p:nvPr>
-        </p:nvSpPr>
-        <p:spPr>
-          <a:xfrm>
-            <a:off x="804788" y="5318990"/>
-            <a:ext cx="9416898" cy="723670"/>
-          </a:xfrm>
-        </p:spPr>
-        <p:txBody>
-          <a:bodyPr vert="horz" lIns="91440" tIns="45720" rIns="91440" bIns="45720" rtlCol="0" anchor="t">
-            <a:normAutofit/>
-          </a:bodyPr>
-          <a:lstStyle/>
-          <a:p>
-            <a:endParaRPr lang="en-US" sz="1800" kern="1200">
-              <a:solidFill>
-                <a:srgbClr val="000000"/>
-              </a:solidFill>
-              <a:latin typeface="+mn-lt"/>
-              <a:ea typeface="+mn-ea"/>
-              <a:cs typeface="+mn-cs"/>
-            </a:endParaRPr>
-          </a:p>
-        </p:txBody>
-      </p:sp>
-      <p:sp>
-        <p:nvSpPr>
-          <p:cNvPr id="4" name="Tijdelijke aanduiding voor dianummer 3"/>
-          <p:cNvSpPr>
-            <a:spLocks noGrp="1"/>
-          </p:cNvSpPr>
-          <p:nvPr>
-            <p:ph type="sldNum" sz="quarter" idx="10"/>
-          </p:nvPr>
-        </p:nvSpPr>
-        <p:spPr>
-          <a:xfrm>
-            <a:off x="10825930" y="6223702"/>
-            <a:ext cx="570728" cy="314067"/>
-          </a:xfrm>
-        </p:spPr>
-        <p:txBody>
-          <a:bodyPr vert="horz" lIns="91440" tIns="45720" rIns="91440" bIns="45720" rtlCol="0" anchor="ctr">
-            <a:normAutofit/>
-          </a:bodyPr>
-          <a:lstStyle/>
-          <a:p>
-            <a:pPr algn="r">
-              <a:spcAft>
-                <a:spcPts val="600"/>
-              </a:spcAft>
-              <a:defRPr/>
-            </a:pPr>
-            <a:r>
-              <a:rPr lang="en-US" sz="1000">
-                <a:solidFill>
-                  <a:srgbClr val="898989"/>
-                </a:solidFill>
-              </a:rPr>
-              <a:t>| </a:t>
-            </a:r>
-            <a:fld id="{07DCCE98-C9D1-4FEF-ADDE-AE30A9E734C1}" type="slidenum">
-              <a:rPr lang="en-US" sz="1000">
-                <a:solidFill>
-                  <a:srgbClr val="898989"/>
-                </a:solidFill>
-              </a:rPr>
-              <a:pPr algn="r">
-                <a:spcAft>
-                  <a:spcPts val="600"/>
-                </a:spcAft>
-                <a:defRPr/>
-              </a:pPr>
-              <a:t>2</a:t>
-            </a:fld>
-            <a:endParaRPr lang="en-US" sz="1000">
-              <a:solidFill>
-                <a:srgbClr val="898989"/>
-              </a:solidFill>
-            </a:endParaRPr>
-          </a:p>
-        </p:txBody>
-      </p:sp>
-    </p:spTree>
-    <p:extLst>
-      <p:ext uri="{BB962C8B-B14F-4D97-AF65-F5344CB8AC3E}">
-        <p14:creationId xmlns:p14="http://schemas.microsoft.com/office/powerpoint/2010/main" val="578773536"/>
-      </p:ext>
-    </p:extLst>
-  </p:cSld>
-  <p:clrMapOvr>
-    <a:masterClrMapping/>
-  </p:clrMapOvr>
-</p:sld>
-</file>
-
-<file path=ppt/slides/slide20.xml><?xml version="1.0" encoding="utf-8"?>
+<file path=ppt/slides/slide16.xml><?xml version="1.0" encoding="utf-8"?>
 <p:sld xmlns:a="http://schemas.openxmlformats.org/drawingml/2006/main" xmlns:r="http://schemas.openxmlformats.org/officeDocument/2006/relationships" xmlns:p="http://schemas.openxmlformats.org/presentationml/2006/main">
   <p:cSld>
     <p:spTree>
@@ -16485,7 +11151,7 @@
 </p:sld>
 </file>
 
-<file path=ppt/slides/slide21.xml><?xml version="1.0" encoding="utf-8"?>
+<file path=ppt/slides/slide17.xml><?xml version="1.0" encoding="utf-8"?>
 <p:sld xmlns:a="http://schemas.openxmlformats.org/drawingml/2006/main" xmlns:r="http://schemas.openxmlformats.org/officeDocument/2006/relationships" xmlns:p="http://schemas.openxmlformats.org/presentationml/2006/main" show="0">
   <p:cSld>
     <p:spTree>
@@ -16634,7 +11300,7 @@
 </p:sld>
 </file>
 
-<file path=ppt/slides/slide22.xml><?xml version="1.0" encoding="utf-8"?>
+<file path=ppt/slides/slide18.xml><?xml version="1.0" encoding="utf-8"?>
 <p:sld xmlns:a="http://schemas.openxmlformats.org/drawingml/2006/main" xmlns:r="http://schemas.openxmlformats.org/officeDocument/2006/relationships" xmlns:p="http://schemas.openxmlformats.org/presentationml/2006/main" show="0">
   <p:cSld>
     <p:spTree>
@@ -16748,7 +11414,7 @@
 </p:sld>
 </file>
 
-<file path=ppt/slides/slide23.xml><?xml version="1.0" encoding="utf-8"?>
+<file path=ppt/slides/slide19.xml><?xml version="1.0" encoding="utf-8"?>
 <p:sld xmlns:a="http://schemas.openxmlformats.org/drawingml/2006/main" xmlns:r="http://schemas.openxmlformats.org/officeDocument/2006/relationships" xmlns:p="http://schemas.openxmlformats.org/presentationml/2006/main">
   <p:cSld>
     <p:bg>
@@ -17314,7 +11980,346 @@
 </p:sld>
 </file>
 
-<file path=ppt/slides/slide24.xml><?xml version="1.0" encoding="utf-8"?>
+<file path=ppt/slides/slide2.xml><?xml version="1.0" encoding="utf-8"?>
+<p:sld xmlns:a="http://schemas.openxmlformats.org/drawingml/2006/main" xmlns:r="http://schemas.openxmlformats.org/officeDocument/2006/relationships" xmlns:p="http://schemas.openxmlformats.org/presentationml/2006/main">
+  <p:cSld>
+    <p:bg>
+      <p:bgPr>
+        <a:solidFill>
+          <a:schemeClr val="bg1"/>
+        </a:solidFill>
+        <a:effectLst/>
+      </p:bgPr>
+    </p:bg>
+    <p:spTree>
+      <p:nvGrpSpPr>
+        <p:cNvPr id="1" name=""/>
+        <p:cNvGrpSpPr/>
+        <p:nvPr/>
+      </p:nvGrpSpPr>
+      <p:grpSpPr>
+        <a:xfrm>
+          <a:off x="0" y="0"/>
+          <a:ext cx="0" cy="0"/>
+          <a:chOff x="0" y="0"/>
+          <a:chExt cx="0" cy="0"/>
+        </a:xfrm>
+      </p:grpSpPr>
+      <p:sp>
+        <p:nvSpPr>
+          <p:cNvPr id="9" name="Rectangle 8">
+            <a:extLst>
+              <a:ext uri="{FF2B5EF4-FFF2-40B4-BE49-F238E27FC236}">
+                <a16:creationId xmlns:a16="http://schemas.microsoft.com/office/drawing/2014/main" id="{86197D16-FE75-4A0E-A0C9-28C0F04A43DF}"/>
+              </a:ext>
+              <a:ext uri="{C183D7F6-B498-43B3-948B-1728B52AA6E4}">
+                <adec:decorative xmlns:adec="http://schemas.microsoft.com/office/drawing/2017/decorative" val="1"/>
+              </a:ext>
+            </a:extLst>
+          </p:cNvPr>
+          <p:cNvSpPr>
+            <a:spLocks noGrp="1" noRot="1" noChangeAspect="1" noMove="1" noResize="1" noEditPoints="1" noAdjustHandles="1" noChangeArrowheads="1" noChangeShapeType="1" noTextEdit="1"/>
+          </p:cNvSpPr>
+          <p:nvPr>
+            <p:extLst>
+              <p:ext uri="{386F3935-93C4-4BCD-93E2-E3B085C9AB24}">
+                <p16:designElem xmlns:p16="http://schemas.microsoft.com/office/powerpoint/2015/main" val="1"/>
+              </p:ext>
+            </p:extLst>
+          </p:nvPr>
+        </p:nvSpPr>
+        <p:spPr>
+          <a:xfrm>
+            <a:off x="0" y="0"/>
+            <a:ext cx="12192000" cy="5570220"/>
+          </a:xfrm>
+          <a:prstGeom prst="rect">
+            <a:avLst/>
+          </a:prstGeom>
+          <a:gradFill>
+            <a:gsLst>
+              <a:gs pos="0">
+                <a:schemeClr val="accent1">
+                  <a:lumMod val="90000"/>
+                </a:schemeClr>
+              </a:gs>
+              <a:gs pos="25000">
+                <a:schemeClr val="accent1">
+                  <a:lumMod val="90000"/>
+                </a:schemeClr>
+              </a:gs>
+              <a:gs pos="94000">
+                <a:schemeClr val="bg2">
+                  <a:lumMod val="25000"/>
+                </a:schemeClr>
+              </a:gs>
+              <a:gs pos="100000">
+                <a:schemeClr val="bg2">
+                  <a:lumMod val="25000"/>
+                </a:schemeClr>
+              </a:gs>
+            </a:gsLst>
+            <a:lin ang="4200000" scaled="0"/>
+          </a:gradFill>
+          <a:ln>
+            <a:noFill/>
+          </a:ln>
+        </p:spPr>
+        <p:style>
+          <a:lnRef idx="2">
+            <a:schemeClr val="accent1">
+              <a:shade val="50000"/>
+            </a:schemeClr>
+          </a:lnRef>
+          <a:fillRef idx="1">
+            <a:schemeClr val="accent1"/>
+          </a:fillRef>
+          <a:effectRef idx="0">
+            <a:schemeClr val="accent1"/>
+          </a:effectRef>
+          <a:fontRef idx="minor">
+            <a:schemeClr val="lt1"/>
+          </a:fontRef>
+        </p:style>
+        <p:txBody>
+          <a:bodyPr rtlCol="0" anchor="ctr"/>
+          <a:lstStyle/>
+          <a:p>
+            <a:pPr algn="ctr"/>
+            <a:endParaRPr lang="en-US"/>
+          </a:p>
+        </p:txBody>
+      </p:sp>
+      <p:pic>
+        <p:nvPicPr>
+          <p:cNvPr id="11" name="Picture 10">
+            <a:extLst>
+              <a:ext uri="{FF2B5EF4-FFF2-40B4-BE49-F238E27FC236}">
+                <a16:creationId xmlns:a16="http://schemas.microsoft.com/office/drawing/2014/main" id="{FA8FCEC6-4B30-4FF2-8B32-504BEAEA3A16}"/>
+              </a:ext>
+              <a:ext uri="{C183D7F6-B498-43B3-948B-1728B52AA6E4}">
+                <adec:decorative xmlns:adec="http://schemas.microsoft.com/office/drawing/2017/decorative" val="1"/>
+              </a:ext>
+            </a:extLst>
+          </p:cNvPr>
+          <p:cNvPicPr>
+            <a:picLocks noGrp="1" noRot="1" noChangeAspect="1" noMove="1" noResize="1" noEditPoints="1" noAdjustHandles="1" noChangeArrowheads="1" noChangeShapeType="1" noCrop="1"/>
+          </p:cNvPicPr>
+          <p:nvPr>
+            <p:extLst>
+              <p:ext uri="{386F3935-93C4-4BCD-93E2-E3B085C9AB24}">
+                <p16:designElem xmlns:p16="http://schemas.microsoft.com/office/powerpoint/2015/main" val="1"/>
+              </p:ext>
+            </p:extLst>
+          </p:nvPr>
+        </p:nvPicPr>
+        <p:blipFill>
+          <a:blip r:embed="rId2">
+            <a:extLst>
+              <a:ext uri="{28A0092B-C50C-407E-A947-70E740481C1C}">
+                <a14:useLocalDpi xmlns:a14="http://schemas.microsoft.com/office/drawing/2010/main" val="0"/>
+              </a:ext>
+            </a:extLst>
+          </a:blip>
+          <a:srcRect t="45716" b="9820"/>
+          <a:stretch>
+            <a:fillRect/>
+          </a:stretch>
+        </p:blipFill>
+        <p:spPr>
+          <a:xfrm>
+            <a:off x="0" y="3808676"/>
+            <a:ext cx="12192000" cy="3049325"/>
+          </a:xfrm>
+          <a:custGeom>
+            <a:avLst/>
+            <a:gdLst>
+              <a:gd name="connsiteX0" fmla="*/ 0 w 12192000"/>
+              <a:gd name="connsiteY0" fmla="*/ 0 h 3049325"/>
+              <a:gd name="connsiteX1" fmla="*/ 12192000 w 12192000"/>
+              <a:gd name="connsiteY1" fmla="*/ 0 h 3049325"/>
+              <a:gd name="connsiteX2" fmla="*/ 12192000 w 12192000"/>
+              <a:gd name="connsiteY2" fmla="*/ 3049325 h 3049325"/>
+              <a:gd name="connsiteX3" fmla="*/ 0 w 12192000"/>
+              <a:gd name="connsiteY3" fmla="*/ 3049325 h 3049325"/>
+            </a:gdLst>
+            <a:ahLst/>
+            <a:cxnLst>
+              <a:cxn ang="0">
+                <a:pos x="connsiteX0" y="connsiteY0"/>
+              </a:cxn>
+              <a:cxn ang="0">
+                <a:pos x="connsiteX1" y="connsiteY1"/>
+              </a:cxn>
+              <a:cxn ang="0">
+                <a:pos x="connsiteX2" y="connsiteY2"/>
+              </a:cxn>
+              <a:cxn ang="0">
+                <a:pos x="connsiteX3" y="connsiteY3"/>
+              </a:cxn>
+            </a:cxnLst>
+            <a:rect l="l" t="t" r="r" b="b"/>
+            <a:pathLst>
+              <a:path w="12192000" h="3049325">
+                <a:moveTo>
+                  <a:pt x="0" y="0"/>
+                </a:moveTo>
+                <a:lnTo>
+                  <a:pt x="12192000" y="0"/>
+                </a:lnTo>
+                <a:lnTo>
+                  <a:pt x="12192000" y="3049325"/>
+                </a:lnTo>
+                <a:lnTo>
+                  <a:pt x="0" y="3049325"/>
+                </a:lnTo>
+                <a:close/>
+              </a:path>
+            </a:pathLst>
+          </a:custGeom>
+        </p:spPr>
+      </p:pic>
+      <p:sp>
+        <p:nvSpPr>
+          <p:cNvPr id="2" name="Titel 1"/>
+          <p:cNvSpPr>
+            <a:spLocks noGrp="1"/>
+          </p:cNvSpPr>
+          <p:nvPr>
+            <p:ph type="title"/>
+          </p:nvPr>
+        </p:nvSpPr>
+        <p:spPr>
+          <a:xfrm>
+            <a:off x="804484" y="1191796"/>
+            <a:ext cx="10021446" cy="2976344"/>
+          </a:xfrm>
+        </p:spPr>
+        <p:txBody>
+          <a:bodyPr vert="horz" lIns="91440" tIns="45720" rIns="91440" bIns="45720" rtlCol="0" anchor="ctr">
+            <a:normAutofit/>
+          </a:bodyPr>
+          <a:lstStyle/>
+          <a:p>
+            <a:r>
+              <a:rPr lang="en-US" sz="6600" kern="1200">
+                <a:solidFill>
+                  <a:srgbClr val="FFFFFF"/>
+                </a:solidFill>
+                <a:latin typeface="+mj-lt"/>
+                <a:ea typeface="+mj-ea"/>
+                <a:cs typeface="+mj-cs"/>
+              </a:rPr>
+              <a:t>Array methoden</a:t>
+            </a:r>
+          </a:p>
+        </p:txBody>
+      </p:sp>
+      <p:sp>
+        <p:nvSpPr>
+          <p:cNvPr id="3" name="Tijdelijke aanduiding voor tekst 2"/>
+          <p:cNvSpPr>
+            <a:spLocks noGrp="1"/>
+          </p:cNvSpPr>
+          <p:nvPr>
+            <p:ph type="body" idx="1"/>
+          </p:nvPr>
+        </p:nvSpPr>
+        <p:spPr>
+          <a:xfrm>
+            <a:off x="804788" y="5318990"/>
+            <a:ext cx="9416898" cy="723670"/>
+          </a:xfrm>
+        </p:spPr>
+        <p:txBody>
+          <a:bodyPr vert="horz" lIns="91440" tIns="45720" rIns="91440" bIns="45720" rtlCol="0" anchor="t">
+            <a:normAutofit/>
+          </a:bodyPr>
+          <a:lstStyle/>
+          <a:p>
+            <a:endParaRPr lang="en-US" sz="1800" kern="1200">
+              <a:solidFill>
+                <a:srgbClr val="000000"/>
+              </a:solidFill>
+              <a:latin typeface="+mn-lt"/>
+              <a:ea typeface="+mn-ea"/>
+              <a:cs typeface="+mn-cs"/>
+            </a:endParaRPr>
+          </a:p>
+        </p:txBody>
+      </p:sp>
+      <p:sp>
+        <p:nvSpPr>
+          <p:cNvPr id="4" name="Tijdelijke aanduiding voor dianummer 3"/>
+          <p:cNvSpPr>
+            <a:spLocks noGrp="1"/>
+          </p:cNvSpPr>
+          <p:nvPr>
+            <p:ph type="sldNum" sz="quarter" idx="10"/>
+          </p:nvPr>
+        </p:nvSpPr>
+        <p:spPr>
+          <a:xfrm>
+            <a:off x="10825930" y="6223702"/>
+            <a:ext cx="570728" cy="314067"/>
+          </a:xfrm>
+        </p:spPr>
+        <p:txBody>
+          <a:bodyPr vert="horz" lIns="91440" tIns="45720" rIns="91440" bIns="45720" rtlCol="0" anchor="ctr">
+            <a:normAutofit/>
+          </a:bodyPr>
+          <a:lstStyle/>
+          <a:p>
+            <a:pPr algn="r">
+              <a:spcAft>
+                <a:spcPts val="600"/>
+              </a:spcAft>
+              <a:defRPr/>
+            </a:pPr>
+            <a:r>
+              <a:rPr lang="en-US" sz="1000">
+                <a:solidFill>
+                  <a:srgbClr val="898989"/>
+                </a:solidFill>
+              </a:rPr>
+              <a:t>| </a:t>
+            </a:r>
+            <a:fld id="{07DCCE98-C9D1-4FEF-ADDE-AE30A9E734C1}" type="slidenum">
+              <a:rPr lang="en-US" sz="1000">
+                <a:solidFill>
+                  <a:srgbClr val="898989"/>
+                </a:solidFill>
+              </a:rPr>
+              <a:pPr algn="r">
+                <a:spcAft>
+                  <a:spcPts val="600"/>
+                </a:spcAft>
+                <a:defRPr/>
+              </a:pPr>
+              <a:t>2</a:t>
+            </a:fld>
+            <a:endParaRPr lang="en-US" sz="1000">
+              <a:solidFill>
+                <a:srgbClr val="898989"/>
+              </a:solidFill>
+            </a:endParaRPr>
+          </a:p>
+        </p:txBody>
+      </p:sp>
+    </p:spTree>
+    <p:extLst>
+      <p:ext uri="{BB962C8B-B14F-4D97-AF65-F5344CB8AC3E}">
+        <p14:creationId xmlns:p14="http://schemas.microsoft.com/office/powerpoint/2010/main" val="578773536"/>
+      </p:ext>
+    </p:extLst>
+  </p:cSld>
+  <p:clrMapOvr>
+    <a:masterClrMapping/>
+  </p:clrMapOvr>
+</p:sld>
+</file>
+
+<file path=ppt/slides/slide20.xml><?xml version="1.0" encoding="utf-8"?>
 <p:sld xmlns:a="http://schemas.openxmlformats.org/drawingml/2006/main" xmlns:r="http://schemas.openxmlformats.org/officeDocument/2006/relationships" xmlns:p="http://schemas.openxmlformats.org/presentationml/2006/main">
   <p:cSld>
     <p:spTree>
@@ -20393,7 +15398,7 @@
                 </a:solidFill>
                 <a:latin typeface="Consolas" panose="020B0609020204030204" pitchFamily="49" charset="0"/>
               </a:rPr>
-              <a:t>(index&gt;0)</a:t>
+              <a:t>(index&gt;=0)</a:t>
             </a:r>
           </a:p>
           <a:p>
